--- a/04_Commands/04_Commands.pptx
+++ b/04_Commands/04_Commands.pptx
@@ -5,10 +5,10 @@
     <p:sldMasterId id="2147483658" r:id="rId1"/>
   </p:sldMasterIdLst>
   <p:notesMasterIdLst>
-    <p:notesMasterId r:id="rId40"/>
+    <p:notesMasterId r:id="rId41"/>
   </p:notesMasterIdLst>
   <p:handoutMasterIdLst>
-    <p:handoutMasterId r:id="rId41"/>
+    <p:handoutMasterId r:id="rId42"/>
   </p:handoutMasterIdLst>
   <p:sldIdLst>
     <p:sldId id="361" r:id="rId2"/>
@@ -40,15 +40,16 @@
     <p:sldId id="370" r:id="rId28"/>
     <p:sldId id="378" r:id="rId29"/>
     <p:sldId id="363" r:id="rId30"/>
-    <p:sldId id="399" r:id="rId31"/>
-    <p:sldId id="419" r:id="rId32"/>
-    <p:sldId id="400" r:id="rId33"/>
-    <p:sldId id="420" r:id="rId34"/>
-    <p:sldId id="401" r:id="rId35"/>
-    <p:sldId id="402" r:id="rId36"/>
-    <p:sldId id="405" r:id="rId37"/>
-    <p:sldId id="406" r:id="rId38"/>
-    <p:sldId id="407" r:id="rId39"/>
+    <p:sldId id="424" r:id="rId31"/>
+    <p:sldId id="399" r:id="rId32"/>
+    <p:sldId id="419" r:id="rId33"/>
+    <p:sldId id="400" r:id="rId34"/>
+    <p:sldId id="420" r:id="rId35"/>
+    <p:sldId id="401" r:id="rId36"/>
+    <p:sldId id="402" r:id="rId37"/>
+    <p:sldId id="405" r:id="rId38"/>
+    <p:sldId id="406" r:id="rId39"/>
+    <p:sldId id="407" r:id="rId40"/>
   </p:sldIdLst>
   <p:sldSz cx="9144000" cy="6858000" type="screen4x3"/>
   <p:notesSz cx="6934200" cy="9220200"/>
@@ -929,26 +930,22 @@
       </p:sp>
       <p:sp>
         <p:nvSpPr>
-          <p:cNvPr id="29700" name="Rectangle 3"/>
+          <p:cNvPr id="5" name="Notes Placeholder 4"/>
           <p:cNvSpPr>
-            <a:spLocks noGrp="1" noChangeArrowheads="1"/>
+            <a:spLocks noGrp="1"/>
           </p:cNvSpPr>
           <p:nvPr>
-            <p:ph type="body" idx="1"/>
+            <p:ph type="body" sz="quarter" idx="10"/>
           </p:nvPr>
         </p:nvSpPr>
-        <p:spPr>
-          <a:noFill/>
-          <a:ln/>
-        </p:spPr>
+        <p:spPr/>
         <p:txBody>
-          <a:bodyPr/>
+          <a:bodyPr>
+            <a:normAutofit/>
+          </a:bodyPr>
           <a:lstStyle/>
           <a:p>
-            <a:pPr eaLnBrk="1" hangingPunct="1"/>
-            <a:endParaRPr lang="en-US" dirty="0" smtClean="0">
-              <a:latin typeface="Arial" charset="0"/>
-            </a:endParaRPr>
+            <a:endParaRPr lang="en-US"/>
           </a:p>
         </p:txBody>
       </p:sp>
@@ -997,30 +994,6 @@
       </p:sp>
       <p:sp>
         <p:nvSpPr>
-          <p:cNvPr id="34819" name="Notes Placeholder 2"/>
-          <p:cNvSpPr>
-            <a:spLocks noGrp="1"/>
-          </p:cNvSpPr>
-          <p:nvPr>
-            <p:ph type="body" idx="1"/>
-          </p:nvPr>
-        </p:nvSpPr>
-        <p:spPr>
-          <a:noFill/>
-          <a:ln/>
-        </p:spPr>
-        <p:txBody>
-          <a:bodyPr/>
-          <a:lstStyle/>
-          <a:p>
-            <a:endParaRPr lang="en-US" dirty="0" smtClean="0">
-              <a:latin typeface="Arial" charset="0"/>
-            </a:endParaRPr>
-          </a:p>
-        </p:txBody>
-      </p:sp>
-      <p:sp>
-        <p:nvSpPr>
           <p:cNvPr id="34820" name="Slide Number Placeholder 3"/>
           <p:cNvSpPr>
             <a:spLocks noGrp="1"/>
@@ -1046,6 +1019,27 @@
             <a:endParaRPr lang="en-US" smtClean="0">
               <a:latin typeface="Arial" charset="0"/>
             </a:endParaRPr>
+          </a:p>
+        </p:txBody>
+      </p:sp>
+      <p:sp>
+        <p:nvSpPr>
+          <p:cNvPr id="5" name="Notes Placeholder 4"/>
+          <p:cNvSpPr>
+            <a:spLocks noGrp="1"/>
+          </p:cNvSpPr>
+          <p:nvPr>
+            <p:ph type="body" sz="quarter" idx="10"/>
+          </p:nvPr>
+        </p:nvSpPr>
+        <p:spPr/>
+        <p:txBody>
+          <a:bodyPr>
+            <a:normAutofit/>
+          </a:bodyPr>
+          <a:lstStyle/>
+          <a:p>
+            <a:endParaRPr lang="en-US"/>
           </a:p>
         </p:txBody>
       </p:sp>
@@ -1094,31 +1088,6 @@
       </p:sp>
       <p:sp>
         <p:nvSpPr>
-          <p:cNvPr id="35843" name="Notes Placeholder 2"/>
-          <p:cNvSpPr>
-            <a:spLocks noGrp="1"/>
-          </p:cNvSpPr>
-          <p:nvPr>
-            <p:ph type="body" idx="1"/>
-          </p:nvPr>
-        </p:nvSpPr>
-        <p:spPr>
-          <a:noFill/>
-          <a:ln/>
-        </p:spPr>
-        <p:txBody>
-          <a:bodyPr/>
-          <a:lstStyle/>
-          <a:p>
-            <a:pPr eaLnBrk="1" hangingPunct="1"/>
-            <a:endParaRPr lang="en-US" dirty="0" smtClean="0">
-              <a:latin typeface="Arial" charset="0"/>
-            </a:endParaRPr>
-          </a:p>
-        </p:txBody>
-      </p:sp>
-      <p:sp>
-        <p:nvSpPr>
           <p:cNvPr id="35844" name="Slide Number Placeholder 3"/>
           <p:cNvSpPr>
             <a:spLocks noGrp="1"/>
@@ -1144,6 +1113,27 @@
             <a:endParaRPr lang="en-US" smtClean="0">
               <a:latin typeface="Arial" charset="0"/>
             </a:endParaRPr>
+          </a:p>
+        </p:txBody>
+      </p:sp>
+      <p:sp>
+        <p:nvSpPr>
+          <p:cNvPr id="5" name="Notes Placeholder 4"/>
+          <p:cNvSpPr>
+            <a:spLocks noGrp="1"/>
+          </p:cNvSpPr>
+          <p:nvPr>
+            <p:ph type="body" sz="quarter" idx="10"/>
+          </p:nvPr>
+        </p:nvSpPr>
+        <p:spPr/>
+        <p:txBody>
+          <a:bodyPr>
+            <a:normAutofit/>
+          </a:bodyPr>
+          <a:lstStyle/>
+          <a:p>
+            <a:endParaRPr lang="en-US"/>
           </a:p>
         </p:txBody>
       </p:sp>
@@ -1283,12 +1273,41 @@
       </p:sp>
       <p:sp>
         <p:nvSpPr>
-          <p:cNvPr id="3" name="Notes Placeholder 2"/>
+          <p:cNvPr id="4" name="Slide Number Placeholder 3"/>
           <p:cNvSpPr>
             <a:spLocks noGrp="1"/>
           </p:cNvSpPr>
           <p:nvPr>
-            <p:ph type="body" idx="1"/>
+            <p:ph type="sldNum" sz="quarter" idx="10"/>
+          </p:nvPr>
+        </p:nvSpPr>
+        <p:spPr/>
+        <p:txBody>
+          <a:bodyPr/>
+          <a:lstStyle/>
+          <a:p>
+            <a:pPr>
+              <a:defRPr/>
+            </a:pPr>
+            <a:fld id="{0618F2DF-3AF0-41F5-B1B6-3D61669718B9}" type="slidenum">
+              <a:rPr lang="en-US" smtClean="0"/>
+              <a:pPr>
+                <a:defRPr/>
+              </a:pPr>
+              <a:t>13</a:t>
+            </a:fld>
+            <a:endParaRPr lang="en-US"/>
+          </a:p>
+        </p:txBody>
+      </p:sp>
+      <p:sp>
+        <p:nvSpPr>
+          <p:cNvPr id="5" name="Notes Placeholder 4"/>
+          <p:cNvSpPr>
+            <a:spLocks noGrp="1"/>
+          </p:cNvSpPr>
+          <p:nvPr>
+            <p:ph type="body" sz="quarter" idx="11"/>
           </p:nvPr>
         </p:nvSpPr>
         <p:spPr/>
@@ -1298,9 +1317,51 @@
           </a:bodyPr>
           <a:lstStyle/>
           <a:p>
-            <a:endParaRPr lang="en-US" dirty="0"/>
+            <a:endParaRPr lang="en-US"/>
           </a:p>
         </p:txBody>
+      </p:sp>
+    </p:spTree>
+  </p:cSld>
+  <p:clrMapOvr>
+    <a:masterClrMapping/>
+  </p:clrMapOvr>
+</p:notes>
+</file>
+
+<file path=ppt/notesSlides/notesSlide14.xml><?xml version="1.0" encoding="utf-8"?>
+<p:notes xmlns:a="http://schemas.openxmlformats.org/drawingml/2006/main" xmlns:r="http://schemas.openxmlformats.org/officeDocument/2006/relationships" xmlns:p="http://schemas.openxmlformats.org/presentationml/2006/main">
+  <p:cSld>
+    <p:spTree>
+      <p:nvGrpSpPr>
+        <p:cNvPr id="1" name=""/>
+        <p:cNvGrpSpPr/>
+        <p:nvPr/>
+      </p:nvGrpSpPr>
+      <p:grpSpPr>
+        <a:xfrm>
+          <a:off x="0" y="0"/>
+          <a:ext cx="0" cy="0"/>
+          <a:chOff x="0" y="0"/>
+          <a:chExt cx="0" cy="0"/>
+        </a:xfrm>
+      </p:grpSpPr>
+      <p:sp>
+        <p:nvSpPr>
+          <p:cNvPr id="2" name="Slide Image Placeholder 1"/>
+          <p:cNvSpPr>
+            <a:spLocks noGrp="1" noRot="1" noChangeAspect="1"/>
+          </p:cNvSpPr>
+          <p:nvPr>
+            <p:ph type="sldImg"/>
+          </p:nvPr>
+        </p:nvSpPr>
+        <p:spPr>
+          <a:xfrm>
+            <a:off x="1716088" y="692150"/>
+            <a:ext cx="3597275" cy="2698750"/>
+          </a:xfrm>
+        </p:spPr>
       </p:sp>
       <p:sp>
         <p:nvSpPr>
@@ -1325,8 +1386,29 @@
               <a:pPr>
                 <a:defRPr/>
               </a:pPr>
-              <a:t>13</a:t>
+              <a:t>14</a:t>
             </a:fld>
+            <a:endParaRPr lang="en-US"/>
+          </a:p>
+        </p:txBody>
+      </p:sp>
+      <p:sp>
+        <p:nvSpPr>
+          <p:cNvPr id="5" name="Notes Placeholder 4"/>
+          <p:cNvSpPr>
+            <a:spLocks noGrp="1"/>
+          </p:cNvSpPr>
+          <p:nvPr>
+            <p:ph type="body" sz="quarter" idx="11"/>
+          </p:nvPr>
+        </p:nvSpPr>
+        <p:spPr/>
+        <p:txBody>
+          <a:bodyPr>
+            <a:normAutofit/>
+          </a:bodyPr>
+          <a:lstStyle/>
+          <a:p>
             <a:endParaRPr lang="en-US"/>
           </a:p>
         </p:txBody>
@@ -1339,7 +1421,2406 @@
 </p:notes>
 </file>
 
-<file path=ppt/notesSlides/notesSlide14.xml><?xml version="1.0" encoding="utf-8"?>
+<file path=ppt/notesSlides/notesSlide15.xml><?xml version="1.0" encoding="utf-8"?>
+<p:notes xmlns:a="http://schemas.openxmlformats.org/drawingml/2006/main" xmlns:r="http://schemas.openxmlformats.org/officeDocument/2006/relationships" xmlns:p="http://schemas.openxmlformats.org/presentationml/2006/main">
+  <p:cSld>
+    <p:spTree>
+      <p:nvGrpSpPr>
+        <p:cNvPr id="1" name=""/>
+        <p:cNvGrpSpPr/>
+        <p:nvPr/>
+      </p:nvGrpSpPr>
+      <p:grpSpPr>
+        <a:xfrm>
+          <a:off x="0" y="0"/>
+          <a:ext cx="0" cy="0"/>
+          <a:chOff x="0" y="0"/>
+          <a:chExt cx="0" cy="0"/>
+        </a:xfrm>
+      </p:grpSpPr>
+      <p:sp>
+        <p:nvSpPr>
+          <p:cNvPr id="36866" name="Slide Image Placeholder 1"/>
+          <p:cNvSpPr>
+            <a:spLocks noGrp="1" noRot="1" noChangeAspect="1" noTextEdit="1"/>
+          </p:cNvSpPr>
+          <p:nvPr>
+            <p:ph type="sldImg"/>
+          </p:nvPr>
+        </p:nvSpPr>
+        <p:spPr>
+          <a:xfrm>
+            <a:off x="1716088" y="692150"/>
+            <a:ext cx="3597275" cy="2698750"/>
+          </a:xfrm>
+          <a:ln/>
+        </p:spPr>
+      </p:sp>
+      <p:sp>
+        <p:nvSpPr>
+          <p:cNvPr id="36868" name="Slide Number Placeholder 3"/>
+          <p:cNvSpPr>
+            <a:spLocks noGrp="1"/>
+          </p:cNvSpPr>
+          <p:nvPr>
+            <p:ph type="sldNum" sz="quarter" idx="5"/>
+          </p:nvPr>
+        </p:nvSpPr>
+        <p:spPr>
+          <a:noFill/>
+        </p:spPr>
+        <p:txBody>
+          <a:bodyPr/>
+          <a:lstStyle/>
+          <a:p>
+            <a:fld id="{E64CB18C-0F62-44C5-863B-33D6F28C604E}" type="slidenum">
+              <a:rPr lang="en-US" smtClean="0">
+                <a:latin typeface="Arial" charset="0"/>
+              </a:rPr>
+              <a:pPr/>
+              <a:t>15</a:t>
+            </a:fld>
+            <a:endParaRPr lang="en-US" smtClean="0">
+              <a:latin typeface="Arial" charset="0"/>
+            </a:endParaRPr>
+          </a:p>
+        </p:txBody>
+      </p:sp>
+      <p:sp>
+        <p:nvSpPr>
+          <p:cNvPr id="5" name="Notes Placeholder 4"/>
+          <p:cNvSpPr>
+            <a:spLocks noGrp="1"/>
+          </p:cNvSpPr>
+          <p:nvPr>
+            <p:ph type="body" sz="quarter" idx="10"/>
+          </p:nvPr>
+        </p:nvSpPr>
+        <p:spPr/>
+        <p:txBody>
+          <a:bodyPr>
+            <a:normAutofit/>
+          </a:bodyPr>
+          <a:lstStyle/>
+          <a:p>
+            <a:endParaRPr lang="en-US"/>
+          </a:p>
+        </p:txBody>
+      </p:sp>
+    </p:spTree>
+  </p:cSld>
+  <p:clrMapOvr>
+    <a:masterClrMapping/>
+  </p:clrMapOvr>
+</p:notes>
+</file>
+
+<file path=ppt/notesSlides/notesSlide16.xml><?xml version="1.0" encoding="utf-8"?>
+<p:notes xmlns:a="http://schemas.openxmlformats.org/drawingml/2006/main" xmlns:r="http://schemas.openxmlformats.org/officeDocument/2006/relationships" xmlns:p="http://schemas.openxmlformats.org/presentationml/2006/main">
+  <p:cSld>
+    <p:spTree>
+      <p:nvGrpSpPr>
+        <p:cNvPr id="1" name=""/>
+        <p:cNvGrpSpPr/>
+        <p:nvPr/>
+      </p:nvGrpSpPr>
+      <p:grpSpPr>
+        <a:xfrm>
+          <a:off x="0" y="0"/>
+          <a:ext cx="0" cy="0"/>
+          <a:chOff x="0" y="0"/>
+          <a:chExt cx="0" cy="0"/>
+        </a:xfrm>
+      </p:grpSpPr>
+      <p:sp>
+        <p:nvSpPr>
+          <p:cNvPr id="2" name="Slide Image Placeholder 1"/>
+          <p:cNvSpPr>
+            <a:spLocks noGrp="1" noRot="1" noChangeAspect="1"/>
+          </p:cNvSpPr>
+          <p:nvPr>
+            <p:ph type="sldImg"/>
+          </p:nvPr>
+        </p:nvSpPr>
+        <p:spPr>
+          <a:xfrm>
+            <a:off x="1716088" y="692150"/>
+            <a:ext cx="3597275" cy="2698750"/>
+          </a:xfrm>
+        </p:spPr>
+      </p:sp>
+      <p:sp>
+        <p:nvSpPr>
+          <p:cNvPr id="4" name="Slide Number Placeholder 3"/>
+          <p:cNvSpPr>
+            <a:spLocks noGrp="1"/>
+          </p:cNvSpPr>
+          <p:nvPr>
+            <p:ph type="sldNum" sz="quarter" idx="10"/>
+          </p:nvPr>
+        </p:nvSpPr>
+        <p:spPr/>
+        <p:txBody>
+          <a:bodyPr/>
+          <a:lstStyle/>
+          <a:p>
+            <a:pPr>
+              <a:defRPr/>
+            </a:pPr>
+            <a:fld id="{0618F2DF-3AF0-41F5-B1B6-3D61669718B9}" type="slidenum">
+              <a:rPr lang="en-US" smtClean="0"/>
+              <a:pPr>
+                <a:defRPr/>
+              </a:pPr>
+              <a:t>16</a:t>
+            </a:fld>
+            <a:endParaRPr lang="en-US"/>
+          </a:p>
+        </p:txBody>
+      </p:sp>
+      <p:sp>
+        <p:nvSpPr>
+          <p:cNvPr id="5" name="Notes Placeholder 4"/>
+          <p:cNvSpPr>
+            <a:spLocks noGrp="1"/>
+          </p:cNvSpPr>
+          <p:nvPr>
+            <p:ph type="body" sz="quarter" idx="11"/>
+          </p:nvPr>
+        </p:nvSpPr>
+        <p:spPr/>
+        <p:txBody>
+          <a:bodyPr>
+            <a:normAutofit/>
+          </a:bodyPr>
+          <a:lstStyle/>
+          <a:p>
+            <a:endParaRPr lang="en-US" dirty="0"/>
+          </a:p>
+        </p:txBody>
+      </p:sp>
+    </p:spTree>
+  </p:cSld>
+  <p:clrMapOvr>
+    <a:masterClrMapping/>
+  </p:clrMapOvr>
+</p:notes>
+</file>
+
+<file path=ppt/notesSlides/notesSlide17.xml><?xml version="1.0" encoding="utf-8"?>
+<p:notes xmlns:a="http://schemas.openxmlformats.org/drawingml/2006/main" xmlns:r="http://schemas.openxmlformats.org/officeDocument/2006/relationships" xmlns:p="http://schemas.openxmlformats.org/presentationml/2006/main">
+  <p:cSld>
+    <p:spTree>
+      <p:nvGrpSpPr>
+        <p:cNvPr id="1" name=""/>
+        <p:cNvGrpSpPr/>
+        <p:nvPr/>
+      </p:nvGrpSpPr>
+      <p:grpSpPr>
+        <a:xfrm>
+          <a:off x="0" y="0"/>
+          <a:ext cx="0" cy="0"/>
+          <a:chOff x="0" y="0"/>
+          <a:chExt cx="0" cy="0"/>
+        </a:xfrm>
+      </p:grpSpPr>
+      <p:sp>
+        <p:nvSpPr>
+          <p:cNvPr id="2" name="Slide Image Placeholder 1"/>
+          <p:cNvSpPr>
+            <a:spLocks noGrp="1" noRot="1" noChangeAspect="1"/>
+          </p:cNvSpPr>
+          <p:nvPr>
+            <p:ph type="sldImg"/>
+          </p:nvPr>
+        </p:nvSpPr>
+        <p:spPr>
+          <a:xfrm>
+            <a:off x="1716088" y="692150"/>
+            <a:ext cx="3597275" cy="2698750"/>
+          </a:xfrm>
+        </p:spPr>
+      </p:sp>
+      <p:sp>
+        <p:nvSpPr>
+          <p:cNvPr id="4" name="Slide Number Placeholder 3"/>
+          <p:cNvSpPr>
+            <a:spLocks noGrp="1"/>
+          </p:cNvSpPr>
+          <p:nvPr>
+            <p:ph type="sldNum" sz="quarter" idx="10"/>
+          </p:nvPr>
+        </p:nvSpPr>
+        <p:spPr/>
+        <p:txBody>
+          <a:bodyPr/>
+          <a:lstStyle/>
+          <a:p>
+            <a:pPr>
+              <a:defRPr/>
+            </a:pPr>
+            <a:fld id="{0618F2DF-3AF0-41F5-B1B6-3D61669718B9}" type="slidenum">
+              <a:rPr lang="en-US" smtClean="0"/>
+              <a:pPr>
+                <a:defRPr/>
+              </a:pPr>
+              <a:t>17</a:t>
+            </a:fld>
+            <a:endParaRPr lang="en-US"/>
+          </a:p>
+        </p:txBody>
+      </p:sp>
+      <p:sp>
+        <p:nvSpPr>
+          <p:cNvPr id="5" name="Notes Placeholder 4"/>
+          <p:cNvSpPr>
+            <a:spLocks noGrp="1"/>
+          </p:cNvSpPr>
+          <p:nvPr>
+            <p:ph type="body" sz="quarter" idx="11"/>
+          </p:nvPr>
+        </p:nvSpPr>
+        <p:spPr/>
+        <p:txBody>
+          <a:bodyPr>
+            <a:normAutofit/>
+          </a:bodyPr>
+          <a:lstStyle/>
+          <a:p>
+            <a:endParaRPr lang="en-US"/>
+          </a:p>
+        </p:txBody>
+      </p:sp>
+    </p:spTree>
+  </p:cSld>
+  <p:clrMapOvr>
+    <a:masterClrMapping/>
+  </p:clrMapOvr>
+</p:notes>
+</file>
+
+<file path=ppt/notesSlides/notesSlide18.xml><?xml version="1.0" encoding="utf-8"?>
+<p:notes xmlns:a="http://schemas.openxmlformats.org/drawingml/2006/main" xmlns:r="http://schemas.openxmlformats.org/officeDocument/2006/relationships" xmlns:p="http://schemas.openxmlformats.org/presentationml/2006/main">
+  <p:cSld>
+    <p:spTree>
+      <p:nvGrpSpPr>
+        <p:cNvPr id="1" name=""/>
+        <p:cNvGrpSpPr/>
+        <p:nvPr/>
+      </p:nvGrpSpPr>
+      <p:grpSpPr>
+        <a:xfrm>
+          <a:off x="0" y="0"/>
+          <a:ext cx="0" cy="0"/>
+          <a:chOff x="0" y="0"/>
+          <a:chExt cx="0" cy="0"/>
+        </a:xfrm>
+      </p:grpSpPr>
+      <p:sp>
+        <p:nvSpPr>
+          <p:cNvPr id="37890" name="Slide Image Placeholder 1"/>
+          <p:cNvSpPr>
+            <a:spLocks noGrp="1" noRot="1" noChangeAspect="1" noTextEdit="1"/>
+          </p:cNvSpPr>
+          <p:nvPr>
+            <p:ph type="sldImg"/>
+          </p:nvPr>
+        </p:nvSpPr>
+        <p:spPr>
+          <a:xfrm>
+            <a:off x="1716088" y="692150"/>
+            <a:ext cx="3597275" cy="2698750"/>
+          </a:xfrm>
+          <a:ln/>
+        </p:spPr>
+      </p:sp>
+      <p:sp>
+        <p:nvSpPr>
+          <p:cNvPr id="37892" name="Slide Number Placeholder 3"/>
+          <p:cNvSpPr>
+            <a:spLocks noGrp="1"/>
+          </p:cNvSpPr>
+          <p:nvPr>
+            <p:ph type="sldNum" sz="quarter" idx="5"/>
+          </p:nvPr>
+        </p:nvSpPr>
+        <p:spPr>
+          <a:noFill/>
+        </p:spPr>
+        <p:txBody>
+          <a:bodyPr/>
+          <a:lstStyle/>
+          <a:p>
+            <a:fld id="{81F403E2-76B8-4C86-91EB-73C734520D58}" type="slidenum">
+              <a:rPr lang="en-US" smtClean="0">
+                <a:latin typeface="Arial" charset="0"/>
+              </a:rPr>
+              <a:pPr/>
+              <a:t>18</a:t>
+            </a:fld>
+            <a:endParaRPr lang="en-US" smtClean="0">
+              <a:latin typeface="Arial" charset="0"/>
+            </a:endParaRPr>
+          </a:p>
+        </p:txBody>
+      </p:sp>
+      <p:sp>
+        <p:nvSpPr>
+          <p:cNvPr id="5" name="Notes Placeholder 4"/>
+          <p:cNvSpPr>
+            <a:spLocks noGrp="1"/>
+          </p:cNvSpPr>
+          <p:nvPr>
+            <p:ph type="body" sz="quarter" idx="10"/>
+          </p:nvPr>
+        </p:nvSpPr>
+        <p:spPr/>
+        <p:txBody>
+          <a:bodyPr>
+            <a:normAutofit/>
+          </a:bodyPr>
+          <a:lstStyle/>
+          <a:p>
+            <a:endParaRPr lang="en-US"/>
+          </a:p>
+        </p:txBody>
+      </p:sp>
+    </p:spTree>
+  </p:cSld>
+  <p:clrMapOvr>
+    <a:masterClrMapping/>
+  </p:clrMapOvr>
+</p:notes>
+</file>
+
+<file path=ppt/notesSlides/notesSlide19.xml><?xml version="1.0" encoding="utf-8"?>
+<p:notes xmlns:a="http://schemas.openxmlformats.org/drawingml/2006/main" xmlns:r="http://schemas.openxmlformats.org/officeDocument/2006/relationships" xmlns:p="http://schemas.openxmlformats.org/presentationml/2006/main">
+  <p:cSld>
+    <p:spTree>
+      <p:nvGrpSpPr>
+        <p:cNvPr id="1" name=""/>
+        <p:cNvGrpSpPr/>
+        <p:nvPr/>
+      </p:nvGrpSpPr>
+      <p:grpSpPr>
+        <a:xfrm>
+          <a:off x="0" y="0"/>
+          <a:ext cx="0" cy="0"/>
+          <a:chOff x="0" y="0"/>
+          <a:chExt cx="0" cy="0"/>
+        </a:xfrm>
+      </p:grpSpPr>
+      <p:sp>
+        <p:nvSpPr>
+          <p:cNvPr id="2" name="Slide Image Placeholder 1"/>
+          <p:cNvSpPr>
+            <a:spLocks noGrp="1" noRot="1" noChangeAspect="1"/>
+          </p:cNvSpPr>
+          <p:nvPr>
+            <p:ph type="sldImg"/>
+          </p:nvPr>
+        </p:nvSpPr>
+        <p:spPr>
+          <a:xfrm>
+            <a:off x="1716088" y="692150"/>
+            <a:ext cx="3597275" cy="2698750"/>
+          </a:xfrm>
+        </p:spPr>
+      </p:sp>
+      <p:sp>
+        <p:nvSpPr>
+          <p:cNvPr id="4" name="Slide Number Placeholder 3"/>
+          <p:cNvSpPr>
+            <a:spLocks noGrp="1"/>
+          </p:cNvSpPr>
+          <p:nvPr>
+            <p:ph type="sldNum" sz="quarter" idx="10"/>
+          </p:nvPr>
+        </p:nvSpPr>
+        <p:spPr/>
+        <p:txBody>
+          <a:bodyPr/>
+          <a:lstStyle/>
+          <a:p>
+            <a:pPr>
+              <a:defRPr/>
+            </a:pPr>
+            <a:fld id="{0618F2DF-3AF0-41F5-B1B6-3D61669718B9}" type="slidenum">
+              <a:rPr lang="en-US" smtClean="0"/>
+              <a:pPr>
+                <a:defRPr/>
+              </a:pPr>
+              <a:t>19</a:t>
+            </a:fld>
+            <a:endParaRPr lang="en-US"/>
+          </a:p>
+        </p:txBody>
+      </p:sp>
+      <p:sp>
+        <p:nvSpPr>
+          <p:cNvPr id="5" name="Notes Placeholder 4"/>
+          <p:cNvSpPr>
+            <a:spLocks noGrp="1"/>
+          </p:cNvSpPr>
+          <p:nvPr>
+            <p:ph type="body" sz="quarter" idx="11"/>
+          </p:nvPr>
+        </p:nvSpPr>
+        <p:spPr/>
+        <p:txBody>
+          <a:bodyPr>
+            <a:normAutofit/>
+          </a:bodyPr>
+          <a:lstStyle/>
+          <a:p>
+            <a:endParaRPr lang="en-US"/>
+          </a:p>
+        </p:txBody>
+      </p:sp>
+    </p:spTree>
+  </p:cSld>
+  <p:clrMapOvr>
+    <a:masterClrMapping/>
+  </p:clrMapOvr>
+</p:notes>
+</file>
+
+<file path=ppt/notesSlides/notesSlide2.xml><?xml version="1.0" encoding="utf-8"?>
+<p:notes xmlns:a="http://schemas.openxmlformats.org/drawingml/2006/main" xmlns:r="http://schemas.openxmlformats.org/officeDocument/2006/relationships" xmlns:p="http://schemas.openxmlformats.org/presentationml/2006/main">
+  <p:cSld>
+    <p:spTree>
+      <p:nvGrpSpPr>
+        <p:cNvPr id="1" name=""/>
+        <p:cNvGrpSpPr/>
+        <p:nvPr/>
+      </p:nvGrpSpPr>
+      <p:grpSpPr>
+        <a:xfrm>
+          <a:off x="0" y="0"/>
+          <a:ext cx="0" cy="0"/>
+          <a:chOff x="0" y="0"/>
+          <a:chExt cx="0" cy="0"/>
+        </a:xfrm>
+      </p:grpSpPr>
+      <p:sp>
+        <p:nvSpPr>
+          <p:cNvPr id="2" name="Slide Image Placeholder 1"/>
+          <p:cNvSpPr>
+            <a:spLocks noGrp="1" noRot="1" noChangeAspect="1"/>
+          </p:cNvSpPr>
+          <p:nvPr>
+            <p:ph type="sldImg"/>
+          </p:nvPr>
+        </p:nvSpPr>
+        <p:spPr>
+          <a:xfrm>
+            <a:off x="1716088" y="692150"/>
+            <a:ext cx="3597275" cy="2698750"/>
+          </a:xfrm>
+        </p:spPr>
+      </p:sp>
+      <p:sp>
+        <p:nvSpPr>
+          <p:cNvPr id="4" name="Slide Number Placeholder 3"/>
+          <p:cNvSpPr>
+            <a:spLocks noGrp="1"/>
+          </p:cNvSpPr>
+          <p:nvPr>
+            <p:ph type="sldNum" sz="quarter" idx="10"/>
+          </p:nvPr>
+        </p:nvSpPr>
+        <p:spPr/>
+        <p:txBody>
+          <a:bodyPr/>
+          <a:lstStyle/>
+          <a:p>
+            <a:pPr>
+              <a:defRPr/>
+            </a:pPr>
+            <a:fld id="{0618F2DF-3AF0-41F5-B1B6-3D61669718B9}" type="slidenum">
+              <a:rPr lang="en-US" smtClean="0"/>
+              <a:pPr>
+                <a:defRPr/>
+              </a:pPr>
+              <a:t>2</a:t>
+            </a:fld>
+            <a:endParaRPr lang="en-US"/>
+          </a:p>
+        </p:txBody>
+      </p:sp>
+      <p:sp>
+        <p:nvSpPr>
+          <p:cNvPr id="5" name="Notes Placeholder 4"/>
+          <p:cNvSpPr>
+            <a:spLocks noGrp="1"/>
+          </p:cNvSpPr>
+          <p:nvPr>
+            <p:ph type="body" sz="quarter" idx="11"/>
+          </p:nvPr>
+        </p:nvSpPr>
+        <p:spPr/>
+        <p:txBody>
+          <a:bodyPr>
+            <a:normAutofit/>
+          </a:bodyPr>
+          <a:lstStyle/>
+          <a:p>
+            <a:endParaRPr lang="en-US"/>
+          </a:p>
+        </p:txBody>
+      </p:sp>
+    </p:spTree>
+  </p:cSld>
+  <p:clrMapOvr>
+    <a:masterClrMapping/>
+  </p:clrMapOvr>
+</p:notes>
+</file>
+
+<file path=ppt/notesSlides/notesSlide20.xml><?xml version="1.0" encoding="utf-8"?>
+<p:notes xmlns:a="http://schemas.openxmlformats.org/drawingml/2006/main" xmlns:r="http://schemas.openxmlformats.org/officeDocument/2006/relationships" xmlns:p="http://schemas.openxmlformats.org/presentationml/2006/main">
+  <p:cSld>
+    <p:spTree>
+      <p:nvGrpSpPr>
+        <p:cNvPr id="1" name=""/>
+        <p:cNvGrpSpPr/>
+        <p:nvPr/>
+      </p:nvGrpSpPr>
+      <p:grpSpPr>
+        <a:xfrm>
+          <a:off x="0" y="0"/>
+          <a:ext cx="0" cy="0"/>
+          <a:chOff x="0" y="0"/>
+          <a:chExt cx="0" cy="0"/>
+        </a:xfrm>
+      </p:grpSpPr>
+      <p:sp>
+        <p:nvSpPr>
+          <p:cNvPr id="45058" name="Slide Image Placeholder 1"/>
+          <p:cNvSpPr>
+            <a:spLocks noGrp="1" noRot="1" noChangeAspect="1" noTextEdit="1"/>
+          </p:cNvSpPr>
+          <p:nvPr>
+            <p:ph type="sldImg"/>
+          </p:nvPr>
+        </p:nvSpPr>
+        <p:spPr>
+          <a:xfrm>
+            <a:off x="1716088" y="692150"/>
+            <a:ext cx="3597275" cy="2698750"/>
+          </a:xfrm>
+          <a:ln/>
+        </p:spPr>
+      </p:sp>
+      <p:sp>
+        <p:nvSpPr>
+          <p:cNvPr id="45060" name="Slide Number Placeholder 3"/>
+          <p:cNvSpPr>
+            <a:spLocks noGrp="1"/>
+          </p:cNvSpPr>
+          <p:nvPr>
+            <p:ph type="sldNum" sz="quarter" idx="5"/>
+          </p:nvPr>
+        </p:nvSpPr>
+        <p:spPr>
+          <a:noFill/>
+        </p:spPr>
+        <p:txBody>
+          <a:bodyPr/>
+          <a:lstStyle/>
+          <a:p>
+            <a:fld id="{0A1A2CE2-028D-4F59-B3C8-0C45DC439EA1}" type="slidenum">
+              <a:rPr lang="en-US" smtClean="0">
+                <a:latin typeface="Arial" charset="0"/>
+              </a:rPr>
+              <a:pPr/>
+              <a:t>20</a:t>
+            </a:fld>
+            <a:endParaRPr lang="en-US" smtClean="0">
+              <a:latin typeface="Arial" charset="0"/>
+            </a:endParaRPr>
+          </a:p>
+        </p:txBody>
+      </p:sp>
+      <p:sp>
+        <p:nvSpPr>
+          <p:cNvPr id="5" name="Notes Placeholder 4"/>
+          <p:cNvSpPr>
+            <a:spLocks noGrp="1"/>
+          </p:cNvSpPr>
+          <p:nvPr>
+            <p:ph type="body" sz="quarter" idx="10"/>
+          </p:nvPr>
+        </p:nvSpPr>
+        <p:spPr/>
+        <p:txBody>
+          <a:bodyPr>
+            <a:normAutofit/>
+          </a:bodyPr>
+          <a:lstStyle/>
+          <a:p>
+            <a:endParaRPr lang="en-US"/>
+          </a:p>
+        </p:txBody>
+      </p:sp>
+    </p:spTree>
+  </p:cSld>
+  <p:clrMapOvr>
+    <a:masterClrMapping/>
+  </p:clrMapOvr>
+</p:notes>
+</file>
+
+<file path=ppt/notesSlides/notesSlide21.xml><?xml version="1.0" encoding="utf-8"?>
+<p:notes xmlns:a="http://schemas.openxmlformats.org/drawingml/2006/main" xmlns:r="http://schemas.openxmlformats.org/officeDocument/2006/relationships" xmlns:p="http://schemas.openxmlformats.org/presentationml/2006/main">
+  <p:cSld>
+    <p:spTree>
+      <p:nvGrpSpPr>
+        <p:cNvPr id="1" name=""/>
+        <p:cNvGrpSpPr/>
+        <p:nvPr/>
+      </p:nvGrpSpPr>
+      <p:grpSpPr>
+        <a:xfrm>
+          <a:off x="0" y="0"/>
+          <a:ext cx="0" cy="0"/>
+          <a:chOff x="0" y="0"/>
+          <a:chExt cx="0" cy="0"/>
+        </a:xfrm>
+      </p:grpSpPr>
+      <p:sp>
+        <p:nvSpPr>
+          <p:cNvPr id="38914" name="Slide Image Placeholder 1"/>
+          <p:cNvSpPr>
+            <a:spLocks noGrp="1" noRot="1" noChangeAspect="1" noTextEdit="1"/>
+          </p:cNvSpPr>
+          <p:nvPr>
+            <p:ph type="sldImg"/>
+          </p:nvPr>
+        </p:nvSpPr>
+        <p:spPr>
+          <a:xfrm>
+            <a:off x="1716088" y="692150"/>
+            <a:ext cx="3597275" cy="2698750"/>
+          </a:xfrm>
+          <a:ln/>
+        </p:spPr>
+      </p:sp>
+      <p:sp>
+        <p:nvSpPr>
+          <p:cNvPr id="38916" name="Slide Number Placeholder 3"/>
+          <p:cNvSpPr>
+            <a:spLocks noGrp="1"/>
+          </p:cNvSpPr>
+          <p:nvPr>
+            <p:ph type="sldNum" sz="quarter" idx="5"/>
+          </p:nvPr>
+        </p:nvSpPr>
+        <p:spPr>
+          <a:noFill/>
+        </p:spPr>
+        <p:txBody>
+          <a:bodyPr/>
+          <a:lstStyle/>
+          <a:p>
+            <a:fld id="{EA094224-C084-4075-B1CB-FD67CF0DBA2D}" type="slidenum">
+              <a:rPr lang="en-US" smtClean="0">
+                <a:latin typeface="Arial" charset="0"/>
+              </a:rPr>
+              <a:pPr/>
+              <a:t>21</a:t>
+            </a:fld>
+            <a:endParaRPr lang="en-US" smtClean="0">
+              <a:latin typeface="Arial" charset="0"/>
+            </a:endParaRPr>
+          </a:p>
+        </p:txBody>
+      </p:sp>
+      <p:sp>
+        <p:nvSpPr>
+          <p:cNvPr id="5" name="Notes Placeholder 4"/>
+          <p:cNvSpPr>
+            <a:spLocks noGrp="1"/>
+          </p:cNvSpPr>
+          <p:nvPr>
+            <p:ph type="body" sz="quarter" idx="10"/>
+          </p:nvPr>
+        </p:nvSpPr>
+        <p:spPr/>
+        <p:txBody>
+          <a:bodyPr>
+            <a:normAutofit/>
+          </a:bodyPr>
+          <a:lstStyle/>
+          <a:p>
+            <a:endParaRPr lang="en-US"/>
+          </a:p>
+        </p:txBody>
+      </p:sp>
+    </p:spTree>
+  </p:cSld>
+  <p:clrMapOvr>
+    <a:masterClrMapping/>
+  </p:clrMapOvr>
+</p:notes>
+</file>
+
+<file path=ppt/notesSlides/notesSlide22.xml><?xml version="1.0" encoding="utf-8"?>
+<p:notes xmlns:a="http://schemas.openxmlformats.org/drawingml/2006/main" xmlns:r="http://schemas.openxmlformats.org/officeDocument/2006/relationships" xmlns:p="http://schemas.openxmlformats.org/presentationml/2006/main">
+  <p:cSld>
+    <p:spTree>
+      <p:nvGrpSpPr>
+        <p:cNvPr id="1" name=""/>
+        <p:cNvGrpSpPr/>
+        <p:nvPr/>
+      </p:nvGrpSpPr>
+      <p:grpSpPr>
+        <a:xfrm>
+          <a:off x="0" y="0"/>
+          <a:ext cx="0" cy="0"/>
+          <a:chOff x="0" y="0"/>
+          <a:chExt cx="0" cy="0"/>
+        </a:xfrm>
+      </p:grpSpPr>
+      <p:sp>
+        <p:nvSpPr>
+          <p:cNvPr id="2" name="Slide Image Placeholder 1"/>
+          <p:cNvSpPr>
+            <a:spLocks noGrp="1" noRot="1" noChangeAspect="1"/>
+          </p:cNvSpPr>
+          <p:nvPr>
+            <p:ph type="sldImg"/>
+          </p:nvPr>
+        </p:nvSpPr>
+        <p:spPr>
+          <a:xfrm>
+            <a:off x="1716088" y="692150"/>
+            <a:ext cx="3597275" cy="2698750"/>
+          </a:xfrm>
+        </p:spPr>
+      </p:sp>
+      <p:sp>
+        <p:nvSpPr>
+          <p:cNvPr id="4" name="Slide Number Placeholder 3"/>
+          <p:cNvSpPr>
+            <a:spLocks noGrp="1"/>
+          </p:cNvSpPr>
+          <p:nvPr>
+            <p:ph type="sldNum" sz="quarter" idx="10"/>
+          </p:nvPr>
+        </p:nvSpPr>
+        <p:spPr/>
+        <p:txBody>
+          <a:bodyPr/>
+          <a:lstStyle/>
+          <a:p>
+            <a:pPr>
+              <a:defRPr/>
+            </a:pPr>
+            <a:fld id="{0618F2DF-3AF0-41F5-B1B6-3D61669718B9}" type="slidenum">
+              <a:rPr lang="en-US" smtClean="0"/>
+              <a:pPr>
+                <a:defRPr/>
+              </a:pPr>
+              <a:t>22</a:t>
+            </a:fld>
+            <a:endParaRPr lang="en-US"/>
+          </a:p>
+        </p:txBody>
+      </p:sp>
+      <p:sp>
+        <p:nvSpPr>
+          <p:cNvPr id="5" name="Notes Placeholder 4"/>
+          <p:cNvSpPr>
+            <a:spLocks noGrp="1"/>
+          </p:cNvSpPr>
+          <p:nvPr>
+            <p:ph type="body" sz="quarter" idx="11"/>
+          </p:nvPr>
+        </p:nvSpPr>
+        <p:spPr/>
+        <p:txBody>
+          <a:bodyPr>
+            <a:normAutofit/>
+          </a:bodyPr>
+          <a:lstStyle/>
+          <a:p>
+            <a:endParaRPr lang="en-US"/>
+          </a:p>
+        </p:txBody>
+      </p:sp>
+    </p:spTree>
+  </p:cSld>
+  <p:clrMapOvr>
+    <a:masterClrMapping/>
+  </p:clrMapOvr>
+</p:notes>
+</file>
+
+<file path=ppt/notesSlides/notesSlide23.xml><?xml version="1.0" encoding="utf-8"?>
+<p:notes xmlns:a="http://schemas.openxmlformats.org/drawingml/2006/main" xmlns:r="http://schemas.openxmlformats.org/officeDocument/2006/relationships" xmlns:p="http://schemas.openxmlformats.org/presentationml/2006/main">
+  <p:cSld>
+    <p:spTree>
+      <p:nvGrpSpPr>
+        <p:cNvPr id="1" name=""/>
+        <p:cNvGrpSpPr/>
+        <p:nvPr/>
+      </p:nvGrpSpPr>
+      <p:grpSpPr>
+        <a:xfrm>
+          <a:off x="0" y="0"/>
+          <a:ext cx="0" cy="0"/>
+          <a:chOff x="0" y="0"/>
+          <a:chExt cx="0" cy="0"/>
+        </a:xfrm>
+      </p:grpSpPr>
+      <p:sp>
+        <p:nvSpPr>
+          <p:cNvPr id="39938" name="Slide Image Placeholder 1"/>
+          <p:cNvSpPr>
+            <a:spLocks noGrp="1" noRot="1" noChangeAspect="1" noTextEdit="1"/>
+          </p:cNvSpPr>
+          <p:nvPr>
+            <p:ph type="sldImg"/>
+          </p:nvPr>
+        </p:nvSpPr>
+        <p:spPr>
+          <a:xfrm>
+            <a:off x="1716088" y="692150"/>
+            <a:ext cx="3597275" cy="2698750"/>
+          </a:xfrm>
+          <a:ln/>
+        </p:spPr>
+      </p:sp>
+      <p:sp>
+        <p:nvSpPr>
+          <p:cNvPr id="39940" name="Slide Number Placeholder 3"/>
+          <p:cNvSpPr>
+            <a:spLocks noGrp="1"/>
+          </p:cNvSpPr>
+          <p:nvPr>
+            <p:ph type="sldNum" sz="quarter" idx="5"/>
+          </p:nvPr>
+        </p:nvSpPr>
+        <p:spPr>
+          <a:noFill/>
+        </p:spPr>
+        <p:txBody>
+          <a:bodyPr/>
+          <a:lstStyle/>
+          <a:p>
+            <a:fld id="{A5C85DDC-40C2-4C33-B507-169AEF8B5FBF}" type="slidenum">
+              <a:rPr lang="en-US" smtClean="0">
+                <a:latin typeface="Arial" charset="0"/>
+              </a:rPr>
+              <a:pPr/>
+              <a:t>23</a:t>
+            </a:fld>
+            <a:endParaRPr lang="en-US" smtClean="0">
+              <a:latin typeface="Arial" charset="0"/>
+            </a:endParaRPr>
+          </a:p>
+        </p:txBody>
+      </p:sp>
+      <p:sp>
+        <p:nvSpPr>
+          <p:cNvPr id="5" name="Notes Placeholder 4"/>
+          <p:cNvSpPr>
+            <a:spLocks noGrp="1"/>
+          </p:cNvSpPr>
+          <p:nvPr>
+            <p:ph type="body" sz="quarter" idx="10"/>
+          </p:nvPr>
+        </p:nvSpPr>
+        <p:spPr/>
+        <p:txBody>
+          <a:bodyPr>
+            <a:normAutofit/>
+          </a:bodyPr>
+          <a:lstStyle/>
+          <a:p>
+            <a:endParaRPr lang="en-US"/>
+          </a:p>
+        </p:txBody>
+      </p:sp>
+    </p:spTree>
+  </p:cSld>
+  <p:clrMapOvr>
+    <a:masterClrMapping/>
+  </p:clrMapOvr>
+</p:notes>
+</file>
+
+<file path=ppt/notesSlides/notesSlide24.xml><?xml version="1.0" encoding="utf-8"?>
+<p:notes xmlns:a="http://schemas.openxmlformats.org/drawingml/2006/main" xmlns:r="http://schemas.openxmlformats.org/officeDocument/2006/relationships" xmlns:p="http://schemas.openxmlformats.org/presentationml/2006/main">
+  <p:cSld>
+    <p:spTree>
+      <p:nvGrpSpPr>
+        <p:cNvPr id="1" name=""/>
+        <p:cNvGrpSpPr/>
+        <p:nvPr/>
+      </p:nvGrpSpPr>
+      <p:grpSpPr>
+        <a:xfrm>
+          <a:off x="0" y="0"/>
+          <a:ext cx="0" cy="0"/>
+          <a:chOff x="0" y="0"/>
+          <a:chExt cx="0" cy="0"/>
+        </a:xfrm>
+      </p:grpSpPr>
+      <p:sp>
+        <p:nvSpPr>
+          <p:cNvPr id="2" name="Slide Image Placeholder 1"/>
+          <p:cNvSpPr>
+            <a:spLocks noGrp="1" noRot="1" noChangeAspect="1"/>
+          </p:cNvSpPr>
+          <p:nvPr>
+            <p:ph type="sldImg"/>
+          </p:nvPr>
+        </p:nvSpPr>
+        <p:spPr>
+          <a:xfrm>
+            <a:off x="1716088" y="692150"/>
+            <a:ext cx="3597275" cy="2698750"/>
+          </a:xfrm>
+        </p:spPr>
+      </p:sp>
+      <p:sp>
+        <p:nvSpPr>
+          <p:cNvPr id="4" name="Slide Number Placeholder 3"/>
+          <p:cNvSpPr>
+            <a:spLocks noGrp="1"/>
+          </p:cNvSpPr>
+          <p:nvPr>
+            <p:ph type="sldNum" sz="quarter" idx="10"/>
+          </p:nvPr>
+        </p:nvSpPr>
+        <p:spPr/>
+        <p:txBody>
+          <a:bodyPr/>
+          <a:lstStyle/>
+          <a:p>
+            <a:pPr>
+              <a:defRPr/>
+            </a:pPr>
+            <a:fld id="{0618F2DF-3AF0-41F5-B1B6-3D61669718B9}" type="slidenum">
+              <a:rPr lang="en-US" smtClean="0"/>
+              <a:pPr>
+                <a:defRPr/>
+              </a:pPr>
+              <a:t>24</a:t>
+            </a:fld>
+            <a:endParaRPr lang="en-US"/>
+          </a:p>
+        </p:txBody>
+      </p:sp>
+      <p:sp>
+        <p:nvSpPr>
+          <p:cNvPr id="5" name="Notes Placeholder 4"/>
+          <p:cNvSpPr>
+            <a:spLocks noGrp="1"/>
+          </p:cNvSpPr>
+          <p:nvPr>
+            <p:ph type="body" sz="quarter" idx="11"/>
+          </p:nvPr>
+        </p:nvSpPr>
+        <p:spPr/>
+        <p:txBody>
+          <a:bodyPr>
+            <a:normAutofit/>
+          </a:bodyPr>
+          <a:lstStyle/>
+          <a:p>
+            <a:endParaRPr lang="en-US"/>
+          </a:p>
+        </p:txBody>
+      </p:sp>
+    </p:spTree>
+  </p:cSld>
+  <p:clrMapOvr>
+    <a:masterClrMapping/>
+  </p:clrMapOvr>
+</p:notes>
+</file>
+
+<file path=ppt/notesSlides/notesSlide25.xml><?xml version="1.0" encoding="utf-8"?>
+<p:notes xmlns:a="http://schemas.openxmlformats.org/drawingml/2006/main" xmlns:r="http://schemas.openxmlformats.org/officeDocument/2006/relationships" xmlns:p="http://schemas.openxmlformats.org/presentationml/2006/main">
+  <p:cSld>
+    <p:spTree>
+      <p:nvGrpSpPr>
+        <p:cNvPr id="1" name=""/>
+        <p:cNvGrpSpPr/>
+        <p:nvPr/>
+      </p:nvGrpSpPr>
+      <p:grpSpPr>
+        <a:xfrm>
+          <a:off x="0" y="0"/>
+          <a:ext cx="0" cy="0"/>
+          <a:chOff x="0" y="0"/>
+          <a:chExt cx="0" cy="0"/>
+        </a:xfrm>
+      </p:grpSpPr>
+      <p:sp>
+        <p:nvSpPr>
+          <p:cNvPr id="2" name="Slide Image Placeholder 1"/>
+          <p:cNvSpPr>
+            <a:spLocks noGrp="1" noRot="1" noChangeAspect="1"/>
+          </p:cNvSpPr>
+          <p:nvPr>
+            <p:ph type="sldImg"/>
+          </p:nvPr>
+        </p:nvSpPr>
+        <p:spPr>
+          <a:xfrm>
+            <a:off x="1716088" y="692150"/>
+            <a:ext cx="3597275" cy="2698750"/>
+          </a:xfrm>
+        </p:spPr>
+      </p:sp>
+      <p:sp>
+        <p:nvSpPr>
+          <p:cNvPr id="4" name="Slide Number Placeholder 3"/>
+          <p:cNvSpPr>
+            <a:spLocks noGrp="1"/>
+          </p:cNvSpPr>
+          <p:nvPr>
+            <p:ph type="sldNum" sz="quarter" idx="10"/>
+          </p:nvPr>
+        </p:nvSpPr>
+        <p:spPr/>
+        <p:txBody>
+          <a:bodyPr/>
+          <a:lstStyle/>
+          <a:p>
+            <a:pPr>
+              <a:defRPr/>
+            </a:pPr>
+            <a:fld id="{0618F2DF-3AF0-41F5-B1B6-3D61669718B9}" type="slidenum">
+              <a:rPr lang="en-US" smtClean="0"/>
+              <a:pPr>
+                <a:defRPr/>
+              </a:pPr>
+              <a:t>25</a:t>
+            </a:fld>
+            <a:endParaRPr lang="en-US"/>
+          </a:p>
+        </p:txBody>
+      </p:sp>
+      <p:sp>
+        <p:nvSpPr>
+          <p:cNvPr id="5" name="Notes Placeholder 4"/>
+          <p:cNvSpPr>
+            <a:spLocks noGrp="1"/>
+          </p:cNvSpPr>
+          <p:nvPr>
+            <p:ph type="body" sz="quarter" idx="11"/>
+          </p:nvPr>
+        </p:nvSpPr>
+        <p:spPr/>
+        <p:txBody>
+          <a:bodyPr>
+            <a:normAutofit/>
+          </a:bodyPr>
+          <a:lstStyle/>
+          <a:p>
+            <a:endParaRPr lang="en-US"/>
+          </a:p>
+        </p:txBody>
+      </p:sp>
+    </p:spTree>
+  </p:cSld>
+  <p:clrMapOvr>
+    <a:masterClrMapping/>
+  </p:clrMapOvr>
+</p:notes>
+</file>
+
+<file path=ppt/notesSlides/notesSlide26.xml><?xml version="1.0" encoding="utf-8"?>
+<p:notes xmlns:a="http://schemas.openxmlformats.org/drawingml/2006/main" xmlns:r="http://schemas.openxmlformats.org/officeDocument/2006/relationships" xmlns:p="http://schemas.openxmlformats.org/presentationml/2006/main">
+  <p:cSld>
+    <p:spTree>
+      <p:nvGrpSpPr>
+        <p:cNvPr id="1" name=""/>
+        <p:cNvGrpSpPr/>
+        <p:nvPr/>
+      </p:nvGrpSpPr>
+      <p:grpSpPr>
+        <a:xfrm>
+          <a:off x="0" y="0"/>
+          <a:ext cx="0" cy="0"/>
+          <a:chOff x="0" y="0"/>
+          <a:chExt cx="0" cy="0"/>
+        </a:xfrm>
+      </p:grpSpPr>
+      <p:sp>
+        <p:nvSpPr>
+          <p:cNvPr id="2" name="Slide Image Placeholder 1"/>
+          <p:cNvSpPr>
+            <a:spLocks noGrp="1" noRot="1" noChangeAspect="1"/>
+          </p:cNvSpPr>
+          <p:nvPr>
+            <p:ph type="sldImg"/>
+          </p:nvPr>
+        </p:nvSpPr>
+        <p:spPr>
+          <a:xfrm>
+            <a:off x="1716088" y="692150"/>
+            <a:ext cx="3597275" cy="2698750"/>
+          </a:xfrm>
+        </p:spPr>
+      </p:sp>
+      <p:sp>
+        <p:nvSpPr>
+          <p:cNvPr id="4" name="Slide Number Placeholder 3"/>
+          <p:cNvSpPr>
+            <a:spLocks noGrp="1"/>
+          </p:cNvSpPr>
+          <p:nvPr>
+            <p:ph type="sldNum" sz="quarter" idx="10"/>
+          </p:nvPr>
+        </p:nvSpPr>
+        <p:spPr/>
+        <p:txBody>
+          <a:bodyPr/>
+          <a:lstStyle/>
+          <a:p>
+            <a:pPr>
+              <a:defRPr/>
+            </a:pPr>
+            <a:fld id="{0618F2DF-3AF0-41F5-B1B6-3D61669718B9}" type="slidenum">
+              <a:rPr lang="en-US" smtClean="0"/>
+              <a:pPr>
+                <a:defRPr/>
+              </a:pPr>
+              <a:t>26</a:t>
+            </a:fld>
+            <a:endParaRPr lang="en-US"/>
+          </a:p>
+        </p:txBody>
+      </p:sp>
+      <p:sp>
+        <p:nvSpPr>
+          <p:cNvPr id="5" name="Notes Placeholder 4"/>
+          <p:cNvSpPr>
+            <a:spLocks noGrp="1"/>
+          </p:cNvSpPr>
+          <p:nvPr>
+            <p:ph type="body" sz="quarter" idx="11"/>
+          </p:nvPr>
+        </p:nvSpPr>
+        <p:spPr/>
+        <p:txBody>
+          <a:bodyPr>
+            <a:normAutofit/>
+          </a:bodyPr>
+          <a:lstStyle/>
+          <a:p>
+            <a:endParaRPr lang="en-US"/>
+          </a:p>
+        </p:txBody>
+      </p:sp>
+    </p:spTree>
+  </p:cSld>
+  <p:clrMapOvr>
+    <a:masterClrMapping/>
+  </p:clrMapOvr>
+</p:notes>
+</file>
+
+<file path=ppt/notesSlides/notesSlide27.xml><?xml version="1.0" encoding="utf-8"?>
+<p:notes xmlns:a="http://schemas.openxmlformats.org/drawingml/2006/main" xmlns:r="http://schemas.openxmlformats.org/officeDocument/2006/relationships" xmlns:p="http://schemas.openxmlformats.org/presentationml/2006/main">
+  <p:cSld>
+    <p:spTree>
+      <p:nvGrpSpPr>
+        <p:cNvPr id="1" name=""/>
+        <p:cNvGrpSpPr/>
+        <p:nvPr/>
+      </p:nvGrpSpPr>
+      <p:grpSpPr>
+        <a:xfrm>
+          <a:off x="0" y="0"/>
+          <a:ext cx="0" cy="0"/>
+          <a:chOff x="0" y="0"/>
+          <a:chExt cx="0" cy="0"/>
+        </a:xfrm>
+      </p:grpSpPr>
+      <p:sp>
+        <p:nvSpPr>
+          <p:cNvPr id="2" name="Slide Image Placeholder 1"/>
+          <p:cNvSpPr>
+            <a:spLocks noGrp="1" noRot="1" noChangeAspect="1"/>
+          </p:cNvSpPr>
+          <p:nvPr>
+            <p:ph type="sldImg"/>
+          </p:nvPr>
+        </p:nvSpPr>
+        <p:spPr>
+          <a:xfrm>
+            <a:off x="1716088" y="692150"/>
+            <a:ext cx="3597275" cy="2698750"/>
+          </a:xfrm>
+        </p:spPr>
+      </p:sp>
+      <p:sp>
+        <p:nvSpPr>
+          <p:cNvPr id="4" name="Slide Number Placeholder 3"/>
+          <p:cNvSpPr>
+            <a:spLocks noGrp="1"/>
+          </p:cNvSpPr>
+          <p:nvPr>
+            <p:ph type="sldNum" sz="quarter" idx="10"/>
+          </p:nvPr>
+        </p:nvSpPr>
+        <p:spPr/>
+        <p:txBody>
+          <a:bodyPr/>
+          <a:lstStyle/>
+          <a:p>
+            <a:pPr>
+              <a:defRPr/>
+            </a:pPr>
+            <a:fld id="{0618F2DF-3AF0-41F5-B1B6-3D61669718B9}" type="slidenum">
+              <a:rPr lang="en-US" smtClean="0"/>
+              <a:pPr>
+                <a:defRPr/>
+              </a:pPr>
+              <a:t>27</a:t>
+            </a:fld>
+            <a:endParaRPr lang="en-US"/>
+          </a:p>
+        </p:txBody>
+      </p:sp>
+      <p:sp>
+        <p:nvSpPr>
+          <p:cNvPr id="5" name="Notes Placeholder 4"/>
+          <p:cNvSpPr>
+            <a:spLocks noGrp="1"/>
+          </p:cNvSpPr>
+          <p:nvPr>
+            <p:ph type="body" sz="quarter" idx="11"/>
+          </p:nvPr>
+        </p:nvSpPr>
+        <p:spPr/>
+        <p:txBody>
+          <a:bodyPr>
+            <a:normAutofit/>
+          </a:bodyPr>
+          <a:lstStyle/>
+          <a:p>
+            <a:endParaRPr lang="en-US"/>
+          </a:p>
+        </p:txBody>
+      </p:sp>
+    </p:spTree>
+  </p:cSld>
+  <p:clrMapOvr>
+    <a:masterClrMapping/>
+  </p:clrMapOvr>
+</p:notes>
+</file>
+
+<file path=ppt/notesSlides/notesSlide28.xml><?xml version="1.0" encoding="utf-8"?>
+<p:notes xmlns:a="http://schemas.openxmlformats.org/drawingml/2006/main" xmlns:r="http://schemas.openxmlformats.org/officeDocument/2006/relationships" xmlns:p="http://schemas.openxmlformats.org/presentationml/2006/main">
+  <p:cSld>
+    <p:spTree>
+      <p:nvGrpSpPr>
+        <p:cNvPr id="1" name=""/>
+        <p:cNvGrpSpPr/>
+        <p:nvPr/>
+      </p:nvGrpSpPr>
+      <p:grpSpPr>
+        <a:xfrm>
+          <a:off x="0" y="0"/>
+          <a:ext cx="0" cy="0"/>
+          <a:chOff x="0" y="0"/>
+          <a:chExt cx="0" cy="0"/>
+        </a:xfrm>
+      </p:grpSpPr>
+      <p:sp>
+        <p:nvSpPr>
+          <p:cNvPr id="2" name="Slide Image Placeholder 1"/>
+          <p:cNvSpPr>
+            <a:spLocks noGrp="1" noRot="1" noChangeAspect="1"/>
+          </p:cNvSpPr>
+          <p:nvPr>
+            <p:ph type="sldImg"/>
+          </p:nvPr>
+        </p:nvSpPr>
+        <p:spPr>
+          <a:xfrm>
+            <a:off x="1716088" y="692150"/>
+            <a:ext cx="3597275" cy="2698750"/>
+          </a:xfrm>
+        </p:spPr>
+      </p:sp>
+      <p:sp>
+        <p:nvSpPr>
+          <p:cNvPr id="4" name="Slide Number Placeholder 3"/>
+          <p:cNvSpPr>
+            <a:spLocks noGrp="1"/>
+          </p:cNvSpPr>
+          <p:nvPr>
+            <p:ph type="sldNum" sz="quarter" idx="10"/>
+          </p:nvPr>
+        </p:nvSpPr>
+        <p:spPr/>
+        <p:txBody>
+          <a:bodyPr/>
+          <a:lstStyle/>
+          <a:p>
+            <a:pPr>
+              <a:defRPr/>
+            </a:pPr>
+            <a:fld id="{0618F2DF-3AF0-41F5-B1B6-3D61669718B9}" type="slidenum">
+              <a:rPr lang="en-US" smtClean="0"/>
+              <a:pPr>
+                <a:defRPr/>
+              </a:pPr>
+              <a:t>28</a:t>
+            </a:fld>
+            <a:endParaRPr lang="en-US"/>
+          </a:p>
+        </p:txBody>
+      </p:sp>
+      <p:sp>
+        <p:nvSpPr>
+          <p:cNvPr id="5" name="Notes Placeholder 4"/>
+          <p:cNvSpPr>
+            <a:spLocks noGrp="1"/>
+          </p:cNvSpPr>
+          <p:nvPr>
+            <p:ph type="body" sz="quarter" idx="11"/>
+          </p:nvPr>
+        </p:nvSpPr>
+        <p:spPr/>
+        <p:txBody>
+          <a:bodyPr>
+            <a:normAutofit/>
+          </a:bodyPr>
+          <a:lstStyle/>
+          <a:p>
+            <a:endParaRPr lang="en-US"/>
+          </a:p>
+        </p:txBody>
+      </p:sp>
+    </p:spTree>
+  </p:cSld>
+  <p:clrMapOvr>
+    <a:masterClrMapping/>
+  </p:clrMapOvr>
+</p:notes>
+</file>
+
+<file path=ppt/notesSlides/notesSlide29.xml><?xml version="1.0" encoding="utf-8"?>
+<p:notes xmlns:a="http://schemas.openxmlformats.org/drawingml/2006/main" xmlns:r="http://schemas.openxmlformats.org/officeDocument/2006/relationships" xmlns:p="http://schemas.openxmlformats.org/presentationml/2006/main">
+  <p:cSld>
+    <p:spTree>
+      <p:nvGrpSpPr>
+        <p:cNvPr id="1" name=""/>
+        <p:cNvGrpSpPr/>
+        <p:nvPr/>
+      </p:nvGrpSpPr>
+      <p:grpSpPr>
+        <a:xfrm>
+          <a:off x="0" y="0"/>
+          <a:ext cx="0" cy="0"/>
+          <a:chOff x="0" y="0"/>
+          <a:chExt cx="0" cy="0"/>
+        </a:xfrm>
+      </p:grpSpPr>
+      <p:sp>
+        <p:nvSpPr>
+          <p:cNvPr id="41986" name="Slide Image Placeholder 1"/>
+          <p:cNvSpPr>
+            <a:spLocks noGrp="1" noRot="1" noChangeAspect="1" noTextEdit="1"/>
+          </p:cNvSpPr>
+          <p:nvPr>
+            <p:ph type="sldImg"/>
+          </p:nvPr>
+        </p:nvSpPr>
+        <p:spPr>
+          <a:xfrm>
+            <a:off x="1716088" y="692150"/>
+            <a:ext cx="3597275" cy="2698750"/>
+          </a:xfrm>
+          <a:ln/>
+        </p:spPr>
+      </p:sp>
+      <p:sp>
+        <p:nvSpPr>
+          <p:cNvPr id="41988" name="Slide Number Placeholder 3"/>
+          <p:cNvSpPr>
+            <a:spLocks noGrp="1"/>
+          </p:cNvSpPr>
+          <p:nvPr>
+            <p:ph type="sldNum" sz="quarter" idx="5"/>
+          </p:nvPr>
+        </p:nvSpPr>
+        <p:spPr>
+          <a:noFill/>
+        </p:spPr>
+        <p:txBody>
+          <a:bodyPr/>
+          <a:lstStyle/>
+          <a:p>
+            <a:fld id="{1D8AA395-896B-453C-84F6-C0577DE28346}" type="slidenum">
+              <a:rPr lang="en-US" smtClean="0">
+                <a:latin typeface="Arial" charset="0"/>
+              </a:rPr>
+              <a:pPr/>
+              <a:t>29</a:t>
+            </a:fld>
+            <a:endParaRPr lang="en-US" smtClean="0">
+              <a:latin typeface="Arial" charset="0"/>
+            </a:endParaRPr>
+          </a:p>
+        </p:txBody>
+      </p:sp>
+      <p:sp>
+        <p:nvSpPr>
+          <p:cNvPr id="5" name="Notes Placeholder 4"/>
+          <p:cNvSpPr>
+            <a:spLocks noGrp="1"/>
+          </p:cNvSpPr>
+          <p:nvPr>
+            <p:ph type="body" sz="quarter" idx="10"/>
+          </p:nvPr>
+        </p:nvSpPr>
+        <p:spPr/>
+        <p:txBody>
+          <a:bodyPr>
+            <a:normAutofit/>
+          </a:bodyPr>
+          <a:lstStyle/>
+          <a:p>
+            <a:endParaRPr lang="en-US"/>
+          </a:p>
+        </p:txBody>
+      </p:sp>
+    </p:spTree>
+  </p:cSld>
+  <p:clrMapOvr>
+    <a:masterClrMapping/>
+  </p:clrMapOvr>
+</p:notes>
+</file>
+
+<file path=ppt/notesSlides/notesSlide3.xml><?xml version="1.0" encoding="utf-8"?>
+<p:notes xmlns:a="http://schemas.openxmlformats.org/drawingml/2006/main" xmlns:r="http://schemas.openxmlformats.org/officeDocument/2006/relationships" xmlns:p="http://schemas.openxmlformats.org/presentationml/2006/main">
+  <p:cSld>
+    <p:spTree>
+      <p:nvGrpSpPr>
+        <p:cNvPr id="1" name=""/>
+        <p:cNvGrpSpPr/>
+        <p:nvPr/>
+      </p:nvGrpSpPr>
+      <p:grpSpPr>
+        <a:xfrm>
+          <a:off x="0" y="0"/>
+          <a:ext cx="0" cy="0"/>
+          <a:chOff x="0" y="0"/>
+          <a:chExt cx="0" cy="0"/>
+        </a:xfrm>
+      </p:grpSpPr>
+      <p:sp>
+        <p:nvSpPr>
+          <p:cNvPr id="2" name="Slide Image Placeholder 1"/>
+          <p:cNvSpPr>
+            <a:spLocks noGrp="1" noRot="1" noChangeAspect="1"/>
+          </p:cNvSpPr>
+          <p:nvPr>
+            <p:ph type="sldImg"/>
+          </p:nvPr>
+        </p:nvSpPr>
+        <p:spPr>
+          <a:xfrm>
+            <a:off x="1716088" y="692150"/>
+            <a:ext cx="3597275" cy="2698750"/>
+          </a:xfrm>
+        </p:spPr>
+      </p:sp>
+      <p:sp>
+        <p:nvSpPr>
+          <p:cNvPr id="4" name="Slide Number Placeholder 3"/>
+          <p:cNvSpPr>
+            <a:spLocks noGrp="1"/>
+          </p:cNvSpPr>
+          <p:nvPr>
+            <p:ph type="sldNum" sz="quarter" idx="10"/>
+          </p:nvPr>
+        </p:nvSpPr>
+        <p:spPr/>
+        <p:txBody>
+          <a:bodyPr/>
+          <a:lstStyle/>
+          <a:p>
+            <a:pPr>
+              <a:defRPr/>
+            </a:pPr>
+            <a:fld id="{91EF49F5-CA31-4C2F-BE2F-DF909B55C6E0}" type="slidenum">
+              <a:rPr lang="en-US" smtClean="0"/>
+              <a:pPr>
+                <a:defRPr/>
+              </a:pPr>
+              <a:t>3</a:t>
+            </a:fld>
+            <a:endParaRPr lang="en-US"/>
+          </a:p>
+        </p:txBody>
+      </p:sp>
+      <p:sp>
+        <p:nvSpPr>
+          <p:cNvPr id="5" name="Notes Placeholder 4"/>
+          <p:cNvSpPr>
+            <a:spLocks noGrp="1"/>
+          </p:cNvSpPr>
+          <p:nvPr>
+            <p:ph type="body" sz="quarter" idx="11"/>
+          </p:nvPr>
+        </p:nvSpPr>
+        <p:spPr/>
+        <p:txBody>
+          <a:bodyPr>
+            <a:normAutofit/>
+          </a:bodyPr>
+          <a:lstStyle/>
+          <a:p>
+            <a:endParaRPr lang="en-US"/>
+          </a:p>
+        </p:txBody>
+      </p:sp>
+    </p:spTree>
+  </p:cSld>
+  <p:clrMapOvr>
+    <a:masterClrMapping/>
+  </p:clrMapOvr>
+</p:notes>
+</file>
+
+<file path=ppt/notesSlides/notesSlide30.xml><?xml version="1.0" encoding="utf-8"?>
+<p:notes xmlns:a="http://schemas.openxmlformats.org/drawingml/2006/main" xmlns:r="http://schemas.openxmlformats.org/officeDocument/2006/relationships" xmlns:p="http://schemas.openxmlformats.org/presentationml/2006/main">
+  <p:cSld>
+    <p:spTree>
+      <p:nvGrpSpPr>
+        <p:cNvPr id="1" name=""/>
+        <p:cNvGrpSpPr/>
+        <p:nvPr/>
+      </p:nvGrpSpPr>
+      <p:grpSpPr>
+        <a:xfrm>
+          <a:off x="0" y="0"/>
+          <a:ext cx="0" cy="0"/>
+          <a:chOff x="0" y="0"/>
+          <a:chExt cx="0" cy="0"/>
+        </a:xfrm>
+      </p:grpSpPr>
+      <p:sp>
+        <p:nvSpPr>
+          <p:cNvPr id="2" name="Slide Image Placeholder 1"/>
+          <p:cNvSpPr>
+            <a:spLocks noGrp="1" noRot="1" noChangeAspect="1"/>
+          </p:cNvSpPr>
+          <p:nvPr>
+            <p:ph type="sldImg"/>
+          </p:nvPr>
+        </p:nvSpPr>
+        <p:spPr>
+          <a:xfrm>
+            <a:off x="1716088" y="692150"/>
+            <a:ext cx="3597275" cy="2698750"/>
+          </a:xfrm>
+        </p:spPr>
+      </p:sp>
+      <p:sp>
+        <p:nvSpPr>
+          <p:cNvPr id="4" name="Slide Number Placeholder 3"/>
+          <p:cNvSpPr>
+            <a:spLocks noGrp="1"/>
+          </p:cNvSpPr>
+          <p:nvPr>
+            <p:ph type="sldNum" sz="quarter" idx="10"/>
+          </p:nvPr>
+        </p:nvSpPr>
+        <p:spPr/>
+        <p:txBody>
+          <a:bodyPr/>
+          <a:lstStyle/>
+          <a:p>
+            <a:pPr>
+              <a:defRPr/>
+            </a:pPr>
+            <a:fld id="{94E0AB3E-0E6B-4386-8B0B-C9732BEBA36B}" type="slidenum">
+              <a:rPr lang="en-US" smtClean="0"/>
+              <a:pPr>
+                <a:defRPr/>
+              </a:pPr>
+              <a:t>30</a:t>
+            </a:fld>
+            <a:endParaRPr lang="en-US"/>
+          </a:p>
+        </p:txBody>
+      </p:sp>
+      <p:sp>
+        <p:nvSpPr>
+          <p:cNvPr id="5" name="Notes Placeholder 4"/>
+          <p:cNvSpPr>
+            <a:spLocks noGrp="1"/>
+          </p:cNvSpPr>
+          <p:nvPr>
+            <p:ph type="body" sz="quarter" idx="11"/>
+          </p:nvPr>
+        </p:nvSpPr>
+        <p:spPr/>
+        <p:txBody>
+          <a:bodyPr>
+            <a:normAutofit/>
+          </a:bodyPr>
+          <a:lstStyle/>
+          <a:p>
+            <a:endParaRPr lang="en-US"/>
+          </a:p>
+        </p:txBody>
+      </p:sp>
+    </p:spTree>
+  </p:cSld>
+  <p:clrMapOvr>
+    <a:masterClrMapping/>
+  </p:clrMapOvr>
+</p:notes>
+</file>
+
+<file path=ppt/notesSlides/notesSlide31.xml><?xml version="1.0" encoding="utf-8"?>
+<p:notes xmlns:a="http://schemas.openxmlformats.org/drawingml/2006/main" xmlns:r="http://schemas.openxmlformats.org/officeDocument/2006/relationships" xmlns:p="http://schemas.openxmlformats.org/presentationml/2006/main">
+  <p:cSld>
+    <p:spTree>
+      <p:nvGrpSpPr>
+        <p:cNvPr id="1" name=""/>
+        <p:cNvGrpSpPr/>
+        <p:nvPr/>
+      </p:nvGrpSpPr>
+      <p:grpSpPr>
+        <a:xfrm>
+          <a:off x="0" y="0"/>
+          <a:ext cx="0" cy="0"/>
+          <a:chOff x="0" y="0"/>
+          <a:chExt cx="0" cy="0"/>
+        </a:xfrm>
+      </p:grpSpPr>
+      <p:sp>
+        <p:nvSpPr>
+          <p:cNvPr id="2" name="Slide Image Placeholder 1"/>
+          <p:cNvSpPr>
+            <a:spLocks noGrp="1" noRot="1" noChangeAspect="1"/>
+          </p:cNvSpPr>
+          <p:nvPr>
+            <p:ph type="sldImg"/>
+          </p:nvPr>
+        </p:nvSpPr>
+        <p:spPr>
+          <a:xfrm>
+            <a:off x="1716088" y="692150"/>
+            <a:ext cx="3597275" cy="2698750"/>
+          </a:xfrm>
+        </p:spPr>
+      </p:sp>
+      <p:sp>
+        <p:nvSpPr>
+          <p:cNvPr id="4" name="Slide Number Placeholder 3"/>
+          <p:cNvSpPr>
+            <a:spLocks noGrp="1"/>
+          </p:cNvSpPr>
+          <p:nvPr>
+            <p:ph type="sldNum" sz="quarter" idx="10"/>
+          </p:nvPr>
+        </p:nvSpPr>
+        <p:spPr/>
+        <p:txBody>
+          <a:bodyPr/>
+          <a:lstStyle/>
+          <a:p>
+            <a:pPr>
+              <a:defRPr/>
+            </a:pPr>
+            <a:fld id="{0618F2DF-3AF0-41F5-B1B6-3D61669718B9}" type="slidenum">
+              <a:rPr lang="en-US" smtClean="0"/>
+              <a:pPr>
+                <a:defRPr/>
+              </a:pPr>
+              <a:t>31</a:t>
+            </a:fld>
+            <a:endParaRPr lang="en-US"/>
+          </a:p>
+        </p:txBody>
+      </p:sp>
+      <p:sp>
+        <p:nvSpPr>
+          <p:cNvPr id="5" name="Notes Placeholder 4"/>
+          <p:cNvSpPr>
+            <a:spLocks noGrp="1"/>
+          </p:cNvSpPr>
+          <p:nvPr>
+            <p:ph type="body" sz="quarter" idx="11"/>
+          </p:nvPr>
+        </p:nvSpPr>
+        <p:spPr/>
+        <p:txBody>
+          <a:bodyPr>
+            <a:normAutofit/>
+          </a:bodyPr>
+          <a:lstStyle/>
+          <a:p>
+            <a:endParaRPr lang="en-US"/>
+          </a:p>
+        </p:txBody>
+      </p:sp>
+    </p:spTree>
+  </p:cSld>
+  <p:clrMapOvr>
+    <a:masterClrMapping/>
+  </p:clrMapOvr>
+</p:notes>
+</file>
+
+<file path=ppt/notesSlides/notesSlide32.xml><?xml version="1.0" encoding="utf-8"?>
+<p:notes xmlns:a="http://schemas.openxmlformats.org/drawingml/2006/main" xmlns:r="http://schemas.openxmlformats.org/officeDocument/2006/relationships" xmlns:p="http://schemas.openxmlformats.org/presentationml/2006/main">
+  <p:cSld>
+    <p:spTree>
+      <p:nvGrpSpPr>
+        <p:cNvPr id="1" name=""/>
+        <p:cNvGrpSpPr/>
+        <p:nvPr/>
+      </p:nvGrpSpPr>
+      <p:grpSpPr>
+        <a:xfrm>
+          <a:off x="0" y="0"/>
+          <a:ext cx="0" cy="0"/>
+          <a:chOff x="0" y="0"/>
+          <a:chExt cx="0" cy="0"/>
+        </a:xfrm>
+      </p:grpSpPr>
+      <p:sp>
+        <p:nvSpPr>
+          <p:cNvPr id="2" name="Slide Image Placeholder 1"/>
+          <p:cNvSpPr>
+            <a:spLocks noGrp="1" noRot="1" noChangeAspect="1"/>
+          </p:cNvSpPr>
+          <p:nvPr>
+            <p:ph type="sldImg"/>
+          </p:nvPr>
+        </p:nvSpPr>
+        <p:spPr>
+          <a:xfrm>
+            <a:off x="1716088" y="692150"/>
+            <a:ext cx="3597275" cy="2698750"/>
+          </a:xfrm>
+        </p:spPr>
+      </p:sp>
+      <p:sp>
+        <p:nvSpPr>
+          <p:cNvPr id="4" name="Slide Number Placeholder 3"/>
+          <p:cNvSpPr>
+            <a:spLocks noGrp="1"/>
+          </p:cNvSpPr>
+          <p:nvPr>
+            <p:ph type="sldNum" sz="quarter" idx="10"/>
+          </p:nvPr>
+        </p:nvSpPr>
+        <p:spPr/>
+        <p:txBody>
+          <a:bodyPr/>
+          <a:lstStyle/>
+          <a:p>
+            <a:pPr>
+              <a:defRPr/>
+            </a:pPr>
+            <a:fld id="{0618F2DF-3AF0-41F5-B1B6-3D61669718B9}" type="slidenum">
+              <a:rPr lang="en-US" smtClean="0"/>
+              <a:pPr>
+                <a:defRPr/>
+              </a:pPr>
+              <a:t>32</a:t>
+            </a:fld>
+            <a:endParaRPr lang="en-US"/>
+          </a:p>
+        </p:txBody>
+      </p:sp>
+      <p:sp>
+        <p:nvSpPr>
+          <p:cNvPr id="5" name="Notes Placeholder 4"/>
+          <p:cNvSpPr>
+            <a:spLocks noGrp="1"/>
+          </p:cNvSpPr>
+          <p:nvPr>
+            <p:ph type="body" sz="quarter" idx="11"/>
+          </p:nvPr>
+        </p:nvSpPr>
+        <p:spPr/>
+        <p:txBody>
+          <a:bodyPr>
+            <a:normAutofit/>
+          </a:bodyPr>
+          <a:lstStyle/>
+          <a:p>
+            <a:endParaRPr lang="en-US"/>
+          </a:p>
+        </p:txBody>
+      </p:sp>
+    </p:spTree>
+  </p:cSld>
+  <p:clrMapOvr>
+    <a:masterClrMapping/>
+  </p:clrMapOvr>
+</p:notes>
+</file>
+
+<file path=ppt/notesSlides/notesSlide33.xml><?xml version="1.0" encoding="utf-8"?>
+<p:notes xmlns:a="http://schemas.openxmlformats.org/drawingml/2006/main" xmlns:r="http://schemas.openxmlformats.org/officeDocument/2006/relationships" xmlns:p="http://schemas.openxmlformats.org/presentationml/2006/main">
+  <p:cSld>
+    <p:spTree>
+      <p:nvGrpSpPr>
+        <p:cNvPr id="1" name=""/>
+        <p:cNvGrpSpPr/>
+        <p:nvPr/>
+      </p:nvGrpSpPr>
+      <p:grpSpPr>
+        <a:xfrm>
+          <a:off x="0" y="0"/>
+          <a:ext cx="0" cy="0"/>
+          <a:chOff x="0" y="0"/>
+          <a:chExt cx="0" cy="0"/>
+        </a:xfrm>
+      </p:grpSpPr>
+      <p:sp>
+        <p:nvSpPr>
+          <p:cNvPr id="2" name="Slide Image Placeholder 1"/>
+          <p:cNvSpPr>
+            <a:spLocks noGrp="1" noRot="1" noChangeAspect="1"/>
+          </p:cNvSpPr>
+          <p:nvPr>
+            <p:ph type="sldImg"/>
+          </p:nvPr>
+        </p:nvSpPr>
+        <p:spPr>
+          <a:xfrm>
+            <a:off x="1716088" y="692150"/>
+            <a:ext cx="3597275" cy="2698750"/>
+          </a:xfrm>
+        </p:spPr>
+      </p:sp>
+      <p:sp>
+        <p:nvSpPr>
+          <p:cNvPr id="4" name="Slide Number Placeholder 3"/>
+          <p:cNvSpPr>
+            <a:spLocks noGrp="1"/>
+          </p:cNvSpPr>
+          <p:nvPr>
+            <p:ph type="sldNum" sz="quarter" idx="10"/>
+          </p:nvPr>
+        </p:nvSpPr>
+        <p:spPr/>
+        <p:txBody>
+          <a:bodyPr/>
+          <a:lstStyle/>
+          <a:p>
+            <a:fld id="{0C38AF66-B8DE-4C00-B587-5365520A97B1}" type="slidenum">
+              <a:rPr lang="en-US" smtClean="0"/>
+              <a:pPr/>
+              <a:t>33</a:t>
+            </a:fld>
+            <a:endParaRPr lang="en-US"/>
+          </a:p>
+        </p:txBody>
+      </p:sp>
+      <p:sp>
+        <p:nvSpPr>
+          <p:cNvPr id="5" name="Notes Placeholder 4"/>
+          <p:cNvSpPr>
+            <a:spLocks noGrp="1"/>
+          </p:cNvSpPr>
+          <p:nvPr>
+            <p:ph type="body" sz="quarter" idx="11"/>
+          </p:nvPr>
+        </p:nvSpPr>
+        <p:spPr/>
+        <p:txBody>
+          <a:bodyPr>
+            <a:normAutofit/>
+          </a:bodyPr>
+          <a:lstStyle/>
+          <a:p>
+            <a:endParaRPr lang="en-US"/>
+          </a:p>
+        </p:txBody>
+      </p:sp>
+    </p:spTree>
+  </p:cSld>
+  <p:clrMapOvr>
+    <a:masterClrMapping/>
+  </p:clrMapOvr>
+</p:notes>
+</file>
+
+<file path=ppt/notesSlides/notesSlide34.xml><?xml version="1.0" encoding="utf-8"?>
+<p:notes xmlns:a="http://schemas.openxmlformats.org/drawingml/2006/main" xmlns:r="http://schemas.openxmlformats.org/officeDocument/2006/relationships" xmlns:p="http://schemas.openxmlformats.org/presentationml/2006/main">
+  <p:cSld>
+    <p:spTree>
+      <p:nvGrpSpPr>
+        <p:cNvPr id="1" name=""/>
+        <p:cNvGrpSpPr/>
+        <p:nvPr/>
+      </p:nvGrpSpPr>
+      <p:grpSpPr>
+        <a:xfrm>
+          <a:off x="0" y="0"/>
+          <a:ext cx="0" cy="0"/>
+          <a:chOff x="0" y="0"/>
+          <a:chExt cx="0" cy="0"/>
+        </a:xfrm>
+      </p:grpSpPr>
+      <p:sp>
+        <p:nvSpPr>
+          <p:cNvPr id="2" name="Slide Image Placeholder 1"/>
+          <p:cNvSpPr>
+            <a:spLocks noGrp="1" noRot="1" noChangeAspect="1"/>
+          </p:cNvSpPr>
+          <p:nvPr>
+            <p:ph type="sldImg"/>
+          </p:nvPr>
+        </p:nvSpPr>
+        <p:spPr>
+          <a:xfrm>
+            <a:off x="1716088" y="692150"/>
+            <a:ext cx="3597275" cy="2698750"/>
+          </a:xfrm>
+        </p:spPr>
+      </p:sp>
+      <p:sp>
+        <p:nvSpPr>
+          <p:cNvPr id="4" name="Slide Number Placeholder 3"/>
+          <p:cNvSpPr>
+            <a:spLocks noGrp="1"/>
+          </p:cNvSpPr>
+          <p:nvPr>
+            <p:ph type="sldNum" sz="quarter" idx="10"/>
+          </p:nvPr>
+        </p:nvSpPr>
+        <p:spPr/>
+        <p:txBody>
+          <a:bodyPr/>
+          <a:lstStyle/>
+          <a:p>
+            <a:pPr>
+              <a:defRPr/>
+            </a:pPr>
+            <a:fld id="{0618F2DF-3AF0-41F5-B1B6-3D61669718B9}" type="slidenum">
+              <a:rPr lang="en-US" smtClean="0"/>
+              <a:pPr>
+                <a:defRPr/>
+              </a:pPr>
+              <a:t>34</a:t>
+            </a:fld>
+            <a:endParaRPr lang="en-US"/>
+          </a:p>
+        </p:txBody>
+      </p:sp>
+      <p:sp>
+        <p:nvSpPr>
+          <p:cNvPr id="5" name="Notes Placeholder 4"/>
+          <p:cNvSpPr>
+            <a:spLocks noGrp="1"/>
+          </p:cNvSpPr>
+          <p:nvPr>
+            <p:ph type="body" sz="quarter" idx="11"/>
+          </p:nvPr>
+        </p:nvSpPr>
+        <p:spPr/>
+        <p:txBody>
+          <a:bodyPr>
+            <a:normAutofit/>
+          </a:bodyPr>
+          <a:lstStyle/>
+          <a:p>
+            <a:endParaRPr lang="en-US"/>
+          </a:p>
+        </p:txBody>
+      </p:sp>
+    </p:spTree>
+  </p:cSld>
+  <p:clrMapOvr>
+    <a:masterClrMapping/>
+  </p:clrMapOvr>
+</p:notes>
+</file>
+
+<file path=ppt/notesSlides/notesSlide35.xml><?xml version="1.0" encoding="utf-8"?>
+<p:notes xmlns:a="http://schemas.openxmlformats.org/drawingml/2006/main" xmlns:r="http://schemas.openxmlformats.org/officeDocument/2006/relationships" xmlns:p="http://schemas.openxmlformats.org/presentationml/2006/main">
+  <p:cSld>
+    <p:spTree>
+      <p:nvGrpSpPr>
+        <p:cNvPr id="1" name=""/>
+        <p:cNvGrpSpPr/>
+        <p:nvPr/>
+      </p:nvGrpSpPr>
+      <p:grpSpPr>
+        <a:xfrm>
+          <a:off x="0" y="0"/>
+          <a:ext cx="0" cy="0"/>
+          <a:chOff x="0" y="0"/>
+          <a:chExt cx="0" cy="0"/>
+        </a:xfrm>
+      </p:grpSpPr>
+      <p:sp>
+        <p:nvSpPr>
+          <p:cNvPr id="2" name="Slide Image Placeholder 1"/>
+          <p:cNvSpPr>
+            <a:spLocks noGrp="1" noRot="1" noChangeAspect="1"/>
+          </p:cNvSpPr>
+          <p:nvPr>
+            <p:ph type="sldImg"/>
+          </p:nvPr>
+        </p:nvSpPr>
+        <p:spPr>
+          <a:xfrm>
+            <a:off x="1716088" y="692150"/>
+            <a:ext cx="3597275" cy="2698750"/>
+          </a:xfrm>
+        </p:spPr>
+      </p:sp>
+      <p:sp>
+        <p:nvSpPr>
+          <p:cNvPr id="4" name="Slide Number Placeholder 3"/>
+          <p:cNvSpPr>
+            <a:spLocks noGrp="1"/>
+          </p:cNvSpPr>
+          <p:nvPr>
+            <p:ph type="sldNum" sz="quarter" idx="10"/>
+          </p:nvPr>
+        </p:nvSpPr>
+        <p:spPr/>
+        <p:txBody>
+          <a:bodyPr/>
+          <a:lstStyle/>
+          <a:p>
+            <a:pPr>
+              <a:defRPr/>
+            </a:pPr>
+            <a:fld id="{0618F2DF-3AF0-41F5-B1B6-3D61669718B9}" type="slidenum">
+              <a:rPr lang="en-US" smtClean="0"/>
+              <a:pPr>
+                <a:defRPr/>
+              </a:pPr>
+              <a:t>35</a:t>
+            </a:fld>
+            <a:endParaRPr lang="en-US"/>
+          </a:p>
+        </p:txBody>
+      </p:sp>
+      <p:sp>
+        <p:nvSpPr>
+          <p:cNvPr id="5" name="Notes Placeholder 4"/>
+          <p:cNvSpPr>
+            <a:spLocks noGrp="1"/>
+          </p:cNvSpPr>
+          <p:nvPr>
+            <p:ph type="body" sz="quarter" idx="11"/>
+          </p:nvPr>
+        </p:nvSpPr>
+        <p:spPr/>
+        <p:txBody>
+          <a:bodyPr>
+            <a:normAutofit/>
+          </a:bodyPr>
+          <a:lstStyle/>
+          <a:p>
+            <a:endParaRPr lang="en-US"/>
+          </a:p>
+        </p:txBody>
+      </p:sp>
+    </p:spTree>
+  </p:cSld>
+  <p:clrMapOvr>
+    <a:masterClrMapping/>
+  </p:clrMapOvr>
+</p:notes>
+</file>
+
+<file path=ppt/notesSlides/notesSlide36.xml><?xml version="1.0" encoding="utf-8"?>
+<p:notes xmlns:a="http://schemas.openxmlformats.org/drawingml/2006/main" xmlns:r="http://schemas.openxmlformats.org/officeDocument/2006/relationships" xmlns:p="http://schemas.openxmlformats.org/presentationml/2006/main">
+  <p:cSld>
+    <p:spTree>
+      <p:nvGrpSpPr>
+        <p:cNvPr id="1" name=""/>
+        <p:cNvGrpSpPr/>
+        <p:nvPr/>
+      </p:nvGrpSpPr>
+      <p:grpSpPr>
+        <a:xfrm>
+          <a:off x="0" y="0"/>
+          <a:ext cx="0" cy="0"/>
+          <a:chOff x="0" y="0"/>
+          <a:chExt cx="0" cy="0"/>
+        </a:xfrm>
+      </p:grpSpPr>
+      <p:sp>
+        <p:nvSpPr>
+          <p:cNvPr id="2" name="Slide Image Placeholder 1"/>
+          <p:cNvSpPr>
+            <a:spLocks noGrp="1" noRot="1" noChangeAspect="1"/>
+          </p:cNvSpPr>
+          <p:nvPr>
+            <p:ph type="sldImg"/>
+          </p:nvPr>
+        </p:nvSpPr>
+        <p:spPr>
+          <a:xfrm>
+            <a:off x="1716088" y="692150"/>
+            <a:ext cx="3597275" cy="2698750"/>
+          </a:xfrm>
+        </p:spPr>
+      </p:sp>
+      <p:sp>
+        <p:nvSpPr>
+          <p:cNvPr id="4" name="Slide Number Placeholder 3"/>
+          <p:cNvSpPr>
+            <a:spLocks noGrp="1"/>
+          </p:cNvSpPr>
+          <p:nvPr>
+            <p:ph type="sldNum" sz="quarter" idx="10"/>
+          </p:nvPr>
+        </p:nvSpPr>
+        <p:spPr/>
+        <p:txBody>
+          <a:bodyPr/>
+          <a:lstStyle/>
+          <a:p>
+            <a:pPr>
+              <a:defRPr/>
+            </a:pPr>
+            <a:fld id="{0618F2DF-3AF0-41F5-B1B6-3D61669718B9}" type="slidenum">
+              <a:rPr lang="en-US" smtClean="0"/>
+              <a:pPr>
+                <a:defRPr/>
+              </a:pPr>
+              <a:t>36</a:t>
+            </a:fld>
+            <a:endParaRPr lang="en-US"/>
+          </a:p>
+        </p:txBody>
+      </p:sp>
+      <p:sp>
+        <p:nvSpPr>
+          <p:cNvPr id="5" name="Notes Placeholder 4"/>
+          <p:cNvSpPr>
+            <a:spLocks noGrp="1"/>
+          </p:cNvSpPr>
+          <p:nvPr>
+            <p:ph type="body" sz="quarter" idx="11"/>
+          </p:nvPr>
+        </p:nvSpPr>
+        <p:spPr/>
+        <p:txBody>
+          <a:bodyPr>
+            <a:normAutofit/>
+          </a:bodyPr>
+          <a:lstStyle/>
+          <a:p>
+            <a:endParaRPr lang="en-US"/>
+          </a:p>
+        </p:txBody>
+      </p:sp>
+    </p:spTree>
+  </p:cSld>
+  <p:clrMapOvr>
+    <a:masterClrMapping/>
+  </p:clrMapOvr>
+</p:notes>
+</file>
+
+<file path=ppt/notesSlides/notesSlide37.xml><?xml version="1.0" encoding="utf-8"?>
+<p:notes xmlns:a="http://schemas.openxmlformats.org/drawingml/2006/main" xmlns:r="http://schemas.openxmlformats.org/officeDocument/2006/relationships" xmlns:p="http://schemas.openxmlformats.org/presentationml/2006/main">
+  <p:cSld>
+    <p:spTree>
+      <p:nvGrpSpPr>
+        <p:cNvPr id="1" name=""/>
+        <p:cNvGrpSpPr/>
+        <p:nvPr/>
+      </p:nvGrpSpPr>
+      <p:grpSpPr>
+        <a:xfrm>
+          <a:off x="0" y="0"/>
+          <a:ext cx="0" cy="0"/>
+          <a:chOff x="0" y="0"/>
+          <a:chExt cx="0" cy="0"/>
+        </a:xfrm>
+      </p:grpSpPr>
+      <p:sp>
+        <p:nvSpPr>
+          <p:cNvPr id="2" name="Slide Image Placeholder 1"/>
+          <p:cNvSpPr>
+            <a:spLocks noGrp="1" noRot="1" noChangeAspect="1"/>
+          </p:cNvSpPr>
+          <p:nvPr>
+            <p:ph type="sldImg"/>
+          </p:nvPr>
+        </p:nvSpPr>
+        <p:spPr>
+          <a:xfrm>
+            <a:off x="1716088" y="692150"/>
+            <a:ext cx="3597275" cy="2698750"/>
+          </a:xfrm>
+        </p:spPr>
+      </p:sp>
+      <p:sp>
+        <p:nvSpPr>
+          <p:cNvPr id="4" name="Slide Number Placeholder 3"/>
+          <p:cNvSpPr>
+            <a:spLocks noGrp="1"/>
+          </p:cNvSpPr>
+          <p:nvPr>
+            <p:ph type="sldNum" sz="quarter" idx="10"/>
+          </p:nvPr>
+        </p:nvSpPr>
+        <p:spPr/>
+        <p:txBody>
+          <a:bodyPr/>
+          <a:lstStyle/>
+          <a:p>
+            <a:pPr>
+              <a:defRPr/>
+            </a:pPr>
+            <a:fld id="{0618F2DF-3AF0-41F5-B1B6-3D61669718B9}" type="slidenum">
+              <a:rPr lang="en-US" smtClean="0"/>
+              <a:pPr>
+                <a:defRPr/>
+              </a:pPr>
+              <a:t>37</a:t>
+            </a:fld>
+            <a:endParaRPr lang="en-US"/>
+          </a:p>
+        </p:txBody>
+      </p:sp>
+      <p:sp>
+        <p:nvSpPr>
+          <p:cNvPr id="5" name="Notes Placeholder 4"/>
+          <p:cNvSpPr>
+            <a:spLocks noGrp="1"/>
+          </p:cNvSpPr>
+          <p:nvPr>
+            <p:ph type="body" sz="quarter" idx="11"/>
+          </p:nvPr>
+        </p:nvSpPr>
+        <p:spPr/>
+        <p:txBody>
+          <a:bodyPr>
+            <a:normAutofit/>
+          </a:bodyPr>
+          <a:lstStyle/>
+          <a:p>
+            <a:endParaRPr lang="en-US"/>
+          </a:p>
+        </p:txBody>
+      </p:sp>
+    </p:spTree>
+  </p:cSld>
+  <p:clrMapOvr>
+    <a:masterClrMapping/>
+  </p:clrMapOvr>
+</p:notes>
+</file>
+
+<file path=ppt/notesSlides/notesSlide38.xml><?xml version="1.0" encoding="utf-8"?>
+<p:notes xmlns:a="http://schemas.openxmlformats.org/drawingml/2006/main" xmlns:r="http://schemas.openxmlformats.org/officeDocument/2006/relationships" xmlns:p="http://schemas.openxmlformats.org/presentationml/2006/main">
+  <p:cSld>
+    <p:spTree>
+      <p:nvGrpSpPr>
+        <p:cNvPr id="1" name=""/>
+        <p:cNvGrpSpPr/>
+        <p:nvPr/>
+      </p:nvGrpSpPr>
+      <p:grpSpPr>
+        <a:xfrm>
+          <a:off x="0" y="0"/>
+          <a:ext cx="0" cy="0"/>
+          <a:chOff x="0" y="0"/>
+          <a:chExt cx="0" cy="0"/>
+        </a:xfrm>
+      </p:grpSpPr>
+      <p:sp>
+        <p:nvSpPr>
+          <p:cNvPr id="2" name="Slide Image Placeholder 1"/>
+          <p:cNvSpPr>
+            <a:spLocks noGrp="1" noRot="1" noChangeAspect="1"/>
+          </p:cNvSpPr>
+          <p:nvPr>
+            <p:ph type="sldImg"/>
+          </p:nvPr>
+        </p:nvSpPr>
+        <p:spPr>
+          <a:xfrm>
+            <a:off x="1716088" y="692150"/>
+            <a:ext cx="3597275" cy="2698750"/>
+          </a:xfrm>
+        </p:spPr>
+      </p:sp>
+      <p:sp>
+        <p:nvSpPr>
+          <p:cNvPr id="4" name="Slide Number Placeholder 3"/>
+          <p:cNvSpPr>
+            <a:spLocks noGrp="1"/>
+          </p:cNvSpPr>
+          <p:nvPr>
+            <p:ph type="sldNum" sz="quarter" idx="10"/>
+          </p:nvPr>
+        </p:nvSpPr>
+        <p:spPr/>
+        <p:txBody>
+          <a:bodyPr/>
+          <a:lstStyle/>
+          <a:p>
+            <a:pPr>
+              <a:defRPr/>
+            </a:pPr>
+            <a:fld id="{0618F2DF-3AF0-41F5-B1B6-3D61669718B9}" type="slidenum">
+              <a:rPr lang="en-US" smtClean="0"/>
+              <a:pPr>
+                <a:defRPr/>
+              </a:pPr>
+              <a:t>38</a:t>
+            </a:fld>
+            <a:endParaRPr lang="en-US"/>
+          </a:p>
+        </p:txBody>
+      </p:sp>
+      <p:sp>
+        <p:nvSpPr>
+          <p:cNvPr id="5" name="Notes Placeholder 4"/>
+          <p:cNvSpPr>
+            <a:spLocks noGrp="1"/>
+          </p:cNvSpPr>
+          <p:nvPr>
+            <p:ph type="body" sz="quarter" idx="11"/>
+          </p:nvPr>
+        </p:nvSpPr>
+        <p:spPr/>
+        <p:txBody>
+          <a:bodyPr>
+            <a:normAutofit/>
+          </a:bodyPr>
+          <a:lstStyle/>
+          <a:p>
+            <a:endParaRPr lang="en-US"/>
+          </a:p>
+        </p:txBody>
+      </p:sp>
+    </p:spTree>
+  </p:cSld>
+  <p:clrMapOvr>
+    <a:masterClrMapping/>
+  </p:clrMapOvr>
+</p:notes>
+</file>
+
+<file path=ppt/notesSlides/notesSlide39.xml><?xml version="1.0" encoding="utf-8"?>
 <p:notes xmlns:a="http://schemas.openxmlformats.org/drawingml/2006/main" xmlns:r="http://schemas.openxmlformats.org/officeDocument/2006/relationships" xmlns:p="http://schemas.openxmlformats.org/presentationml/2006/main">
   <p:cSld>
     <p:spTree>
@@ -1417,2654 +3898,7 @@
               <a:pPr>
                 <a:defRPr/>
               </a:pPr>
-              <a:t>14</a:t>
-            </a:fld>
-            <a:endParaRPr lang="en-US"/>
-          </a:p>
-        </p:txBody>
-      </p:sp>
-    </p:spTree>
-  </p:cSld>
-  <p:clrMapOvr>
-    <a:masterClrMapping/>
-  </p:clrMapOvr>
-</p:notes>
-</file>
-
-<file path=ppt/notesSlides/notesSlide15.xml><?xml version="1.0" encoding="utf-8"?>
-<p:notes xmlns:a="http://schemas.openxmlformats.org/drawingml/2006/main" xmlns:r="http://schemas.openxmlformats.org/officeDocument/2006/relationships" xmlns:p="http://schemas.openxmlformats.org/presentationml/2006/main">
-  <p:cSld>
-    <p:spTree>
-      <p:nvGrpSpPr>
-        <p:cNvPr id="1" name=""/>
-        <p:cNvGrpSpPr/>
-        <p:nvPr/>
-      </p:nvGrpSpPr>
-      <p:grpSpPr>
-        <a:xfrm>
-          <a:off x="0" y="0"/>
-          <a:ext cx="0" cy="0"/>
-          <a:chOff x="0" y="0"/>
-          <a:chExt cx="0" cy="0"/>
-        </a:xfrm>
-      </p:grpSpPr>
-      <p:sp>
-        <p:nvSpPr>
-          <p:cNvPr id="36866" name="Slide Image Placeholder 1"/>
-          <p:cNvSpPr>
-            <a:spLocks noGrp="1" noRot="1" noChangeAspect="1" noTextEdit="1"/>
-          </p:cNvSpPr>
-          <p:nvPr>
-            <p:ph type="sldImg"/>
-          </p:nvPr>
-        </p:nvSpPr>
-        <p:spPr>
-          <a:xfrm>
-            <a:off x="1716088" y="692150"/>
-            <a:ext cx="3597275" cy="2698750"/>
-          </a:xfrm>
-          <a:ln/>
-        </p:spPr>
-      </p:sp>
-      <p:sp>
-        <p:nvSpPr>
-          <p:cNvPr id="36867" name="Notes Placeholder 2"/>
-          <p:cNvSpPr>
-            <a:spLocks noGrp="1"/>
-          </p:cNvSpPr>
-          <p:nvPr>
-            <p:ph type="body" idx="1"/>
-          </p:nvPr>
-        </p:nvSpPr>
-        <p:spPr>
-          <a:noFill/>
-          <a:ln/>
-        </p:spPr>
-        <p:txBody>
-          <a:bodyPr/>
-          <a:lstStyle/>
-          <a:p>
-            <a:pPr eaLnBrk="1" hangingPunct="1"/>
-            <a:endParaRPr lang="en-CA" i="1" dirty="0" smtClean="0"/>
-          </a:p>
-        </p:txBody>
-      </p:sp>
-      <p:sp>
-        <p:nvSpPr>
-          <p:cNvPr id="36868" name="Slide Number Placeholder 3"/>
-          <p:cNvSpPr>
-            <a:spLocks noGrp="1"/>
-          </p:cNvSpPr>
-          <p:nvPr>
-            <p:ph type="sldNum" sz="quarter" idx="5"/>
-          </p:nvPr>
-        </p:nvSpPr>
-        <p:spPr>
-          <a:noFill/>
-        </p:spPr>
-        <p:txBody>
-          <a:bodyPr/>
-          <a:lstStyle/>
-          <a:p>
-            <a:fld id="{E64CB18C-0F62-44C5-863B-33D6F28C604E}" type="slidenum">
-              <a:rPr lang="en-US" smtClean="0">
-                <a:latin typeface="Arial" charset="0"/>
-              </a:rPr>
-              <a:pPr/>
-              <a:t>15</a:t>
-            </a:fld>
-            <a:endParaRPr lang="en-US" smtClean="0">
-              <a:latin typeface="Arial" charset="0"/>
-            </a:endParaRPr>
-          </a:p>
-        </p:txBody>
-      </p:sp>
-    </p:spTree>
-  </p:cSld>
-  <p:clrMapOvr>
-    <a:masterClrMapping/>
-  </p:clrMapOvr>
-</p:notes>
-</file>
-
-<file path=ppt/notesSlides/notesSlide16.xml><?xml version="1.0" encoding="utf-8"?>
-<p:notes xmlns:a="http://schemas.openxmlformats.org/drawingml/2006/main" xmlns:r="http://schemas.openxmlformats.org/officeDocument/2006/relationships" xmlns:p="http://schemas.openxmlformats.org/presentationml/2006/main">
-  <p:cSld>
-    <p:spTree>
-      <p:nvGrpSpPr>
-        <p:cNvPr id="1" name=""/>
-        <p:cNvGrpSpPr/>
-        <p:nvPr/>
-      </p:nvGrpSpPr>
-      <p:grpSpPr>
-        <a:xfrm>
-          <a:off x="0" y="0"/>
-          <a:ext cx="0" cy="0"/>
-          <a:chOff x="0" y="0"/>
-          <a:chExt cx="0" cy="0"/>
-        </a:xfrm>
-      </p:grpSpPr>
-      <p:sp>
-        <p:nvSpPr>
-          <p:cNvPr id="2" name="Slide Image Placeholder 1"/>
-          <p:cNvSpPr>
-            <a:spLocks noGrp="1" noRot="1" noChangeAspect="1"/>
-          </p:cNvSpPr>
-          <p:nvPr>
-            <p:ph type="sldImg"/>
-          </p:nvPr>
-        </p:nvSpPr>
-        <p:spPr>
-          <a:xfrm>
-            <a:off x="1716088" y="692150"/>
-            <a:ext cx="3597275" cy="2698750"/>
-          </a:xfrm>
-        </p:spPr>
-      </p:sp>
-      <p:sp>
-        <p:nvSpPr>
-          <p:cNvPr id="3" name="Notes Placeholder 2"/>
-          <p:cNvSpPr>
-            <a:spLocks noGrp="1"/>
-          </p:cNvSpPr>
-          <p:nvPr>
-            <p:ph type="body" idx="1"/>
-          </p:nvPr>
-        </p:nvSpPr>
-        <p:spPr/>
-        <p:txBody>
-          <a:bodyPr>
-            <a:normAutofit/>
-          </a:bodyPr>
-          <a:lstStyle/>
-          <a:p>
-            <a:endParaRPr lang="en-US" dirty="0"/>
-          </a:p>
-        </p:txBody>
-      </p:sp>
-      <p:sp>
-        <p:nvSpPr>
-          <p:cNvPr id="4" name="Slide Number Placeholder 3"/>
-          <p:cNvSpPr>
-            <a:spLocks noGrp="1"/>
-          </p:cNvSpPr>
-          <p:nvPr>
-            <p:ph type="sldNum" sz="quarter" idx="10"/>
-          </p:nvPr>
-        </p:nvSpPr>
-        <p:spPr/>
-        <p:txBody>
-          <a:bodyPr/>
-          <a:lstStyle/>
-          <a:p>
-            <a:pPr>
-              <a:defRPr/>
-            </a:pPr>
-            <a:fld id="{0618F2DF-3AF0-41F5-B1B6-3D61669718B9}" type="slidenum">
-              <a:rPr lang="en-US" smtClean="0"/>
-              <a:pPr>
-                <a:defRPr/>
-              </a:pPr>
-              <a:t>16</a:t>
-            </a:fld>
-            <a:endParaRPr lang="en-US"/>
-          </a:p>
-        </p:txBody>
-      </p:sp>
-    </p:spTree>
-  </p:cSld>
-  <p:clrMapOvr>
-    <a:masterClrMapping/>
-  </p:clrMapOvr>
-</p:notes>
-</file>
-
-<file path=ppt/notesSlides/notesSlide17.xml><?xml version="1.0" encoding="utf-8"?>
-<p:notes xmlns:a="http://schemas.openxmlformats.org/drawingml/2006/main" xmlns:r="http://schemas.openxmlformats.org/officeDocument/2006/relationships" xmlns:p="http://schemas.openxmlformats.org/presentationml/2006/main">
-  <p:cSld>
-    <p:spTree>
-      <p:nvGrpSpPr>
-        <p:cNvPr id="1" name=""/>
-        <p:cNvGrpSpPr/>
-        <p:nvPr/>
-      </p:nvGrpSpPr>
-      <p:grpSpPr>
-        <a:xfrm>
-          <a:off x="0" y="0"/>
-          <a:ext cx="0" cy="0"/>
-          <a:chOff x="0" y="0"/>
-          <a:chExt cx="0" cy="0"/>
-        </a:xfrm>
-      </p:grpSpPr>
-      <p:sp>
-        <p:nvSpPr>
-          <p:cNvPr id="2" name="Slide Image Placeholder 1"/>
-          <p:cNvSpPr>
-            <a:spLocks noGrp="1" noRot="1" noChangeAspect="1"/>
-          </p:cNvSpPr>
-          <p:nvPr>
-            <p:ph type="sldImg"/>
-          </p:nvPr>
-        </p:nvSpPr>
-        <p:spPr>
-          <a:xfrm>
-            <a:off x="1716088" y="692150"/>
-            <a:ext cx="3597275" cy="2698750"/>
-          </a:xfrm>
-        </p:spPr>
-      </p:sp>
-      <p:sp>
-        <p:nvSpPr>
-          <p:cNvPr id="3" name="Notes Placeholder 2"/>
-          <p:cNvSpPr>
-            <a:spLocks noGrp="1"/>
-          </p:cNvSpPr>
-          <p:nvPr>
-            <p:ph type="body" idx="1"/>
-          </p:nvPr>
-        </p:nvSpPr>
-        <p:spPr/>
-        <p:txBody>
-          <a:bodyPr>
-            <a:normAutofit/>
-          </a:bodyPr>
-          <a:lstStyle/>
-          <a:p>
-            <a:pPr marL="0" marR="0" indent="0" algn="l" defTabSz="914400" rtl="0" eaLnBrk="0" fontAlgn="base" latinLnBrk="0" hangingPunct="0">
-              <a:lnSpc>
-                <a:spcPct val="100000"/>
-              </a:lnSpc>
-              <a:spcBef>
-                <a:spcPct val="30000"/>
-              </a:spcBef>
-              <a:spcAft>
-                <a:spcPct val="0"/>
-              </a:spcAft>
-              <a:buClrTx/>
-              <a:buSzTx/>
-              <a:buFontTx/>
-              <a:buNone/>
-              <a:tabLst/>
-              <a:defRPr/>
-            </a:pPr>
-            <a:endParaRPr lang="en-US" dirty="0"/>
-          </a:p>
-        </p:txBody>
-      </p:sp>
-      <p:sp>
-        <p:nvSpPr>
-          <p:cNvPr id="4" name="Slide Number Placeholder 3"/>
-          <p:cNvSpPr>
-            <a:spLocks noGrp="1"/>
-          </p:cNvSpPr>
-          <p:nvPr>
-            <p:ph type="sldNum" sz="quarter" idx="10"/>
-          </p:nvPr>
-        </p:nvSpPr>
-        <p:spPr/>
-        <p:txBody>
-          <a:bodyPr/>
-          <a:lstStyle/>
-          <a:p>
-            <a:pPr>
-              <a:defRPr/>
-            </a:pPr>
-            <a:fld id="{0618F2DF-3AF0-41F5-B1B6-3D61669718B9}" type="slidenum">
-              <a:rPr lang="en-US" smtClean="0"/>
-              <a:pPr>
-                <a:defRPr/>
-              </a:pPr>
-              <a:t>17</a:t>
-            </a:fld>
-            <a:endParaRPr lang="en-US"/>
-          </a:p>
-        </p:txBody>
-      </p:sp>
-    </p:spTree>
-  </p:cSld>
-  <p:clrMapOvr>
-    <a:masterClrMapping/>
-  </p:clrMapOvr>
-</p:notes>
-</file>
-
-<file path=ppt/notesSlides/notesSlide18.xml><?xml version="1.0" encoding="utf-8"?>
-<p:notes xmlns:a="http://schemas.openxmlformats.org/drawingml/2006/main" xmlns:r="http://schemas.openxmlformats.org/officeDocument/2006/relationships" xmlns:p="http://schemas.openxmlformats.org/presentationml/2006/main">
-  <p:cSld>
-    <p:spTree>
-      <p:nvGrpSpPr>
-        <p:cNvPr id="1" name=""/>
-        <p:cNvGrpSpPr/>
-        <p:nvPr/>
-      </p:nvGrpSpPr>
-      <p:grpSpPr>
-        <a:xfrm>
-          <a:off x="0" y="0"/>
-          <a:ext cx="0" cy="0"/>
-          <a:chOff x="0" y="0"/>
-          <a:chExt cx="0" cy="0"/>
-        </a:xfrm>
-      </p:grpSpPr>
-      <p:sp>
-        <p:nvSpPr>
-          <p:cNvPr id="37890" name="Slide Image Placeholder 1"/>
-          <p:cNvSpPr>
-            <a:spLocks noGrp="1" noRot="1" noChangeAspect="1" noTextEdit="1"/>
-          </p:cNvSpPr>
-          <p:nvPr>
-            <p:ph type="sldImg"/>
-          </p:nvPr>
-        </p:nvSpPr>
-        <p:spPr>
-          <a:xfrm>
-            <a:off x="1716088" y="692150"/>
-            <a:ext cx="3597275" cy="2698750"/>
-          </a:xfrm>
-          <a:ln/>
-        </p:spPr>
-      </p:sp>
-      <p:sp>
-        <p:nvSpPr>
-          <p:cNvPr id="37891" name="Notes Placeholder 2"/>
-          <p:cNvSpPr>
-            <a:spLocks noGrp="1"/>
-          </p:cNvSpPr>
-          <p:nvPr>
-            <p:ph type="body" idx="1"/>
-          </p:nvPr>
-        </p:nvSpPr>
-        <p:spPr>
-          <a:noFill/>
-          <a:ln/>
-        </p:spPr>
-        <p:txBody>
-          <a:bodyPr/>
-          <a:lstStyle/>
-          <a:p>
-            <a:endParaRPr lang="en-US" dirty="0" smtClean="0">
-              <a:latin typeface="Arial" charset="0"/>
-            </a:endParaRPr>
-          </a:p>
-        </p:txBody>
-      </p:sp>
-      <p:sp>
-        <p:nvSpPr>
-          <p:cNvPr id="37892" name="Slide Number Placeholder 3"/>
-          <p:cNvSpPr>
-            <a:spLocks noGrp="1"/>
-          </p:cNvSpPr>
-          <p:nvPr>
-            <p:ph type="sldNum" sz="quarter" idx="5"/>
-          </p:nvPr>
-        </p:nvSpPr>
-        <p:spPr>
-          <a:noFill/>
-        </p:spPr>
-        <p:txBody>
-          <a:bodyPr/>
-          <a:lstStyle/>
-          <a:p>
-            <a:fld id="{81F403E2-76B8-4C86-91EB-73C734520D58}" type="slidenum">
-              <a:rPr lang="en-US" smtClean="0">
-                <a:latin typeface="Arial" charset="0"/>
-              </a:rPr>
-              <a:pPr/>
-              <a:t>18</a:t>
-            </a:fld>
-            <a:endParaRPr lang="en-US" smtClean="0">
-              <a:latin typeface="Arial" charset="0"/>
-            </a:endParaRPr>
-          </a:p>
-        </p:txBody>
-      </p:sp>
-    </p:spTree>
-  </p:cSld>
-  <p:clrMapOvr>
-    <a:masterClrMapping/>
-  </p:clrMapOvr>
-</p:notes>
-</file>
-
-<file path=ppt/notesSlides/notesSlide19.xml><?xml version="1.0" encoding="utf-8"?>
-<p:notes xmlns:a="http://schemas.openxmlformats.org/drawingml/2006/main" xmlns:r="http://schemas.openxmlformats.org/officeDocument/2006/relationships" xmlns:p="http://schemas.openxmlformats.org/presentationml/2006/main">
-  <p:cSld>
-    <p:spTree>
-      <p:nvGrpSpPr>
-        <p:cNvPr id="1" name=""/>
-        <p:cNvGrpSpPr/>
-        <p:nvPr/>
-      </p:nvGrpSpPr>
-      <p:grpSpPr>
-        <a:xfrm>
-          <a:off x="0" y="0"/>
-          <a:ext cx="0" cy="0"/>
-          <a:chOff x="0" y="0"/>
-          <a:chExt cx="0" cy="0"/>
-        </a:xfrm>
-      </p:grpSpPr>
-      <p:sp>
-        <p:nvSpPr>
-          <p:cNvPr id="2" name="Slide Image Placeholder 1"/>
-          <p:cNvSpPr>
-            <a:spLocks noGrp="1" noRot="1" noChangeAspect="1"/>
-          </p:cNvSpPr>
-          <p:nvPr>
-            <p:ph type="sldImg"/>
-          </p:nvPr>
-        </p:nvSpPr>
-        <p:spPr>
-          <a:xfrm>
-            <a:off x="1716088" y="692150"/>
-            <a:ext cx="3597275" cy="2698750"/>
-          </a:xfrm>
-        </p:spPr>
-      </p:sp>
-      <p:sp>
-        <p:nvSpPr>
-          <p:cNvPr id="3" name="Notes Placeholder 2"/>
-          <p:cNvSpPr>
-            <a:spLocks noGrp="1"/>
-          </p:cNvSpPr>
-          <p:nvPr>
-            <p:ph type="body" idx="1"/>
-          </p:nvPr>
-        </p:nvSpPr>
-        <p:spPr/>
-        <p:txBody>
-          <a:bodyPr>
-            <a:normAutofit/>
-          </a:bodyPr>
-          <a:lstStyle/>
-          <a:p>
-            <a:endParaRPr lang="en-US" dirty="0"/>
-          </a:p>
-        </p:txBody>
-      </p:sp>
-      <p:sp>
-        <p:nvSpPr>
-          <p:cNvPr id="4" name="Slide Number Placeholder 3"/>
-          <p:cNvSpPr>
-            <a:spLocks noGrp="1"/>
-          </p:cNvSpPr>
-          <p:nvPr>
-            <p:ph type="sldNum" sz="quarter" idx="10"/>
-          </p:nvPr>
-        </p:nvSpPr>
-        <p:spPr/>
-        <p:txBody>
-          <a:bodyPr/>
-          <a:lstStyle/>
-          <a:p>
-            <a:pPr>
-              <a:defRPr/>
-            </a:pPr>
-            <a:fld id="{0618F2DF-3AF0-41F5-B1B6-3D61669718B9}" type="slidenum">
-              <a:rPr lang="en-US" smtClean="0"/>
-              <a:pPr>
-                <a:defRPr/>
-              </a:pPr>
-              <a:t>19</a:t>
-            </a:fld>
-            <a:endParaRPr lang="en-US"/>
-          </a:p>
-        </p:txBody>
-      </p:sp>
-    </p:spTree>
-  </p:cSld>
-  <p:clrMapOvr>
-    <a:masterClrMapping/>
-  </p:clrMapOvr>
-</p:notes>
-</file>
-
-<file path=ppt/notesSlides/notesSlide2.xml><?xml version="1.0" encoding="utf-8"?>
-<p:notes xmlns:a="http://schemas.openxmlformats.org/drawingml/2006/main" xmlns:r="http://schemas.openxmlformats.org/officeDocument/2006/relationships" xmlns:p="http://schemas.openxmlformats.org/presentationml/2006/main">
-  <p:cSld>
-    <p:spTree>
-      <p:nvGrpSpPr>
-        <p:cNvPr id="1" name=""/>
-        <p:cNvGrpSpPr/>
-        <p:nvPr/>
-      </p:nvGrpSpPr>
-      <p:grpSpPr>
-        <a:xfrm>
-          <a:off x="0" y="0"/>
-          <a:ext cx="0" cy="0"/>
-          <a:chOff x="0" y="0"/>
-          <a:chExt cx="0" cy="0"/>
-        </a:xfrm>
-      </p:grpSpPr>
-      <p:sp>
-        <p:nvSpPr>
-          <p:cNvPr id="2" name="Slide Image Placeholder 1"/>
-          <p:cNvSpPr>
-            <a:spLocks noGrp="1" noRot="1" noChangeAspect="1"/>
-          </p:cNvSpPr>
-          <p:nvPr>
-            <p:ph type="sldImg"/>
-          </p:nvPr>
-        </p:nvSpPr>
-        <p:spPr>
-          <a:xfrm>
-            <a:off x="1716088" y="692150"/>
-            <a:ext cx="3597275" cy="2698750"/>
-          </a:xfrm>
-        </p:spPr>
-      </p:sp>
-      <p:sp>
-        <p:nvSpPr>
-          <p:cNvPr id="3" name="Notes Placeholder 2"/>
-          <p:cNvSpPr>
-            <a:spLocks noGrp="1"/>
-          </p:cNvSpPr>
-          <p:nvPr>
-            <p:ph type="body" idx="1"/>
-          </p:nvPr>
-        </p:nvSpPr>
-        <p:spPr/>
-        <p:txBody>
-          <a:bodyPr>
-            <a:normAutofit/>
-          </a:bodyPr>
-          <a:lstStyle/>
-          <a:p>
-            <a:pPr eaLnBrk="1" hangingPunct="1"/>
-            <a:endParaRPr lang="en-US" dirty="0" smtClean="0">
-              <a:latin typeface="Arial" charset="0"/>
-            </a:endParaRPr>
-          </a:p>
-          <a:p>
-            <a:endParaRPr lang="en-US" dirty="0"/>
-          </a:p>
-        </p:txBody>
-      </p:sp>
-      <p:sp>
-        <p:nvSpPr>
-          <p:cNvPr id="4" name="Slide Number Placeholder 3"/>
-          <p:cNvSpPr>
-            <a:spLocks noGrp="1"/>
-          </p:cNvSpPr>
-          <p:nvPr>
-            <p:ph type="sldNum" sz="quarter" idx="10"/>
-          </p:nvPr>
-        </p:nvSpPr>
-        <p:spPr/>
-        <p:txBody>
-          <a:bodyPr/>
-          <a:lstStyle/>
-          <a:p>
-            <a:pPr>
-              <a:defRPr/>
-            </a:pPr>
-            <a:fld id="{0618F2DF-3AF0-41F5-B1B6-3D61669718B9}" type="slidenum">
-              <a:rPr lang="en-US" smtClean="0"/>
-              <a:pPr>
-                <a:defRPr/>
-              </a:pPr>
-              <a:t>2</a:t>
-            </a:fld>
-            <a:endParaRPr lang="en-US"/>
-          </a:p>
-        </p:txBody>
-      </p:sp>
-    </p:spTree>
-  </p:cSld>
-  <p:clrMapOvr>
-    <a:masterClrMapping/>
-  </p:clrMapOvr>
-</p:notes>
-</file>
-
-<file path=ppt/notesSlides/notesSlide20.xml><?xml version="1.0" encoding="utf-8"?>
-<p:notes xmlns:a="http://schemas.openxmlformats.org/drawingml/2006/main" xmlns:r="http://schemas.openxmlformats.org/officeDocument/2006/relationships" xmlns:p="http://schemas.openxmlformats.org/presentationml/2006/main">
-  <p:cSld>
-    <p:spTree>
-      <p:nvGrpSpPr>
-        <p:cNvPr id="1" name=""/>
-        <p:cNvGrpSpPr/>
-        <p:nvPr/>
-      </p:nvGrpSpPr>
-      <p:grpSpPr>
-        <a:xfrm>
-          <a:off x="0" y="0"/>
-          <a:ext cx="0" cy="0"/>
-          <a:chOff x="0" y="0"/>
-          <a:chExt cx="0" cy="0"/>
-        </a:xfrm>
-      </p:grpSpPr>
-      <p:sp>
-        <p:nvSpPr>
-          <p:cNvPr id="45058" name="Slide Image Placeholder 1"/>
-          <p:cNvSpPr>
-            <a:spLocks noGrp="1" noRot="1" noChangeAspect="1" noTextEdit="1"/>
-          </p:cNvSpPr>
-          <p:nvPr>
-            <p:ph type="sldImg"/>
-          </p:nvPr>
-        </p:nvSpPr>
-        <p:spPr>
-          <a:xfrm>
-            <a:off x="1716088" y="692150"/>
-            <a:ext cx="3597275" cy="2698750"/>
-          </a:xfrm>
-          <a:ln/>
-        </p:spPr>
-      </p:sp>
-      <p:sp>
-        <p:nvSpPr>
-          <p:cNvPr id="45059" name="Notes Placeholder 2"/>
-          <p:cNvSpPr>
-            <a:spLocks noGrp="1"/>
-          </p:cNvSpPr>
-          <p:nvPr>
-            <p:ph type="body" idx="1"/>
-          </p:nvPr>
-        </p:nvSpPr>
-        <p:spPr>
-          <a:noFill/>
-          <a:ln/>
-        </p:spPr>
-        <p:txBody>
-          <a:bodyPr/>
-          <a:lstStyle/>
-          <a:p>
-            <a:endParaRPr lang="en-US" dirty="0" smtClean="0">
-              <a:latin typeface="Arial" charset="0"/>
-            </a:endParaRPr>
-          </a:p>
-        </p:txBody>
-      </p:sp>
-      <p:sp>
-        <p:nvSpPr>
-          <p:cNvPr id="45060" name="Slide Number Placeholder 3"/>
-          <p:cNvSpPr>
-            <a:spLocks noGrp="1"/>
-          </p:cNvSpPr>
-          <p:nvPr>
-            <p:ph type="sldNum" sz="quarter" idx="5"/>
-          </p:nvPr>
-        </p:nvSpPr>
-        <p:spPr>
-          <a:noFill/>
-        </p:spPr>
-        <p:txBody>
-          <a:bodyPr/>
-          <a:lstStyle/>
-          <a:p>
-            <a:fld id="{0A1A2CE2-028D-4F59-B3C8-0C45DC439EA1}" type="slidenum">
-              <a:rPr lang="en-US" smtClean="0">
-                <a:latin typeface="Arial" charset="0"/>
-              </a:rPr>
-              <a:pPr/>
-              <a:t>20</a:t>
-            </a:fld>
-            <a:endParaRPr lang="en-US" smtClean="0">
-              <a:latin typeface="Arial" charset="0"/>
-            </a:endParaRPr>
-          </a:p>
-        </p:txBody>
-      </p:sp>
-    </p:spTree>
-  </p:cSld>
-  <p:clrMapOvr>
-    <a:masterClrMapping/>
-  </p:clrMapOvr>
-</p:notes>
-</file>
-
-<file path=ppt/notesSlides/notesSlide21.xml><?xml version="1.0" encoding="utf-8"?>
-<p:notes xmlns:a="http://schemas.openxmlformats.org/drawingml/2006/main" xmlns:r="http://schemas.openxmlformats.org/officeDocument/2006/relationships" xmlns:p="http://schemas.openxmlformats.org/presentationml/2006/main">
-  <p:cSld>
-    <p:spTree>
-      <p:nvGrpSpPr>
-        <p:cNvPr id="1" name=""/>
-        <p:cNvGrpSpPr/>
-        <p:nvPr/>
-      </p:nvGrpSpPr>
-      <p:grpSpPr>
-        <a:xfrm>
-          <a:off x="0" y="0"/>
-          <a:ext cx="0" cy="0"/>
-          <a:chOff x="0" y="0"/>
-          <a:chExt cx="0" cy="0"/>
-        </a:xfrm>
-      </p:grpSpPr>
-      <p:sp>
-        <p:nvSpPr>
-          <p:cNvPr id="38914" name="Slide Image Placeholder 1"/>
-          <p:cNvSpPr>
-            <a:spLocks noGrp="1" noRot="1" noChangeAspect="1" noTextEdit="1"/>
-          </p:cNvSpPr>
-          <p:nvPr>
-            <p:ph type="sldImg"/>
-          </p:nvPr>
-        </p:nvSpPr>
-        <p:spPr>
-          <a:xfrm>
-            <a:off x="1716088" y="692150"/>
-            <a:ext cx="3597275" cy="2698750"/>
-          </a:xfrm>
-          <a:ln/>
-        </p:spPr>
-      </p:sp>
-      <p:sp>
-        <p:nvSpPr>
-          <p:cNvPr id="38915" name="Notes Placeholder 2"/>
-          <p:cNvSpPr>
-            <a:spLocks noGrp="1"/>
-          </p:cNvSpPr>
-          <p:nvPr>
-            <p:ph type="body" idx="1"/>
-          </p:nvPr>
-        </p:nvSpPr>
-        <p:spPr>
-          <a:noFill/>
-          <a:ln/>
-        </p:spPr>
-        <p:txBody>
-          <a:bodyPr/>
-          <a:lstStyle/>
-          <a:p>
-            <a:endParaRPr lang="en-US" dirty="0" smtClean="0">
-              <a:latin typeface="Arial" charset="0"/>
-            </a:endParaRPr>
-          </a:p>
-        </p:txBody>
-      </p:sp>
-      <p:sp>
-        <p:nvSpPr>
-          <p:cNvPr id="38916" name="Slide Number Placeholder 3"/>
-          <p:cNvSpPr>
-            <a:spLocks noGrp="1"/>
-          </p:cNvSpPr>
-          <p:nvPr>
-            <p:ph type="sldNum" sz="quarter" idx="5"/>
-          </p:nvPr>
-        </p:nvSpPr>
-        <p:spPr>
-          <a:noFill/>
-        </p:spPr>
-        <p:txBody>
-          <a:bodyPr/>
-          <a:lstStyle/>
-          <a:p>
-            <a:fld id="{EA094224-C084-4075-B1CB-FD67CF0DBA2D}" type="slidenum">
-              <a:rPr lang="en-US" smtClean="0">
-                <a:latin typeface="Arial" charset="0"/>
-              </a:rPr>
-              <a:pPr/>
-              <a:t>21</a:t>
-            </a:fld>
-            <a:endParaRPr lang="en-US" smtClean="0">
-              <a:latin typeface="Arial" charset="0"/>
-            </a:endParaRPr>
-          </a:p>
-        </p:txBody>
-      </p:sp>
-    </p:spTree>
-  </p:cSld>
-  <p:clrMapOvr>
-    <a:masterClrMapping/>
-  </p:clrMapOvr>
-</p:notes>
-</file>
-
-<file path=ppt/notesSlides/notesSlide22.xml><?xml version="1.0" encoding="utf-8"?>
-<p:notes xmlns:a="http://schemas.openxmlformats.org/drawingml/2006/main" xmlns:r="http://schemas.openxmlformats.org/officeDocument/2006/relationships" xmlns:p="http://schemas.openxmlformats.org/presentationml/2006/main">
-  <p:cSld>
-    <p:spTree>
-      <p:nvGrpSpPr>
-        <p:cNvPr id="1" name=""/>
-        <p:cNvGrpSpPr/>
-        <p:nvPr/>
-      </p:nvGrpSpPr>
-      <p:grpSpPr>
-        <a:xfrm>
-          <a:off x="0" y="0"/>
-          <a:ext cx="0" cy="0"/>
-          <a:chOff x="0" y="0"/>
-          <a:chExt cx="0" cy="0"/>
-        </a:xfrm>
-      </p:grpSpPr>
-      <p:sp>
-        <p:nvSpPr>
-          <p:cNvPr id="2" name="Slide Image Placeholder 1"/>
-          <p:cNvSpPr>
-            <a:spLocks noGrp="1" noRot="1" noChangeAspect="1"/>
-          </p:cNvSpPr>
-          <p:nvPr>
-            <p:ph type="sldImg"/>
-          </p:nvPr>
-        </p:nvSpPr>
-        <p:spPr>
-          <a:xfrm>
-            <a:off x="1716088" y="692150"/>
-            <a:ext cx="3597275" cy="2698750"/>
-          </a:xfrm>
-        </p:spPr>
-      </p:sp>
-      <p:sp>
-        <p:nvSpPr>
-          <p:cNvPr id="3" name="Notes Placeholder 2"/>
-          <p:cNvSpPr>
-            <a:spLocks noGrp="1"/>
-          </p:cNvSpPr>
-          <p:nvPr>
-            <p:ph type="body" idx="1"/>
-          </p:nvPr>
-        </p:nvSpPr>
-        <p:spPr/>
-        <p:txBody>
-          <a:bodyPr>
-            <a:normAutofit/>
-          </a:bodyPr>
-          <a:lstStyle/>
-          <a:p>
-            <a:pPr marL="0" marR="0" indent="0" algn="l" defTabSz="914400" rtl="0" eaLnBrk="0" fontAlgn="base" latinLnBrk="0" hangingPunct="0">
-              <a:lnSpc>
-                <a:spcPct val="100000"/>
-              </a:lnSpc>
-              <a:spcBef>
-                <a:spcPct val="30000"/>
-              </a:spcBef>
-              <a:spcAft>
-                <a:spcPct val="0"/>
-              </a:spcAft>
-              <a:buClrTx/>
-              <a:buSzTx/>
-              <a:buFontTx/>
-              <a:buNone/>
-              <a:tabLst/>
-              <a:defRPr/>
-            </a:pPr>
-            <a:endParaRPr lang="en-CA" dirty="0" smtClean="0"/>
-          </a:p>
-          <a:p>
-            <a:pPr marL="0" marR="0" indent="0" algn="l" defTabSz="914400" rtl="0" eaLnBrk="0" fontAlgn="base" latinLnBrk="0" hangingPunct="0">
-              <a:lnSpc>
-                <a:spcPct val="100000"/>
-              </a:lnSpc>
-              <a:spcBef>
-                <a:spcPct val="30000"/>
-              </a:spcBef>
-              <a:spcAft>
-                <a:spcPct val="0"/>
-              </a:spcAft>
-              <a:buClrTx/>
-              <a:buSzTx/>
-              <a:buFontTx/>
-              <a:buNone/>
-              <a:tabLst/>
-              <a:defRPr/>
-            </a:pPr>
-            <a:endParaRPr lang="en-CA" dirty="0" smtClean="0"/>
-          </a:p>
-          <a:p>
-            <a:pPr marL="0" marR="0" indent="0" algn="l" defTabSz="914400" rtl="0" eaLnBrk="0" fontAlgn="base" latinLnBrk="0" hangingPunct="0">
-              <a:lnSpc>
-                <a:spcPct val="100000"/>
-              </a:lnSpc>
-              <a:spcBef>
-                <a:spcPct val="30000"/>
-              </a:spcBef>
-              <a:spcAft>
-                <a:spcPct val="0"/>
-              </a:spcAft>
-              <a:buClrTx/>
-              <a:buSzTx/>
-              <a:buFontTx/>
-              <a:buNone/>
-              <a:tabLst/>
-              <a:defRPr/>
-            </a:pPr>
-            <a:endParaRPr lang="en-CA" dirty="0" smtClean="0"/>
-          </a:p>
-          <a:p>
-            <a:endParaRPr lang="en-US" dirty="0"/>
-          </a:p>
-        </p:txBody>
-      </p:sp>
-      <p:sp>
-        <p:nvSpPr>
-          <p:cNvPr id="4" name="Slide Number Placeholder 3"/>
-          <p:cNvSpPr>
-            <a:spLocks noGrp="1"/>
-          </p:cNvSpPr>
-          <p:nvPr>
-            <p:ph type="sldNum" sz="quarter" idx="10"/>
-          </p:nvPr>
-        </p:nvSpPr>
-        <p:spPr/>
-        <p:txBody>
-          <a:bodyPr/>
-          <a:lstStyle/>
-          <a:p>
-            <a:pPr>
-              <a:defRPr/>
-            </a:pPr>
-            <a:fld id="{0618F2DF-3AF0-41F5-B1B6-3D61669718B9}" type="slidenum">
-              <a:rPr lang="en-US" smtClean="0"/>
-              <a:pPr>
-                <a:defRPr/>
-              </a:pPr>
-              <a:t>22</a:t>
-            </a:fld>
-            <a:endParaRPr lang="en-US"/>
-          </a:p>
-        </p:txBody>
-      </p:sp>
-    </p:spTree>
-  </p:cSld>
-  <p:clrMapOvr>
-    <a:masterClrMapping/>
-  </p:clrMapOvr>
-</p:notes>
-</file>
-
-<file path=ppt/notesSlides/notesSlide23.xml><?xml version="1.0" encoding="utf-8"?>
-<p:notes xmlns:a="http://schemas.openxmlformats.org/drawingml/2006/main" xmlns:r="http://schemas.openxmlformats.org/officeDocument/2006/relationships" xmlns:p="http://schemas.openxmlformats.org/presentationml/2006/main">
-  <p:cSld>
-    <p:spTree>
-      <p:nvGrpSpPr>
-        <p:cNvPr id="1" name=""/>
-        <p:cNvGrpSpPr/>
-        <p:nvPr/>
-      </p:nvGrpSpPr>
-      <p:grpSpPr>
-        <a:xfrm>
-          <a:off x="0" y="0"/>
-          <a:ext cx="0" cy="0"/>
-          <a:chOff x="0" y="0"/>
-          <a:chExt cx="0" cy="0"/>
-        </a:xfrm>
-      </p:grpSpPr>
-      <p:sp>
-        <p:nvSpPr>
-          <p:cNvPr id="39938" name="Slide Image Placeholder 1"/>
-          <p:cNvSpPr>
-            <a:spLocks noGrp="1" noRot="1" noChangeAspect="1" noTextEdit="1"/>
-          </p:cNvSpPr>
-          <p:nvPr>
-            <p:ph type="sldImg"/>
-          </p:nvPr>
-        </p:nvSpPr>
-        <p:spPr>
-          <a:xfrm>
-            <a:off x="1716088" y="692150"/>
-            <a:ext cx="3597275" cy="2698750"/>
-          </a:xfrm>
-          <a:ln/>
-        </p:spPr>
-      </p:sp>
-      <p:sp>
-        <p:nvSpPr>
-          <p:cNvPr id="39939" name="Notes Placeholder 2"/>
-          <p:cNvSpPr>
-            <a:spLocks noGrp="1"/>
-          </p:cNvSpPr>
-          <p:nvPr>
-            <p:ph type="body" idx="1"/>
-          </p:nvPr>
-        </p:nvSpPr>
-        <p:spPr>
-          <a:noFill/>
-          <a:ln/>
-        </p:spPr>
-        <p:txBody>
-          <a:bodyPr/>
-          <a:lstStyle/>
-          <a:p>
-            <a:endParaRPr lang="en-US" dirty="0" smtClean="0">
-              <a:latin typeface="Arial" charset="0"/>
-            </a:endParaRPr>
-          </a:p>
-        </p:txBody>
-      </p:sp>
-      <p:sp>
-        <p:nvSpPr>
-          <p:cNvPr id="39940" name="Slide Number Placeholder 3"/>
-          <p:cNvSpPr>
-            <a:spLocks noGrp="1"/>
-          </p:cNvSpPr>
-          <p:nvPr>
-            <p:ph type="sldNum" sz="quarter" idx="5"/>
-          </p:nvPr>
-        </p:nvSpPr>
-        <p:spPr>
-          <a:noFill/>
-        </p:spPr>
-        <p:txBody>
-          <a:bodyPr/>
-          <a:lstStyle/>
-          <a:p>
-            <a:fld id="{A5C85DDC-40C2-4C33-B507-169AEF8B5FBF}" type="slidenum">
-              <a:rPr lang="en-US" smtClean="0">
-                <a:latin typeface="Arial" charset="0"/>
-              </a:rPr>
-              <a:pPr/>
-              <a:t>23</a:t>
-            </a:fld>
-            <a:endParaRPr lang="en-US" smtClean="0">
-              <a:latin typeface="Arial" charset="0"/>
-            </a:endParaRPr>
-          </a:p>
-        </p:txBody>
-      </p:sp>
-    </p:spTree>
-  </p:cSld>
-  <p:clrMapOvr>
-    <a:masterClrMapping/>
-  </p:clrMapOvr>
-</p:notes>
-</file>
-
-<file path=ppt/notesSlides/notesSlide24.xml><?xml version="1.0" encoding="utf-8"?>
-<p:notes xmlns:a="http://schemas.openxmlformats.org/drawingml/2006/main" xmlns:r="http://schemas.openxmlformats.org/officeDocument/2006/relationships" xmlns:p="http://schemas.openxmlformats.org/presentationml/2006/main">
-  <p:cSld>
-    <p:spTree>
-      <p:nvGrpSpPr>
-        <p:cNvPr id="1" name=""/>
-        <p:cNvGrpSpPr/>
-        <p:nvPr/>
-      </p:nvGrpSpPr>
-      <p:grpSpPr>
-        <a:xfrm>
-          <a:off x="0" y="0"/>
-          <a:ext cx="0" cy="0"/>
-          <a:chOff x="0" y="0"/>
-          <a:chExt cx="0" cy="0"/>
-        </a:xfrm>
-      </p:grpSpPr>
-      <p:sp>
-        <p:nvSpPr>
-          <p:cNvPr id="2" name="Slide Image Placeholder 1"/>
-          <p:cNvSpPr>
-            <a:spLocks noGrp="1" noRot="1" noChangeAspect="1"/>
-          </p:cNvSpPr>
-          <p:nvPr>
-            <p:ph type="sldImg"/>
-          </p:nvPr>
-        </p:nvSpPr>
-        <p:spPr>
-          <a:xfrm>
-            <a:off x="1716088" y="692150"/>
-            <a:ext cx="3597275" cy="2698750"/>
-          </a:xfrm>
-        </p:spPr>
-      </p:sp>
-      <p:sp>
-        <p:nvSpPr>
-          <p:cNvPr id="3" name="Notes Placeholder 2"/>
-          <p:cNvSpPr>
-            <a:spLocks noGrp="1"/>
-          </p:cNvSpPr>
-          <p:nvPr>
-            <p:ph type="body" idx="1"/>
-          </p:nvPr>
-        </p:nvSpPr>
-        <p:spPr/>
-        <p:txBody>
-          <a:bodyPr>
-            <a:normAutofit/>
-          </a:bodyPr>
-          <a:lstStyle/>
-          <a:p>
-            <a:endParaRPr lang="en-US" dirty="0"/>
-          </a:p>
-        </p:txBody>
-      </p:sp>
-      <p:sp>
-        <p:nvSpPr>
-          <p:cNvPr id="4" name="Slide Number Placeholder 3"/>
-          <p:cNvSpPr>
-            <a:spLocks noGrp="1"/>
-          </p:cNvSpPr>
-          <p:nvPr>
-            <p:ph type="sldNum" sz="quarter" idx="10"/>
-          </p:nvPr>
-        </p:nvSpPr>
-        <p:spPr/>
-        <p:txBody>
-          <a:bodyPr/>
-          <a:lstStyle/>
-          <a:p>
-            <a:pPr>
-              <a:defRPr/>
-            </a:pPr>
-            <a:fld id="{0618F2DF-3AF0-41F5-B1B6-3D61669718B9}" type="slidenum">
-              <a:rPr lang="en-US" smtClean="0"/>
-              <a:pPr>
-                <a:defRPr/>
-              </a:pPr>
-              <a:t>24</a:t>
-            </a:fld>
-            <a:endParaRPr lang="en-US"/>
-          </a:p>
-        </p:txBody>
-      </p:sp>
-    </p:spTree>
-  </p:cSld>
-  <p:clrMapOvr>
-    <a:masterClrMapping/>
-  </p:clrMapOvr>
-</p:notes>
-</file>
-
-<file path=ppt/notesSlides/notesSlide25.xml><?xml version="1.0" encoding="utf-8"?>
-<p:notes xmlns:a="http://schemas.openxmlformats.org/drawingml/2006/main" xmlns:r="http://schemas.openxmlformats.org/officeDocument/2006/relationships" xmlns:p="http://schemas.openxmlformats.org/presentationml/2006/main">
-  <p:cSld>
-    <p:spTree>
-      <p:nvGrpSpPr>
-        <p:cNvPr id="1" name=""/>
-        <p:cNvGrpSpPr/>
-        <p:nvPr/>
-      </p:nvGrpSpPr>
-      <p:grpSpPr>
-        <a:xfrm>
-          <a:off x="0" y="0"/>
-          <a:ext cx="0" cy="0"/>
-          <a:chOff x="0" y="0"/>
-          <a:chExt cx="0" cy="0"/>
-        </a:xfrm>
-      </p:grpSpPr>
-      <p:sp>
-        <p:nvSpPr>
-          <p:cNvPr id="2" name="Slide Image Placeholder 1"/>
-          <p:cNvSpPr>
-            <a:spLocks noGrp="1" noRot="1" noChangeAspect="1"/>
-          </p:cNvSpPr>
-          <p:nvPr>
-            <p:ph type="sldImg"/>
-          </p:nvPr>
-        </p:nvSpPr>
-        <p:spPr>
-          <a:xfrm>
-            <a:off x="1716088" y="692150"/>
-            <a:ext cx="3597275" cy="2698750"/>
-          </a:xfrm>
-        </p:spPr>
-      </p:sp>
-      <p:sp>
-        <p:nvSpPr>
-          <p:cNvPr id="3" name="Notes Placeholder 2"/>
-          <p:cNvSpPr>
-            <a:spLocks noGrp="1"/>
-          </p:cNvSpPr>
-          <p:nvPr>
-            <p:ph type="body" idx="1"/>
-          </p:nvPr>
-        </p:nvSpPr>
-        <p:spPr/>
-        <p:txBody>
-          <a:bodyPr>
-            <a:normAutofit/>
-          </a:bodyPr>
-          <a:lstStyle/>
-          <a:p>
-            <a:endParaRPr lang="en-US" dirty="0"/>
-          </a:p>
-        </p:txBody>
-      </p:sp>
-      <p:sp>
-        <p:nvSpPr>
-          <p:cNvPr id="4" name="Slide Number Placeholder 3"/>
-          <p:cNvSpPr>
-            <a:spLocks noGrp="1"/>
-          </p:cNvSpPr>
-          <p:nvPr>
-            <p:ph type="sldNum" sz="quarter" idx="10"/>
-          </p:nvPr>
-        </p:nvSpPr>
-        <p:spPr/>
-        <p:txBody>
-          <a:bodyPr/>
-          <a:lstStyle/>
-          <a:p>
-            <a:pPr>
-              <a:defRPr/>
-            </a:pPr>
-            <a:fld id="{0618F2DF-3AF0-41F5-B1B6-3D61669718B9}" type="slidenum">
-              <a:rPr lang="en-US" smtClean="0"/>
-              <a:pPr>
-                <a:defRPr/>
-              </a:pPr>
-              <a:t>25</a:t>
-            </a:fld>
-            <a:endParaRPr lang="en-US"/>
-          </a:p>
-        </p:txBody>
-      </p:sp>
-    </p:spTree>
-  </p:cSld>
-  <p:clrMapOvr>
-    <a:masterClrMapping/>
-  </p:clrMapOvr>
-</p:notes>
-</file>
-
-<file path=ppt/notesSlides/notesSlide26.xml><?xml version="1.0" encoding="utf-8"?>
-<p:notes xmlns:a="http://schemas.openxmlformats.org/drawingml/2006/main" xmlns:r="http://schemas.openxmlformats.org/officeDocument/2006/relationships" xmlns:p="http://schemas.openxmlformats.org/presentationml/2006/main">
-  <p:cSld>
-    <p:spTree>
-      <p:nvGrpSpPr>
-        <p:cNvPr id="1" name=""/>
-        <p:cNvGrpSpPr/>
-        <p:nvPr/>
-      </p:nvGrpSpPr>
-      <p:grpSpPr>
-        <a:xfrm>
-          <a:off x="0" y="0"/>
-          <a:ext cx="0" cy="0"/>
-          <a:chOff x="0" y="0"/>
-          <a:chExt cx="0" cy="0"/>
-        </a:xfrm>
-      </p:grpSpPr>
-      <p:sp>
-        <p:nvSpPr>
-          <p:cNvPr id="2" name="Slide Image Placeholder 1"/>
-          <p:cNvSpPr>
-            <a:spLocks noGrp="1" noRot="1" noChangeAspect="1"/>
-          </p:cNvSpPr>
-          <p:nvPr>
-            <p:ph type="sldImg"/>
-          </p:nvPr>
-        </p:nvSpPr>
-        <p:spPr>
-          <a:xfrm>
-            <a:off x="1716088" y="692150"/>
-            <a:ext cx="3597275" cy="2698750"/>
-          </a:xfrm>
-        </p:spPr>
-      </p:sp>
-      <p:sp>
-        <p:nvSpPr>
-          <p:cNvPr id="3" name="Notes Placeholder 2"/>
-          <p:cNvSpPr>
-            <a:spLocks noGrp="1"/>
-          </p:cNvSpPr>
-          <p:nvPr>
-            <p:ph type="body" idx="1"/>
-          </p:nvPr>
-        </p:nvSpPr>
-        <p:spPr/>
-        <p:txBody>
-          <a:bodyPr>
-            <a:normAutofit/>
-          </a:bodyPr>
-          <a:lstStyle/>
-          <a:p>
-            <a:endParaRPr lang="en-US" baseline="0" dirty="0" smtClean="0"/>
-          </a:p>
-          <a:p>
-            <a:endParaRPr lang="en-CA" sz="2400" dirty="0" smtClean="0"/>
-          </a:p>
-          <a:p>
-            <a:endParaRPr lang="en-US" b="1" dirty="0">
-              <a:solidFill>
-                <a:srgbClr val="FF0000"/>
-              </a:solidFill>
-            </a:endParaRPr>
-          </a:p>
-        </p:txBody>
-      </p:sp>
-      <p:sp>
-        <p:nvSpPr>
-          <p:cNvPr id="4" name="Slide Number Placeholder 3"/>
-          <p:cNvSpPr>
-            <a:spLocks noGrp="1"/>
-          </p:cNvSpPr>
-          <p:nvPr>
-            <p:ph type="sldNum" sz="quarter" idx="10"/>
-          </p:nvPr>
-        </p:nvSpPr>
-        <p:spPr/>
-        <p:txBody>
-          <a:bodyPr/>
-          <a:lstStyle/>
-          <a:p>
-            <a:pPr>
-              <a:defRPr/>
-            </a:pPr>
-            <a:fld id="{0618F2DF-3AF0-41F5-B1B6-3D61669718B9}" type="slidenum">
-              <a:rPr lang="en-US" smtClean="0"/>
-              <a:pPr>
-                <a:defRPr/>
-              </a:pPr>
-              <a:t>26</a:t>
-            </a:fld>
-            <a:endParaRPr lang="en-US"/>
-          </a:p>
-        </p:txBody>
-      </p:sp>
-    </p:spTree>
-  </p:cSld>
-  <p:clrMapOvr>
-    <a:masterClrMapping/>
-  </p:clrMapOvr>
-</p:notes>
-</file>
-
-<file path=ppt/notesSlides/notesSlide27.xml><?xml version="1.0" encoding="utf-8"?>
-<p:notes xmlns:a="http://schemas.openxmlformats.org/drawingml/2006/main" xmlns:r="http://schemas.openxmlformats.org/officeDocument/2006/relationships" xmlns:p="http://schemas.openxmlformats.org/presentationml/2006/main">
-  <p:cSld>
-    <p:spTree>
-      <p:nvGrpSpPr>
-        <p:cNvPr id="1" name=""/>
-        <p:cNvGrpSpPr/>
-        <p:nvPr/>
-      </p:nvGrpSpPr>
-      <p:grpSpPr>
-        <a:xfrm>
-          <a:off x="0" y="0"/>
-          <a:ext cx="0" cy="0"/>
-          <a:chOff x="0" y="0"/>
-          <a:chExt cx="0" cy="0"/>
-        </a:xfrm>
-      </p:grpSpPr>
-      <p:sp>
-        <p:nvSpPr>
-          <p:cNvPr id="2" name="Slide Image Placeholder 1"/>
-          <p:cNvSpPr>
-            <a:spLocks noGrp="1" noRot="1" noChangeAspect="1"/>
-          </p:cNvSpPr>
-          <p:nvPr>
-            <p:ph type="sldImg"/>
-          </p:nvPr>
-        </p:nvSpPr>
-        <p:spPr>
-          <a:xfrm>
-            <a:off x="1716088" y="692150"/>
-            <a:ext cx="3597275" cy="2698750"/>
-          </a:xfrm>
-        </p:spPr>
-      </p:sp>
-      <p:sp>
-        <p:nvSpPr>
-          <p:cNvPr id="3" name="Notes Placeholder 2"/>
-          <p:cNvSpPr>
-            <a:spLocks noGrp="1"/>
-          </p:cNvSpPr>
-          <p:nvPr>
-            <p:ph type="body" idx="1"/>
-          </p:nvPr>
-        </p:nvSpPr>
-        <p:spPr/>
-        <p:txBody>
-          <a:bodyPr>
-            <a:normAutofit/>
-          </a:bodyPr>
-          <a:lstStyle/>
-          <a:p>
-            <a:endParaRPr lang="en-CA" dirty="0" smtClean="0"/>
-          </a:p>
-          <a:p>
-            <a:endParaRPr lang="en-US" dirty="0"/>
-          </a:p>
-        </p:txBody>
-      </p:sp>
-      <p:sp>
-        <p:nvSpPr>
-          <p:cNvPr id="4" name="Slide Number Placeholder 3"/>
-          <p:cNvSpPr>
-            <a:spLocks noGrp="1"/>
-          </p:cNvSpPr>
-          <p:nvPr>
-            <p:ph type="sldNum" sz="quarter" idx="10"/>
-          </p:nvPr>
-        </p:nvSpPr>
-        <p:spPr/>
-        <p:txBody>
-          <a:bodyPr/>
-          <a:lstStyle/>
-          <a:p>
-            <a:pPr>
-              <a:defRPr/>
-            </a:pPr>
-            <a:fld id="{0618F2DF-3AF0-41F5-B1B6-3D61669718B9}" type="slidenum">
-              <a:rPr lang="en-US" smtClean="0"/>
-              <a:pPr>
-                <a:defRPr/>
-              </a:pPr>
-              <a:t>27</a:t>
-            </a:fld>
-            <a:endParaRPr lang="en-US"/>
-          </a:p>
-        </p:txBody>
-      </p:sp>
-    </p:spTree>
-  </p:cSld>
-  <p:clrMapOvr>
-    <a:masterClrMapping/>
-  </p:clrMapOvr>
-</p:notes>
-</file>
-
-<file path=ppt/notesSlides/notesSlide28.xml><?xml version="1.0" encoding="utf-8"?>
-<p:notes xmlns:a="http://schemas.openxmlformats.org/drawingml/2006/main" xmlns:r="http://schemas.openxmlformats.org/officeDocument/2006/relationships" xmlns:p="http://schemas.openxmlformats.org/presentationml/2006/main">
-  <p:cSld>
-    <p:spTree>
-      <p:nvGrpSpPr>
-        <p:cNvPr id="1" name=""/>
-        <p:cNvGrpSpPr/>
-        <p:nvPr/>
-      </p:nvGrpSpPr>
-      <p:grpSpPr>
-        <a:xfrm>
-          <a:off x="0" y="0"/>
-          <a:ext cx="0" cy="0"/>
-          <a:chOff x="0" y="0"/>
-          <a:chExt cx="0" cy="0"/>
-        </a:xfrm>
-      </p:grpSpPr>
-      <p:sp>
-        <p:nvSpPr>
-          <p:cNvPr id="2" name="Slide Image Placeholder 1"/>
-          <p:cNvSpPr>
-            <a:spLocks noGrp="1" noRot="1" noChangeAspect="1"/>
-          </p:cNvSpPr>
-          <p:nvPr>
-            <p:ph type="sldImg"/>
-          </p:nvPr>
-        </p:nvSpPr>
-        <p:spPr>
-          <a:xfrm>
-            <a:off x="1716088" y="692150"/>
-            <a:ext cx="3597275" cy="2698750"/>
-          </a:xfrm>
-        </p:spPr>
-      </p:sp>
-      <p:sp>
-        <p:nvSpPr>
-          <p:cNvPr id="3" name="Notes Placeholder 2"/>
-          <p:cNvSpPr>
-            <a:spLocks noGrp="1"/>
-          </p:cNvSpPr>
-          <p:nvPr>
-            <p:ph type="body" idx="1"/>
-          </p:nvPr>
-        </p:nvSpPr>
-        <p:spPr/>
-        <p:txBody>
-          <a:bodyPr>
-            <a:normAutofit/>
-          </a:bodyPr>
-          <a:lstStyle/>
-          <a:p>
-            <a:endParaRPr lang="en-US" dirty="0"/>
-          </a:p>
-        </p:txBody>
-      </p:sp>
-      <p:sp>
-        <p:nvSpPr>
-          <p:cNvPr id="4" name="Slide Number Placeholder 3"/>
-          <p:cNvSpPr>
-            <a:spLocks noGrp="1"/>
-          </p:cNvSpPr>
-          <p:nvPr>
-            <p:ph type="sldNum" sz="quarter" idx="10"/>
-          </p:nvPr>
-        </p:nvSpPr>
-        <p:spPr/>
-        <p:txBody>
-          <a:bodyPr/>
-          <a:lstStyle/>
-          <a:p>
-            <a:pPr>
-              <a:defRPr/>
-            </a:pPr>
-            <a:fld id="{0618F2DF-3AF0-41F5-B1B6-3D61669718B9}" type="slidenum">
-              <a:rPr lang="en-US" smtClean="0"/>
-              <a:pPr>
-                <a:defRPr/>
-              </a:pPr>
-              <a:t>28</a:t>
-            </a:fld>
-            <a:endParaRPr lang="en-US"/>
-          </a:p>
-        </p:txBody>
-      </p:sp>
-    </p:spTree>
-  </p:cSld>
-  <p:clrMapOvr>
-    <a:masterClrMapping/>
-  </p:clrMapOvr>
-</p:notes>
-</file>
-
-<file path=ppt/notesSlides/notesSlide29.xml><?xml version="1.0" encoding="utf-8"?>
-<p:notes xmlns:a="http://schemas.openxmlformats.org/drawingml/2006/main" xmlns:r="http://schemas.openxmlformats.org/officeDocument/2006/relationships" xmlns:p="http://schemas.openxmlformats.org/presentationml/2006/main">
-  <p:cSld>
-    <p:spTree>
-      <p:nvGrpSpPr>
-        <p:cNvPr id="1" name=""/>
-        <p:cNvGrpSpPr/>
-        <p:nvPr/>
-      </p:nvGrpSpPr>
-      <p:grpSpPr>
-        <a:xfrm>
-          <a:off x="0" y="0"/>
-          <a:ext cx="0" cy="0"/>
-          <a:chOff x="0" y="0"/>
-          <a:chExt cx="0" cy="0"/>
-        </a:xfrm>
-      </p:grpSpPr>
-      <p:sp>
-        <p:nvSpPr>
-          <p:cNvPr id="41986" name="Slide Image Placeholder 1"/>
-          <p:cNvSpPr>
-            <a:spLocks noGrp="1" noRot="1" noChangeAspect="1" noTextEdit="1"/>
-          </p:cNvSpPr>
-          <p:nvPr>
-            <p:ph type="sldImg"/>
-          </p:nvPr>
-        </p:nvSpPr>
-        <p:spPr>
-          <a:xfrm>
-            <a:off x="1716088" y="692150"/>
-            <a:ext cx="3597275" cy="2698750"/>
-          </a:xfrm>
-          <a:ln/>
-        </p:spPr>
-      </p:sp>
-      <p:sp>
-        <p:nvSpPr>
-          <p:cNvPr id="41987" name="Notes Placeholder 2"/>
-          <p:cNvSpPr>
-            <a:spLocks noGrp="1"/>
-          </p:cNvSpPr>
-          <p:nvPr>
-            <p:ph type="body" idx="1"/>
-          </p:nvPr>
-        </p:nvSpPr>
-        <p:spPr>
-          <a:noFill/>
-          <a:ln/>
-        </p:spPr>
-        <p:txBody>
-          <a:bodyPr/>
-          <a:lstStyle/>
-          <a:p>
-            <a:endParaRPr lang="en-US" b="1" dirty="0" smtClean="0">
-              <a:latin typeface="Arial" charset="0"/>
-            </a:endParaRPr>
-          </a:p>
-        </p:txBody>
-      </p:sp>
-      <p:sp>
-        <p:nvSpPr>
-          <p:cNvPr id="41988" name="Slide Number Placeholder 3"/>
-          <p:cNvSpPr>
-            <a:spLocks noGrp="1"/>
-          </p:cNvSpPr>
-          <p:nvPr>
-            <p:ph type="sldNum" sz="quarter" idx="5"/>
-          </p:nvPr>
-        </p:nvSpPr>
-        <p:spPr>
-          <a:noFill/>
-        </p:spPr>
-        <p:txBody>
-          <a:bodyPr/>
-          <a:lstStyle/>
-          <a:p>
-            <a:fld id="{1D8AA395-896B-453C-84F6-C0577DE28346}" type="slidenum">
-              <a:rPr lang="en-US" smtClean="0">
-                <a:latin typeface="Arial" charset="0"/>
-              </a:rPr>
-              <a:pPr/>
-              <a:t>29</a:t>
-            </a:fld>
-            <a:endParaRPr lang="en-US" smtClean="0">
-              <a:latin typeface="Arial" charset="0"/>
-            </a:endParaRPr>
-          </a:p>
-        </p:txBody>
-      </p:sp>
-    </p:spTree>
-  </p:cSld>
-  <p:clrMapOvr>
-    <a:masterClrMapping/>
-  </p:clrMapOvr>
-</p:notes>
-</file>
-
-<file path=ppt/notesSlides/notesSlide3.xml><?xml version="1.0" encoding="utf-8"?>
-<p:notes xmlns:a="http://schemas.openxmlformats.org/drawingml/2006/main" xmlns:r="http://schemas.openxmlformats.org/officeDocument/2006/relationships" xmlns:p="http://schemas.openxmlformats.org/presentationml/2006/main">
-  <p:cSld>
-    <p:spTree>
-      <p:nvGrpSpPr>
-        <p:cNvPr id="1" name=""/>
-        <p:cNvGrpSpPr/>
-        <p:nvPr/>
-      </p:nvGrpSpPr>
-      <p:grpSpPr>
-        <a:xfrm>
-          <a:off x="0" y="0"/>
-          <a:ext cx="0" cy="0"/>
-          <a:chOff x="0" y="0"/>
-          <a:chExt cx="0" cy="0"/>
-        </a:xfrm>
-      </p:grpSpPr>
-      <p:sp>
-        <p:nvSpPr>
-          <p:cNvPr id="2" name="Slide Image Placeholder 1"/>
-          <p:cNvSpPr>
-            <a:spLocks noGrp="1" noRot="1" noChangeAspect="1"/>
-          </p:cNvSpPr>
-          <p:nvPr>
-            <p:ph type="sldImg"/>
-          </p:nvPr>
-        </p:nvSpPr>
-        <p:spPr>
-          <a:xfrm>
-            <a:off x="1716088" y="692150"/>
-            <a:ext cx="3597275" cy="2698750"/>
-          </a:xfrm>
-        </p:spPr>
-      </p:sp>
-      <p:sp>
-        <p:nvSpPr>
-          <p:cNvPr id="3" name="Notes Placeholder 2"/>
-          <p:cNvSpPr>
-            <a:spLocks noGrp="1"/>
-          </p:cNvSpPr>
-          <p:nvPr>
-            <p:ph type="body" idx="1"/>
-          </p:nvPr>
-        </p:nvSpPr>
-        <p:spPr/>
-        <p:txBody>
-          <a:bodyPr>
-            <a:normAutofit/>
-          </a:bodyPr>
-          <a:lstStyle/>
-          <a:p>
-            <a:endParaRPr lang="en-US" baseline="0" dirty="0" smtClean="0"/>
-          </a:p>
-        </p:txBody>
-      </p:sp>
-      <p:sp>
-        <p:nvSpPr>
-          <p:cNvPr id="4" name="Slide Number Placeholder 3"/>
-          <p:cNvSpPr>
-            <a:spLocks noGrp="1"/>
-          </p:cNvSpPr>
-          <p:nvPr>
-            <p:ph type="sldNum" sz="quarter" idx="10"/>
-          </p:nvPr>
-        </p:nvSpPr>
-        <p:spPr/>
-        <p:txBody>
-          <a:bodyPr/>
-          <a:lstStyle/>
-          <a:p>
-            <a:pPr>
-              <a:defRPr/>
-            </a:pPr>
-            <a:fld id="{91EF49F5-CA31-4C2F-BE2F-DF909B55C6E0}" type="slidenum">
-              <a:rPr lang="en-US" smtClean="0"/>
-              <a:pPr>
-                <a:defRPr/>
-              </a:pPr>
-              <a:t>3</a:t>
-            </a:fld>
-            <a:endParaRPr lang="en-US"/>
-          </a:p>
-        </p:txBody>
-      </p:sp>
-    </p:spTree>
-  </p:cSld>
-  <p:clrMapOvr>
-    <a:masterClrMapping/>
-  </p:clrMapOvr>
-</p:notes>
-</file>
-
-<file path=ppt/notesSlides/notesSlide30.xml><?xml version="1.0" encoding="utf-8"?>
-<p:notes xmlns:a="http://schemas.openxmlformats.org/drawingml/2006/main" xmlns:r="http://schemas.openxmlformats.org/officeDocument/2006/relationships" xmlns:p="http://schemas.openxmlformats.org/presentationml/2006/main">
-  <p:cSld>
-    <p:spTree>
-      <p:nvGrpSpPr>
-        <p:cNvPr id="1" name=""/>
-        <p:cNvGrpSpPr/>
-        <p:nvPr/>
-      </p:nvGrpSpPr>
-      <p:grpSpPr>
-        <a:xfrm>
-          <a:off x="0" y="0"/>
-          <a:ext cx="0" cy="0"/>
-          <a:chOff x="0" y="0"/>
-          <a:chExt cx="0" cy="0"/>
-        </a:xfrm>
-      </p:grpSpPr>
-      <p:sp>
-        <p:nvSpPr>
-          <p:cNvPr id="2" name="Slide Image Placeholder 1"/>
-          <p:cNvSpPr>
-            <a:spLocks noGrp="1" noRot="1" noChangeAspect="1"/>
-          </p:cNvSpPr>
-          <p:nvPr>
-            <p:ph type="sldImg"/>
-          </p:nvPr>
-        </p:nvSpPr>
-        <p:spPr>
-          <a:xfrm>
-            <a:off x="1716088" y="692150"/>
-            <a:ext cx="3597275" cy="2698750"/>
-          </a:xfrm>
-        </p:spPr>
-      </p:sp>
-      <p:sp>
-        <p:nvSpPr>
-          <p:cNvPr id="3" name="Notes Placeholder 2"/>
-          <p:cNvSpPr>
-            <a:spLocks noGrp="1"/>
-          </p:cNvSpPr>
-          <p:nvPr>
-            <p:ph type="body" idx="1"/>
-          </p:nvPr>
-        </p:nvSpPr>
-        <p:spPr/>
-        <p:txBody>
-          <a:bodyPr>
-            <a:normAutofit/>
-          </a:bodyPr>
-          <a:lstStyle/>
-          <a:p>
-            <a:endParaRPr lang="en-US" baseline="0" dirty="0" smtClean="0"/>
-          </a:p>
-        </p:txBody>
-      </p:sp>
-      <p:sp>
-        <p:nvSpPr>
-          <p:cNvPr id="4" name="Slide Number Placeholder 3"/>
-          <p:cNvSpPr>
-            <a:spLocks noGrp="1"/>
-          </p:cNvSpPr>
-          <p:nvPr>
-            <p:ph type="sldNum" sz="quarter" idx="10"/>
-          </p:nvPr>
-        </p:nvSpPr>
-        <p:spPr/>
-        <p:txBody>
-          <a:bodyPr/>
-          <a:lstStyle/>
-          <a:p>
-            <a:pPr>
-              <a:defRPr/>
-            </a:pPr>
-            <a:fld id="{0618F2DF-3AF0-41F5-B1B6-3D61669718B9}" type="slidenum">
-              <a:rPr lang="en-US" smtClean="0"/>
-              <a:pPr>
-                <a:defRPr/>
-              </a:pPr>
-              <a:t>30</a:t>
-            </a:fld>
-            <a:endParaRPr lang="en-US"/>
-          </a:p>
-        </p:txBody>
-      </p:sp>
-    </p:spTree>
-  </p:cSld>
-  <p:clrMapOvr>
-    <a:masterClrMapping/>
-  </p:clrMapOvr>
-</p:notes>
-</file>
-
-<file path=ppt/notesSlides/notesSlide31.xml><?xml version="1.0" encoding="utf-8"?>
-<p:notes xmlns:a="http://schemas.openxmlformats.org/drawingml/2006/main" xmlns:r="http://schemas.openxmlformats.org/officeDocument/2006/relationships" xmlns:p="http://schemas.openxmlformats.org/presentationml/2006/main">
-  <p:cSld>
-    <p:spTree>
-      <p:nvGrpSpPr>
-        <p:cNvPr id="1" name=""/>
-        <p:cNvGrpSpPr/>
-        <p:nvPr/>
-      </p:nvGrpSpPr>
-      <p:grpSpPr>
-        <a:xfrm>
-          <a:off x="0" y="0"/>
-          <a:ext cx="0" cy="0"/>
-          <a:chOff x="0" y="0"/>
-          <a:chExt cx="0" cy="0"/>
-        </a:xfrm>
-      </p:grpSpPr>
-      <p:sp>
-        <p:nvSpPr>
-          <p:cNvPr id="2" name="Slide Image Placeholder 1"/>
-          <p:cNvSpPr>
-            <a:spLocks noGrp="1" noRot="1" noChangeAspect="1"/>
-          </p:cNvSpPr>
-          <p:nvPr>
-            <p:ph type="sldImg"/>
-          </p:nvPr>
-        </p:nvSpPr>
-        <p:spPr>
-          <a:xfrm>
-            <a:off x="1716088" y="692150"/>
-            <a:ext cx="3597275" cy="2698750"/>
-          </a:xfrm>
-        </p:spPr>
-      </p:sp>
-      <p:sp>
-        <p:nvSpPr>
-          <p:cNvPr id="3" name="Notes Placeholder 2"/>
-          <p:cNvSpPr>
-            <a:spLocks noGrp="1"/>
-          </p:cNvSpPr>
-          <p:nvPr>
-            <p:ph type="body" idx="1"/>
-          </p:nvPr>
-        </p:nvSpPr>
-        <p:spPr/>
-        <p:txBody>
-          <a:bodyPr>
-            <a:normAutofit/>
-          </a:bodyPr>
-          <a:lstStyle/>
-          <a:p>
-            <a:endParaRPr lang="en-US" dirty="0"/>
-          </a:p>
-        </p:txBody>
-      </p:sp>
-      <p:sp>
-        <p:nvSpPr>
-          <p:cNvPr id="4" name="Slide Number Placeholder 3"/>
-          <p:cNvSpPr>
-            <a:spLocks noGrp="1"/>
-          </p:cNvSpPr>
-          <p:nvPr>
-            <p:ph type="sldNum" sz="quarter" idx="10"/>
-          </p:nvPr>
-        </p:nvSpPr>
-        <p:spPr/>
-        <p:txBody>
-          <a:bodyPr/>
-          <a:lstStyle/>
-          <a:p>
-            <a:pPr>
-              <a:defRPr/>
-            </a:pPr>
-            <a:fld id="{0618F2DF-3AF0-41F5-B1B6-3D61669718B9}" type="slidenum">
-              <a:rPr lang="en-US" smtClean="0"/>
-              <a:pPr>
-                <a:defRPr/>
-              </a:pPr>
-              <a:t>31</a:t>
-            </a:fld>
-            <a:endParaRPr lang="en-US"/>
-          </a:p>
-        </p:txBody>
-      </p:sp>
-    </p:spTree>
-  </p:cSld>
-  <p:clrMapOvr>
-    <a:masterClrMapping/>
-  </p:clrMapOvr>
-</p:notes>
-</file>
-
-<file path=ppt/notesSlides/notesSlide32.xml><?xml version="1.0" encoding="utf-8"?>
-<p:notes xmlns:a="http://schemas.openxmlformats.org/drawingml/2006/main" xmlns:r="http://schemas.openxmlformats.org/officeDocument/2006/relationships" xmlns:p="http://schemas.openxmlformats.org/presentationml/2006/main">
-  <p:cSld>
-    <p:spTree>
-      <p:nvGrpSpPr>
-        <p:cNvPr id="1" name=""/>
-        <p:cNvGrpSpPr/>
-        <p:nvPr/>
-      </p:nvGrpSpPr>
-      <p:grpSpPr>
-        <a:xfrm>
-          <a:off x="0" y="0"/>
-          <a:ext cx="0" cy="0"/>
-          <a:chOff x="0" y="0"/>
-          <a:chExt cx="0" cy="0"/>
-        </a:xfrm>
-      </p:grpSpPr>
-      <p:sp>
-        <p:nvSpPr>
-          <p:cNvPr id="2" name="Slide Image Placeholder 1"/>
-          <p:cNvSpPr>
-            <a:spLocks noGrp="1" noRot="1" noChangeAspect="1"/>
-          </p:cNvSpPr>
-          <p:nvPr>
-            <p:ph type="sldImg"/>
-          </p:nvPr>
-        </p:nvSpPr>
-        <p:spPr>
-          <a:xfrm>
-            <a:off x="1716088" y="692150"/>
-            <a:ext cx="3597275" cy="2698750"/>
-          </a:xfrm>
-        </p:spPr>
-      </p:sp>
-      <p:sp>
-        <p:nvSpPr>
-          <p:cNvPr id="3" name="Notes Placeholder 2"/>
-          <p:cNvSpPr>
-            <a:spLocks noGrp="1"/>
-          </p:cNvSpPr>
-          <p:nvPr>
-            <p:ph type="body" idx="1"/>
-          </p:nvPr>
-        </p:nvSpPr>
-        <p:spPr/>
-        <p:txBody>
-          <a:bodyPr>
-            <a:normAutofit/>
-          </a:bodyPr>
-          <a:lstStyle/>
-          <a:p>
-            <a:endParaRPr lang="en-US" dirty="0"/>
-          </a:p>
-        </p:txBody>
-      </p:sp>
-      <p:sp>
-        <p:nvSpPr>
-          <p:cNvPr id="4" name="Slide Number Placeholder 3"/>
-          <p:cNvSpPr>
-            <a:spLocks noGrp="1"/>
-          </p:cNvSpPr>
-          <p:nvPr>
-            <p:ph type="sldNum" sz="quarter" idx="10"/>
-          </p:nvPr>
-        </p:nvSpPr>
-        <p:spPr/>
-        <p:txBody>
-          <a:bodyPr/>
-          <a:lstStyle/>
-          <a:p>
-            <a:fld id="{0C38AF66-B8DE-4C00-B587-5365520A97B1}" type="slidenum">
-              <a:rPr lang="en-US" smtClean="0"/>
-              <a:pPr/>
-              <a:t>32</a:t>
-            </a:fld>
-            <a:endParaRPr lang="en-US"/>
-          </a:p>
-        </p:txBody>
-      </p:sp>
-    </p:spTree>
-  </p:cSld>
-  <p:clrMapOvr>
-    <a:masterClrMapping/>
-  </p:clrMapOvr>
-</p:notes>
-</file>
-
-<file path=ppt/notesSlides/notesSlide33.xml><?xml version="1.0" encoding="utf-8"?>
-<p:notes xmlns:a="http://schemas.openxmlformats.org/drawingml/2006/main" xmlns:r="http://schemas.openxmlformats.org/officeDocument/2006/relationships" xmlns:p="http://schemas.openxmlformats.org/presentationml/2006/main">
-  <p:cSld>
-    <p:spTree>
-      <p:nvGrpSpPr>
-        <p:cNvPr id="1" name=""/>
-        <p:cNvGrpSpPr/>
-        <p:nvPr/>
-      </p:nvGrpSpPr>
-      <p:grpSpPr>
-        <a:xfrm>
-          <a:off x="0" y="0"/>
-          <a:ext cx="0" cy="0"/>
-          <a:chOff x="0" y="0"/>
-          <a:chExt cx="0" cy="0"/>
-        </a:xfrm>
-      </p:grpSpPr>
-      <p:sp>
-        <p:nvSpPr>
-          <p:cNvPr id="2" name="Slide Image Placeholder 1"/>
-          <p:cNvSpPr>
-            <a:spLocks noGrp="1" noRot="1" noChangeAspect="1"/>
-          </p:cNvSpPr>
-          <p:nvPr>
-            <p:ph type="sldImg"/>
-          </p:nvPr>
-        </p:nvSpPr>
-        <p:spPr>
-          <a:xfrm>
-            <a:off x="1716088" y="692150"/>
-            <a:ext cx="3597275" cy="2698750"/>
-          </a:xfrm>
-        </p:spPr>
-      </p:sp>
-      <p:sp>
-        <p:nvSpPr>
-          <p:cNvPr id="3" name="Notes Placeholder 2"/>
-          <p:cNvSpPr>
-            <a:spLocks noGrp="1"/>
-          </p:cNvSpPr>
-          <p:nvPr>
-            <p:ph type="body" idx="1"/>
-          </p:nvPr>
-        </p:nvSpPr>
-        <p:spPr/>
-        <p:txBody>
-          <a:bodyPr>
-            <a:normAutofit/>
-          </a:bodyPr>
-          <a:lstStyle/>
-          <a:p>
-            <a:pPr marL="0" marR="0" indent="0" algn="l" defTabSz="914400" rtl="0" eaLnBrk="0" fontAlgn="base" latinLnBrk="0" hangingPunct="0">
-              <a:lnSpc>
-                <a:spcPct val="100000"/>
-              </a:lnSpc>
-              <a:spcBef>
-                <a:spcPct val="30000"/>
-              </a:spcBef>
-              <a:spcAft>
-                <a:spcPct val="0"/>
-              </a:spcAft>
-              <a:buClrTx/>
-              <a:buSzTx/>
-              <a:buFontTx/>
-              <a:buNone/>
-              <a:tabLst/>
-              <a:defRPr/>
-            </a:pPr>
-            <a:endParaRPr lang="en-US" baseline="0" dirty="0" smtClean="0"/>
-          </a:p>
-          <a:p>
-            <a:pPr marL="0" marR="0" indent="0" algn="l" defTabSz="914400" rtl="0" eaLnBrk="0" fontAlgn="base" latinLnBrk="0" hangingPunct="0">
-              <a:lnSpc>
-                <a:spcPct val="100000"/>
-              </a:lnSpc>
-              <a:spcBef>
-                <a:spcPct val="30000"/>
-              </a:spcBef>
-              <a:spcAft>
-                <a:spcPct val="0"/>
-              </a:spcAft>
-              <a:buClrTx/>
-              <a:buSzTx/>
-              <a:buFontTx/>
-              <a:buNone/>
-              <a:tabLst/>
-              <a:defRPr/>
-            </a:pPr>
-            <a:endParaRPr lang="en-US" baseline="0" dirty="0" smtClean="0"/>
-          </a:p>
-          <a:p>
-            <a:endParaRPr lang="en-US" dirty="0"/>
-          </a:p>
-        </p:txBody>
-      </p:sp>
-      <p:sp>
-        <p:nvSpPr>
-          <p:cNvPr id="4" name="Slide Number Placeholder 3"/>
-          <p:cNvSpPr>
-            <a:spLocks noGrp="1"/>
-          </p:cNvSpPr>
-          <p:nvPr>
-            <p:ph type="sldNum" sz="quarter" idx="10"/>
-          </p:nvPr>
-        </p:nvSpPr>
-        <p:spPr/>
-        <p:txBody>
-          <a:bodyPr/>
-          <a:lstStyle/>
-          <a:p>
-            <a:pPr>
-              <a:defRPr/>
-            </a:pPr>
-            <a:fld id="{0618F2DF-3AF0-41F5-B1B6-3D61669718B9}" type="slidenum">
-              <a:rPr lang="en-US" smtClean="0"/>
-              <a:pPr>
-                <a:defRPr/>
-              </a:pPr>
-              <a:t>33</a:t>
-            </a:fld>
-            <a:endParaRPr lang="en-US"/>
-          </a:p>
-        </p:txBody>
-      </p:sp>
-    </p:spTree>
-  </p:cSld>
-  <p:clrMapOvr>
-    <a:masterClrMapping/>
-  </p:clrMapOvr>
-</p:notes>
-</file>
-
-<file path=ppt/notesSlides/notesSlide34.xml><?xml version="1.0" encoding="utf-8"?>
-<p:notes xmlns:a="http://schemas.openxmlformats.org/drawingml/2006/main" xmlns:r="http://schemas.openxmlformats.org/officeDocument/2006/relationships" xmlns:p="http://schemas.openxmlformats.org/presentationml/2006/main">
-  <p:cSld>
-    <p:spTree>
-      <p:nvGrpSpPr>
-        <p:cNvPr id="1" name=""/>
-        <p:cNvGrpSpPr/>
-        <p:nvPr/>
-      </p:nvGrpSpPr>
-      <p:grpSpPr>
-        <a:xfrm>
-          <a:off x="0" y="0"/>
-          <a:ext cx="0" cy="0"/>
-          <a:chOff x="0" y="0"/>
-          <a:chExt cx="0" cy="0"/>
-        </a:xfrm>
-      </p:grpSpPr>
-      <p:sp>
-        <p:nvSpPr>
-          <p:cNvPr id="2" name="Slide Image Placeholder 1"/>
-          <p:cNvSpPr>
-            <a:spLocks noGrp="1" noRot="1" noChangeAspect="1"/>
-          </p:cNvSpPr>
-          <p:nvPr>
-            <p:ph type="sldImg"/>
-          </p:nvPr>
-        </p:nvSpPr>
-        <p:spPr>
-          <a:xfrm>
-            <a:off x="1716088" y="692150"/>
-            <a:ext cx="3597275" cy="2698750"/>
-          </a:xfrm>
-        </p:spPr>
-      </p:sp>
-      <p:sp>
-        <p:nvSpPr>
-          <p:cNvPr id="3" name="Notes Placeholder 2"/>
-          <p:cNvSpPr>
-            <a:spLocks noGrp="1"/>
-          </p:cNvSpPr>
-          <p:nvPr>
-            <p:ph type="body" idx="1"/>
-          </p:nvPr>
-        </p:nvSpPr>
-        <p:spPr/>
-        <p:txBody>
-          <a:bodyPr>
-            <a:normAutofit/>
-          </a:bodyPr>
-          <a:lstStyle/>
-          <a:p>
-            <a:pPr marL="228600" indent="-228600">
-              <a:buNone/>
-            </a:pPr>
-            <a:endParaRPr lang="en-US" dirty="0"/>
-          </a:p>
-        </p:txBody>
-      </p:sp>
-      <p:sp>
-        <p:nvSpPr>
-          <p:cNvPr id="4" name="Slide Number Placeholder 3"/>
-          <p:cNvSpPr>
-            <a:spLocks noGrp="1"/>
-          </p:cNvSpPr>
-          <p:nvPr>
-            <p:ph type="sldNum" sz="quarter" idx="10"/>
-          </p:nvPr>
-        </p:nvSpPr>
-        <p:spPr/>
-        <p:txBody>
-          <a:bodyPr/>
-          <a:lstStyle/>
-          <a:p>
-            <a:pPr>
-              <a:defRPr/>
-            </a:pPr>
-            <a:fld id="{0618F2DF-3AF0-41F5-B1B6-3D61669718B9}" type="slidenum">
-              <a:rPr lang="en-US" smtClean="0"/>
-              <a:pPr>
-                <a:defRPr/>
-              </a:pPr>
-              <a:t>34</a:t>
-            </a:fld>
-            <a:endParaRPr lang="en-US"/>
-          </a:p>
-        </p:txBody>
-      </p:sp>
-    </p:spTree>
-  </p:cSld>
-  <p:clrMapOvr>
-    <a:masterClrMapping/>
-  </p:clrMapOvr>
-</p:notes>
-</file>
-
-<file path=ppt/notesSlides/notesSlide35.xml><?xml version="1.0" encoding="utf-8"?>
-<p:notes xmlns:a="http://schemas.openxmlformats.org/drawingml/2006/main" xmlns:r="http://schemas.openxmlformats.org/officeDocument/2006/relationships" xmlns:p="http://schemas.openxmlformats.org/presentationml/2006/main">
-  <p:cSld>
-    <p:spTree>
-      <p:nvGrpSpPr>
-        <p:cNvPr id="1" name=""/>
-        <p:cNvGrpSpPr/>
-        <p:nvPr/>
-      </p:nvGrpSpPr>
-      <p:grpSpPr>
-        <a:xfrm>
-          <a:off x="0" y="0"/>
-          <a:ext cx="0" cy="0"/>
-          <a:chOff x="0" y="0"/>
-          <a:chExt cx="0" cy="0"/>
-        </a:xfrm>
-      </p:grpSpPr>
-      <p:sp>
-        <p:nvSpPr>
-          <p:cNvPr id="2" name="Slide Image Placeholder 1"/>
-          <p:cNvSpPr>
-            <a:spLocks noGrp="1" noRot="1" noChangeAspect="1"/>
-          </p:cNvSpPr>
-          <p:nvPr>
-            <p:ph type="sldImg"/>
-          </p:nvPr>
-        </p:nvSpPr>
-        <p:spPr>
-          <a:xfrm>
-            <a:off x="1716088" y="692150"/>
-            <a:ext cx="3597275" cy="2698750"/>
-          </a:xfrm>
-        </p:spPr>
-      </p:sp>
-      <p:sp>
-        <p:nvSpPr>
-          <p:cNvPr id="3" name="Notes Placeholder 2"/>
-          <p:cNvSpPr>
-            <a:spLocks noGrp="1"/>
-          </p:cNvSpPr>
-          <p:nvPr>
-            <p:ph type="body" idx="1"/>
-          </p:nvPr>
-        </p:nvSpPr>
-        <p:spPr/>
-        <p:txBody>
-          <a:bodyPr>
-            <a:normAutofit/>
-          </a:bodyPr>
-          <a:lstStyle/>
-          <a:p>
-            <a:pPr marL="0" marR="0" indent="0" algn="l" defTabSz="914400" rtl="0" eaLnBrk="0" fontAlgn="base" latinLnBrk="0" hangingPunct="0">
-              <a:lnSpc>
-                <a:spcPct val="100000"/>
-              </a:lnSpc>
-              <a:spcBef>
-                <a:spcPct val="30000"/>
-              </a:spcBef>
-              <a:spcAft>
-                <a:spcPct val="0"/>
-              </a:spcAft>
-              <a:buClrTx/>
-              <a:buSzTx/>
-              <a:buFontTx/>
-              <a:buNone/>
-              <a:tabLst/>
-              <a:defRPr/>
-            </a:pPr>
-            <a:endParaRPr lang="en-US" dirty="0" smtClean="0"/>
-          </a:p>
-          <a:p>
-            <a:pPr marL="0" marR="0" indent="0" algn="l" defTabSz="914400" rtl="0" eaLnBrk="0" fontAlgn="base" latinLnBrk="0" hangingPunct="0">
-              <a:lnSpc>
-                <a:spcPct val="100000"/>
-              </a:lnSpc>
-              <a:spcBef>
-                <a:spcPct val="30000"/>
-              </a:spcBef>
-              <a:spcAft>
-                <a:spcPct val="0"/>
-              </a:spcAft>
-              <a:buClrTx/>
-              <a:buSzTx/>
-              <a:buFontTx/>
-              <a:buNone/>
-              <a:tabLst/>
-              <a:defRPr/>
-            </a:pPr>
-            <a:endParaRPr lang="en-US" dirty="0" smtClean="0"/>
-          </a:p>
-          <a:p>
-            <a:pPr marL="0" marR="0" indent="0" algn="l" defTabSz="914400" rtl="0" eaLnBrk="0" fontAlgn="base" latinLnBrk="0" hangingPunct="0">
-              <a:lnSpc>
-                <a:spcPct val="100000"/>
-              </a:lnSpc>
-              <a:spcBef>
-                <a:spcPct val="30000"/>
-              </a:spcBef>
-              <a:spcAft>
-                <a:spcPct val="0"/>
-              </a:spcAft>
-              <a:buClrTx/>
-              <a:buSzTx/>
-              <a:buFontTx/>
-              <a:buNone/>
-              <a:tabLst/>
-              <a:defRPr/>
-            </a:pPr>
-            <a:endParaRPr lang="en-US" dirty="0" smtClean="0"/>
-          </a:p>
-          <a:p>
-            <a:pPr marL="0" marR="0" indent="0" algn="l" defTabSz="914400" rtl="0" eaLnBrk="0" fontAlgn="base" latinLnBrk="0" hangingPunct="0">
-              <a:lnSpc>
-                <a:spcPct val="100000"/>
-              </a:lnSpc>
-              <a:spcBef>
-                <a:spcPct val="30000"/>
-              </a:spcBef>
-              <a:spcAft>
-                <a:spcPct val="0"/>
-              </a:spcAft>
-              <a:buClrTx/>
-              <a:buSzTx/>
-              <a:buFontTx/>
-              <a:buNone/>
-              <a:tabLst/>
-              <a:defRPr/>
-            </a:pPr>
-            <a:endParaRPr lang="en-US" dirty="0" smtClean="0"/>
-          </a:p>
-          <a:p>
-            <a:endParaRPr lang="en-US" dirty="0" smtClean="0"/>
-          </a:p>
-          <a:p>
-            <a:endParaRPr lang="en-US" dirty="0" smtClean="0"/>
-          </a:p>
-          <a:p>
-            <a:endParaRPr lang="en-US" dirty="0"/>
-          </a:p>
-        </p:txBody>
-      </p:sp>
-      <p:sp>
-        <p:nvSpPr>
-          <p:cNvPr id="4" name="Slide Number Placeholder 3"/>
-          <p:cNvSpPr>
-            <a:spLocks noGrp="1"/>
-          </p:cNvSpPr>
-          <p:nvPr>
-            <p:ph type="sldNum" sz="quarter" idx="10"/>
-          </p:nvPr>
-        </p:nvSpPr>
-        <p:spPr/>
-        <p:txBody>
-          <a:bodyPr/>
-          <a:lstStyle/>
-          <a:p>
-            <a:pPr>
-              <a:defRPr/>
-            </a:pPr>
-            <a:fld id="{0618F2DF-3AF0-41F5-B1B6-3D61669718B9}" type="slidenum">
-              <a:rPr lang="en-US" smtClean="0"/>
-              <a:pPr>
-                <a:defRPr/>
-              </a:pPr>
-              <a:t>35</a:t>
-            </a:fld>
-            <a:endParaRPr lang="en-US"/>
-          </a:p>
-        </p:txBody>
-      </p:sp>
-    </p:spTree>
-  </p:cSld>
-  <p:clrMapOvr>
-    <a:masterClrMapping/>
-  </p:clrMapOvr>
-</p:notes>
-</file>
-
-<file path=ppt/notesSlides/notesSlide36.xml><?xml version="1.0" encoding="utf-8"?>
-<p:notes xmlns:a="http://schemas.openxmlformats.org/drawingml/2006/main" xmlns:r="http://schemas.openxmlformats.org/officeDocument/2006/relationships" xmlns:p="http://schemas.openxmlformats.org/presentationml/2006/main">
-  <p:cSld>
-    <p:spTree>
-      <p:nvGrpSpPr>
-        <p:cNvPr id="1" name=""/>
-        <p:cNvGrpSpPr/>
-        <p:nvPr/>
-      </p:nvGrpSpPr>
-      <p:grpSpPr>
-        <a:xfrm>
-          <a:off x="0" y="0"/>
-          <a:ext cx="0" cy="0"/>
-          <a:chOff x="0" y="0"/>
-          <a:chExt cx="0" cy="0"/>
-        </a:xfrm>
-      </p:grpSpPr>
-      <p:sp>
-        <p:nvSpPr>
-          <p:cNvPr id="2" name="Slide Image Placeholder 1"/>
-          <p:cNvSpPr>
-            <a:spLocks noGrp="1" noRot="1" noChangeAspect="1"/>
-          </p:cNvSpPr>
-          <p:nvPr>
-            <p:ph type="sldImg"/>
-          </p:nvPr>
-        </p:nvSpPr>
-        <p:spPr>
-          <a:xfrm>
-            <a:off x="1716088" y="692150"/>
-            <a:ext cx="3597275" cy="2698750"/>
-          </a:xfrm>
-        </p:spPr>
-      </p:sp>
-      <p:sp>
-        <p:nvSpPr>
-          <p:cNvPr id="3" name="Notes Placeholder 2"/>
-          <p:cNvSpPr>
-            <a:spLocks noGrp="1"/>
-          </p:cNvSpPr>
-          <p:nvPr>
-            <p:ph type="body" idx="1"/>
-          </p:nvPr>
-        </p:nvSpPr>
-        <p:spPr/>
-        <p:txBody>
-          <a:bodyPr>
-            <a:normAutofit/>
-          </a:bodyPr>
-          <a:lstStyle/>
-          <a:p>
-            <a:endParaRPr lang="en-US" dirty="0" smtClean="0"/>
-          </a:p>
-          <a:p>
-            <a:endParaRPr lang="en-US" dirty="0"/>
-          </a:p>
-        </p:txBody>
-      </p:sp>
-      <p:sp>
-        <p:nvSpPr>
-          <p:cNvPr id="4" name="Slide Number Placeholder 3"/>
-          <p:cNvSpPr>
-            <a:spLocks noGrp="1"/>
-          </p:cNvSpPr>
-          <p:nvPr>
-            <p:ph type="sldNum" sz="quarter" idx="10"/>
-          </p:nvPr>
-        </p:nvSpPr>
-        <p:spPr/>
-        <p:txBody>
-          <a:bodyPr/>
-          <a:lstStyle/>
-          <a:p>
-            <a:pPr>
-              <a:defRPr/>
-            </a:pPr>
-            <a:fld id="{0618F2DF-3AF0-41F5-B1B6-3D61669718B9}" type="slidenum">
-              <a:rPr lang="en-US" smtClean="0"/>
-              <a:pPr>
-                <a:defRPr/>
-              </a:pPr>
-              <a:t>36</a:t>
-            </a:fld>
-            <a:endParaRPr lang="en-US"/>
-          </a:p>
-        </p:txBody>
-      </p:sp>
-    </p:spTree>
-  </p:cSld>
-  <p:clrMapOvr>
-    <a:masterClrMapping/>
-  </p:clrMapOvr>
-</p:notes>
-</file>
-
-<file path=ppt/notesSlides/notesSlide37.xml><?xml version="1.0" encoding="utf-8"?>
-<p:notes xmlns:a="http://schemas.openxmlformats.org/drawingml/2006/main" xmlns:r="http://schemas.openxmlformats.org/officeDocument/2006/relationships" xmlns:p="http://schemas.openxmlformats.org/presentationml/2006/main">
-  <p:cSld>
-    <p:spTree>
-      <p:nvGrpSpPr>
-        <p:cNvPr id="1" name=""/>
-        <p:cNvGrpSpPr/>
-        <p:nvPr/>
-      </p:nvGrpSpPr>
-      <p:grpSpPr>
-        <a:xfrm>
-          <a:off x="0" y="0"/>
-          <a:ext cx="0" cy="0"/>
-          <a:chOff x="0" y="0"/>
-          <a:chExt cx="0" cy="0"/>
-        </a:xfrm>
-      </p:grpSpPr>
-      <p:sp>
-        <p:nvSpPr>
-          <p:cNvPr id="2" name="Slide Image Placeholder 1"/>
-          <p:cNvSpPr>
-            <a:spLocks noGrp="1" noRot="1" noChangeAspect="1"/>
-          </p:cNvSpPr>
-          <p:nvPr>
-            <p:ph type="sldImg"/>
-          </p:nvPr>
-        </p:nvSpPr>
-        <p:spPr>
-          <a:xfrm>
-            <a:off x="1716088" y="692150"/>
-            <a:ext cx="3597275" cy="2698750"/>
-          </a:xfrm>
-        </p:spPr>
-      </p:sp>
-      <p:sp>
-        <p:nvSpPr>
-          <p:cNvPr id="3" name="Notes Placeholder 2"/>
-          <p:cNvSpPr>
-            <a:spLocks noGrp="1"/>
-          </p:cNvSpPr>
-          <p:nvPr>
-            <p:ph type="body" idx="1"/>
-          </p:nvPr>
-        </p:nvSpPr>
-        <p:spPr/>
-        <p:txBody>
-          <a:bodyPr>
-            <a:normAutofit/>
-          </a:bodyPr>
-          <a:lstStyle/>
-          <a:p>
-            <a:endParaRPr lang="en-US" dirty="0" smtClean="0"/>
-          </a:p>
-          <a:p>
-            <a:endParaRPr lang="en-US" dirty="0"/>
-          </a:p>
-        </p:txBody>
-      </p:sp>
-      <p:sp>
-        <p:nvSpPr>
-          <p:cNvPr id="4" name="Slide Number Placeholder 3"/>
-          <p:cNvSpPr>
-            <a:spLocks noGrp="1"/>
-          </p:cNvSpPr>
-          <p:nvPr>
-            <p:ph type="sldNum" sz="quarter" idx="10"/>
-          </p:nvPr>
-        </p:nvSpPr>
-        <p:spPr/>
-        <p:txBody>
-          <a:bodyPr/>
-          <a:lstStyle/>
-          <a:p>
-            <a:pPr>
-              <a:defRPr/>
-            </a:pPr>
-            <a:fld id="{0618F2DF-3AF0-41F5-B1B6-3D61669718B9}" type="slidenum">
-              <a:rPr lang="en-US" smtClean="0"/>
-              <a:pPr>
-                <a:defRPr/>
-              </a:pPr>
-              <a:t>37</a:t>
-            </a:fld>
-            <a:endParaRPr lang="en-US"/>
-          </a:p>
-        </p:txBody>
-      </p:sp>
-    </p:spTree>
-  </p:cSld>
-  <p:clrMapOvr>
-    <a:masterClrMapping/>
-  </p:clrMapOvr>
-</p:notes>
-</file>
-
-<file path=ppt/notesSlides/notesSlide38.xml><?xml version="1.0" encoding="utf-8"?>
-<p:notes xmlns:a="http://schemas.openxmlformats.org/drawingml/2006/main" xmlns:r="http://schemas.openxmlformats.org/officeDocument/2006/relationships" xmlns:p="http://schemas.openxmlformats.org/presentationml/2006/main">
-  <p:cSld>
-    <p:spTree>
-      <p:nvGrpSpPr>
-        <p:cNvPr id="1" name=""/>
-        <p:cNvGrpSpPr/>
-        <p:nvPr/>
-      </p:nvGrpSpPr>
-      <p:grpSpPr>
-        <a:xfrm>
-          <a:off x="0" y="0"/>
-          <a:ext cx="0" cy="0"/>
-          <a:chOff x="0" y="0"/>
-          <a:chExt cx="0" cy="0"/>
-        </a:xfrm>
-      </p:grpSpPr>
-      <p:sp>
-        <p:nvSpPr>
-          <p:cNvPr id="2" name="Slide Image Placeholder 1"/>
-          <p:cNvSpPr>
-            <a:spLocks noGrp="1" noRot="1" noChangeAspect="1"/>
-          </p:cNvSpPr>
-          <p:nvPr>
-            <p:ph type="sldImg"/>
-          </p:nvPr>
-        </p:nvSpPr>
-        <p:spPr>
-          <a:xfrm>
-            <a:off x="1716088" y="692150"/>
-            <a:ext cx="3597275" cy="2698750"/>
-          </a:xfrm>
-        </p:spPr>
-      </p:sp>
-      <p:sp>
-        <p:nvSpPr>
-          <p:cNvPr id="3" name="Notes Placeholder 2"/>
-          <p:cNvSpPr>
-            <a:spLocks noGrp="1"/>
-          </p:cNvSpPr>
-          <p:nvPr>
-            <p:ph type="body" idx="1"/>
-          </p:nvPr>
-        </p:nvSpPr>
-        <p:spPr/>
-        <p:txBody>
-          <a:bodyPr>
-            <a:normAutofit/>
-          </a:bodyPr>
-          <a:lstStyle/>
-          <a:p>
-            <a:endParaRPr lang="en-US" dirty="0"/>
-          </a:p>
-        </p:txBody>
-      </p:sp>
-      <p:sp>
-        <p:nvSpPr>
-          <p:cNvPr id="4" name="Slide Number Placeholder 3"/>
-          <p:cNvSpPr>
-            <a:spLocks noGrp="1"/>
-          </p:cNvSpPr>
-          <p:nvPr>
-            <p:ph type="sldNum" sz="quarter" idx="10"/>
-          </p:nvPr>
-        </p:nvSpPr>
-        <p:spPr/>
-        <p:txBody>
-          <a:bodyPr/>
-          <a:lstStyle/>
-          <a:p>
-            <a:pPr>
-              <a:defRPr/>
-            </a:pPr>
-            <a:fld id="{0618F2DF-3AF0-41F5-B1B6-3D61669718B9}" type="slidenum">
-              <a:rPr lang="en-US" smtClean="0"/>
-              <a:pPr>
-                <a:defRPr/>
-              </a:pPr>
-              <a:t>38</a:t>
+              <a:t>39</a:t>
             </a:fld>
             <a:endParaRPr lang="en-US"/>
           </a:p>
@@ -4115,30 +3949,6 @@
       </p:sp>
       <p:sp>
         <p:nvSpPr>
-          <p:cNvPr id="31747" name="Notes Placeholder 2"/>
-          <p:cNvSpPr>
-            <a:spLocks noGrp="1"/>
-          </p:cNvSpPr>
-          <p:nvPr>
-            <p:ph type="body" idx="1"/>
-          </p:nvPr>
-        </p:nvSpPr>
-        <p:spPr>
-          <a:noFill/>
-          <a:ln/>
-        </p:spPr>
-        <p:txBody>
-          <a:bodyPr/>
-          <a:lstStyle/>
-          <a:p>
-            <a:endParaRPr lang="en-US" dirty="0" smtClean="0">
-              <a:latin typeface="Arial" charset="0"/>
-            </a:endParaRPr>
-          </a:p>
-        </p:txBody>
-      </p:sp>
-      <p:sp>
-        <p:nvSpPr>
           <p:cNvPr id="31748" name="Slide Number Placeholder 3"/>
           <p:cNvSpPr>
             <a:spLocks noGrp="1"/>
@@ -4164,6 +3974,27 @@
             <a:endParaRPr lang="en-US" smtClean="0">
               <a:latin typeface="Arial" charset="0"/>
             </a:endParaRPr>
+          </a:p>
+        </p:txBody>
+      </p:sp>
+      <p:sp>
+        <p:nvSpPr>
+          <p:cNvPr id="5" name="Notes Placeholder 4"/>
+          <p:cNvSpPr>
+            <a:spLocks noGrp="1"/>
+          </p:cNvSpPr>
+          <p:nvPr>
+            <p:ph type="body" sz="quarter" idx="10"/>
+          </p:nvPr>
+        </p:nvSpPr>
+        <p:spPr/>
+        <p:txBody>
+          <a:bodyPr>
+            <a:normAutofit/>
+          </a:bodyPr>
+          <a:lstStyle/>
+          <a:p>
+            <a:endParaRPr lang="en-US"/>
           </a:p>
         </p:txBody>
       </p:sp>
@@ -4211,27 +4042,6 @@
       </p:sp>
       <p:sp>
         <p:nvSpPr>
-          <p:cNvPr id="3" name="Notes Placeholder 2"/>
-          <p:cNvSpPr>
-            <a:spLocks noGrp="1"/>
-          </p:cNvSpPr>
-          <p:nvPr>
-            <p:ph type="body" idx="1"/>
-          </p:nvPr>
-        </p:nvSpPr>
-        <p:spPr/>
-        <p:txBody>
-          <a:bodyPr>
-            <a:normAutofit/>
-          </a:bodyPr>
-          <a:lstStyle/>
-          <a:p>
-            <a:endParaRPr lang="en-US" dirty="0"/>
-          </a:p>
-        </p:txBody>
-      </p:sp>
-      <p:sp>
-        <p:nvSpPr>
           <p:cNvPr id="4" name="Slide Number Placeholder 3"/>
           <p:cNvSpPr>
             <a:spLocks noGrp="1"/>
@@ -4255,6 +4065,27 @@
               </a:pPr>
               <a:t>5</a:t>
             </a:fld>
+            <a:endParaRPr lang="en-US"/>
+          </a:p>
+        </p:txBody>
+      </p:sp>
+      <p:sp>
+        <p:nvSpPr>
+          <p:cNvPr id="5" name="Notes Placeholder 4"/>
+          <p:cNvSpPr>
+            <a:spLocks noGrp="1"/>
+          </p:cNvSpPr>
+          <p:nvPr>
+            <p:ph type="body" sz="quarter" idx="11"/>
+          </p:nvPr>
+        </p:nvSpPr>
+        <p:spPr/>
+        <p:txBody>
+          <a:bodyPr>
+            <a:normAutofit/>
+          </a:bodyPr>
+          <a:lstStyle/>
+          <a:p>
             <a:endParaRPr lang="en-US"/>
           </a:p>
         </p:txBody>
@@ -4304,30 +4135,6 @@
       </p:sp>
       <p:sp>
         <p:nvSpPr>
-          <p:cNvPr id="32771" name="Notes Placeholder 2"/>
-          <p:cNvSpPr>
-            <a:spLocks noGrp="1"/>
-          </p:cNvSpPr>
-          <p:nvPr>
-            <p:ph type="body" idx="1"/>
-          </p:nvPr>
-        </p:nvSpPr>
-        <p:spPr>
-          <a:noFill/>
-          <a:ln/>
-        </p:spPr>
-        <p:txBody>
-          <a:bodyPr/>
-          <a:lstStyle/>
-          <a:p>
-            <a:endParaRPr lang="en-US" dirty="0" smtClean="0">
-              <a:latin typeface="Arial" charset="0"/>
-            </a:endParaRPr>
-          </a:p>
-        </p:txBody>
-      </p:sp>
-      <p:sp>
-        <p:nvSpPr>
           <p:cNvPr id="32772" name="Slide Number Placeholder 3"/>
           <p:cNvSpPr>
             <a:spLocks noGrp="1"/>
@@ -4353,6 +4160,27 @@
             <a:endParaRPr lang="en-US" smtClean="0">
               <a:latin typeface="Arial" charset="0"/>
             </a:endParaRPr>
+          </a:p>
+        </p:txBody>
+      </p:sp>
+      <p:sp>
+        <p:nvSpPr>
+          <p:cNvPr id="5" name="Notes Placeholder 4"/>
+          <p:cNvSpPr>
+            <a:spLocks noGrp="1"/>
+          </p:cNvSpPr>
+          <p:nvPr>
+            <p:ph type="body" sz="quarter" idx="10"/>
+          </p:nvPr>
+        </p:nvSpPr>
+        <p:spPr/>
+        <p:txBody>
+          <a:bodyPr>
+            <a:normAutofit/>
+          </a:bodyPr>
+          <a:lstStyle/>
+          <a:p>
+            <a:endParaRPr lang="en-US"/>
           </a:p>
         </p:txBody>
       </p:sp>
@@ -4400,49 +4228,6 @@
       </p:sp>
       <p:sp>
         <p:nvSpPr>
-          <p:cNvPr id="3" name="Notes Placeholder 2"/>
-          <p:cNvSpPr>
-            <a:spLocks noGrp="1"/>
-          </p:cNvSpPr>
-          <p:nvPr>
-            <p:ph type="body" idx="1"/>
-          </p:nvPr>
-        </p:nvSpPr>
-        <p:spPr/>
-        <p:txBody>
-          <a:bodyPr>
-            <a:normAutofit/>
-          </a:bodyPr>
-          <a:lstStyle/>
-          <a:p>
-            <a:pPr marL="0" marR="0" indent="0" algn="l" defTabSz="914400" rtl="0" eaLnBrk="1" fontAlgn="base" latinLnBrk="0" hangingPunct="1">
-              <a:lnSpc>
-                <a:spcPct val="100000"/>
-              </a:lnSpc>
-              <a:spcBef>
-                <a:spcPct val="30000"/>
-              </a:spcBef>
-              <a:spcAft>
-                <a:spcPct val="0"/>
-              </a:spcAft>
-              <a:buClrTx/>
-              <a:buSzTx/>
-              <a:buFontTx/>
-              <a:buNone/>
-              <a:tabLst/>
-              <a:defRPr/>
-            </a:pPr>
-            <a:endParaRPr lang="en-US" dirty="0" smtClean="0">
-              <a:latin typeface="Arial" charset="0"/>
-            </a:endParaRPr>
-          </a:p>
-          <a:p>
-            <a:endParaRPr lang="en-US" dirty="0"/>
-          </a:p>
-        </p:txBody>
-      </p:sp>
-      <p:sp>
-        <p:nvSpPr>
           <p:cNvPr id="4" name="Slide Number Placeholder 3"/>
           <p:cNvSpPr>
             <a:spLocks noGrp="1"/>
@@ -4466,6 +4251,27 @@
               </a:pPr>
               <a:t>7</a:t>
             </a:fld>
+            <a:endParaRPr lang="en-US"/>
+          </a:p>
+        </p:txBody>
+      </p:sp>
+      <p:sp>
+        <p:nvSpPr>
+          <p:cNvPr id="5" name="Notes Placeholder 4"/>
+          <p:cNvSpPr>
+            <a:spLocks noGrp="1"/>
+          </p:cNvSpPr>
+          <p:nvPr>
+            <p:ph type="body" sz="quarter" idx="11"/>
+          </p:nvPr>
+        </p:nvSpPr>
+        <p:spPr/>
+        <p:txBody>
+          <a:bodyPr>
+            <a:normAutofit/>
+          </a:bodyPr>
+          <a:lstStyle/>
+          <a:p>
             <a:endParaRPr lang="en-US"/>
           </a:p>
         </p:txBody>
@@ -4514,27 +4320,6 @@
       </p:sp>
       <p:sp>
         <p:nvSpPr>
-          <p:cNvPr id="3" name="Notes Placeholder 2"/>
-          <p:cNvSpPr>
-            <a:spLocks noGrp="1"/>
-          </p:cNvSpPr>
-          <p:nvPr>
-            <p:ph type="body" idx="1"/>
-          </p:nvPr>
-        </p:nvSpPr>
-        <p:spPr/>
-        <p:txBody>
-          <a:bodyPr>
-            <a:normAutofit/>
-          </a:bodyPr>
-          <a:lstStyle/>
-          <a:p>
-            <a:endParaRPr lang="en-US" dirty="0"/>
-          </a:p>
-        </p:txBody>
-      </p:sp>
-      <p:sp>
-        <p:nvSpPr>
           <p:cNvPr id="4" name="Slide Number Placeholder 3"/>
           <p:cNvSpPr>
             <a:spLocks noGrp="1"/>
@@ -4558,6 +4343,27 @@
               </a:pPr>
               <a:t>8</a:t>
             </a:fld>
+            <a:endParaRPr lang="en-US"/>
+          </a:p>
+        </p:txBody>
+      </p:sp>
+      <p:sp>
+        <p:nvSpPr>
+          <p:cNvPr id="5" name="Notes Placeholder 4"/>
+          <p:cNvSpPr>
+            <a:spLocks noGrp="1"/>
+          </p:cNvSpPr>
+          <p:nvPr>
+            <p:ph type="body" sz="quarter" idx="11"/>
+          </p:nvPr>
+        </p:nvSpPr>
+        <p:spPr/>
+        <p:txBody>
+          <a:bodyPr>
+            <a:normAutofit/>
+          </a:bodyPr>
+          <a:lstStyle/>
+          <a:p>
             <a:endParaRPr lang="en-US"/>
           </a:p>
         </p:txBody>
@@ -4803,7 +4609,7 @@
           <p:nvPr userDrawn="1"/>
         </p:nvPicPr>
         <p:blipFill>
-          <a:blip r:embed="rId2"/>
+          <a:blip r:embed="rId2" cstate="print"/>
           <a:srcRect/>
           <a:stretch>
             <a:fillRect/>
@@ -6697,7 +6503,7 @@
           <p:nvPr userDrawn="1"/>
         </p:nvPicPr>
         <p:blipFill>
-          <a:blip r:embed="rId13"/>
+          <a:blip r:embed="rId13" cstate="print"/>
           <a:srcRect/>
           <a:stretch>
             <a:fillRect/>
@@ -7204,7 +7010,7 @@
           <p:nvPr/>
         </p:nvPicPr>
         <p:blipFill>
-          <a:blip r:embed="rId3"/>
+          <a:blip r:embed="rId3" cstate="print"/>
           <a:srcRect/>
           <a:stretch>
             <a:fillRect/>
@@ -7827,7 +7633,410 @@
   <p:timing>
     <p:tnLst>
       <p:par>
-        <p:cTn id="1" dur="indefinite" restart="never" nodeType="tmRoot"/>
+        <p:cTn id="1" dur="indefinite" restart="never" nodeType="tmRoot">
+          <p:childTnLst>
+            <p:seq concurrent="1" nextAc="seek">
+              <p:cTn id="2" dur="indefinite" nodeType="mainSeq">
+                <p:childTnLst>
+                  <p:par>
+                    <p:cTn id="3" fill="hold">
+                      <p:stCondLst>
+                        <p:cond delay="indefinite"/>
+                      </p:stCondLst>
+                      <p:childTnLst>
+                        <p:par>
+                          <p:cTn id="4" fill="hold">
+                            <p:stCondLst>
+                              <p:cond delay="0"/>
+                            </p:stCondLst>
+                            <p:childTnLst>
+                              <p:par>
+                                <p:cTn id="5" presetID="3" presetClass="entr" presetSubtype="10" fill="hold" nodeType="clickEffect">
+                                  <p:stCondLst>
+                                    <p:cond delay="0"/>
+                                  </p:stCondLst>
+                                  <p:childTnLst>
+                                    <p:set>
+                                      <p:cBhvr>
+                                        <p:cTn id="6" dur="1" fill="hold">
+                                          <p:stCondLst>
+                                            <p:cond delay="0"/>
+                                          </p:stCondLst>
+                                        </p:cTn>
+                                        <p:tgtEl>
+                                          <p:spTgt spid="14339">
+                                            <p:txEl>
+                                              <p:pRg st="0" end="0"/>
+                                            </p:txEl>
+                                          </p:spTgt>
+                                        </p:tgtEl>
+                                        <p:attrNameLst>
+                                          <p:attrName>style.visibility</p:attrName>
+                                        </p:attrNameLst>
+                                      </p:cBhvr>
+                                      <p:to>
+                                        <p:strVal val="visible"/>
+                                      </p:to>
+                                    </p:set>
+                                    <p:animEffect transition="in" filter="blinds(horizontal)">
+                                      <p:cBhvr>
+                                        <p:cTn id="7" dur="500"/>
+                                        <p:tgtEl>
+                                          <p:spTgt spid="14339">
+                                            <p:txEl>
+                                              <p:pRg st="0" end="0"/>
+                                            </p:txEl>
+                                          </p:spTgt>
+                                        </p:tgtEl>
+                                      </p:cBhvr>
+                                    </p:animEffect>
+                                  </p:childTnLst>
+                                </p:cTn>
+                              </p:par>
+                              <p:par>
+                                <p:cTn id="8" presetID="3" presetClass="entr" presetSubtype="10" fill="hold" nodeType="withEffect">
+                                  <p:stCondLst>
+                                    <p:cond delay="0"/>
+                                  </p:stCondLst>
+                                  <p:childTnLst>
+                                    <p:set>
+                                      <p:cBhvr>
+                                        <p:cTn id="9" dur="1" fill="hold">
+                                          <p:stCondLst>
+                                            <p:cond delay="0"/>
+                                          </p:stCondLst>
+                                        </p:cTn>
+                                        <p:tgtEl>
+                                          <p:spTgt spid="14339">
+                                            <p:txEl>
+                                              <p:pRg st="1" end="1"/>
+                                            </p:txEl>
+                                          </p:spTgt>
+                                        </p:tgtEl>
+                                        <p:attrNameLst>
+                                          <p:attrName>style.visibility</p:attrName>
+                                        </p:attrNameLst>
+                                      </p:cBhvr>
+                                      <p:to>
+                                        <p:strVal val="visible"/>
+                                      </p:to>
+                                    </p:set>
+                                    <p:animEffect transition="in" filter="blinds(horizontal)">
+                                      <p:cBhvr>
+                                        <p:cTn id="10" dur="500"/>
+                                        <p:tgtEl>
+                                          <p:spTgt spid="14339">
+                                            <p:txEl>
+                                              <p:pRg st="1" end="1"/>
+                                            </p:txEl>
+                                          </p:spTgt>
+                                        </p:tgtEl>
+                                      </p:cBhvr>
+                                    </p:animEffect>
+                                  </p:childTnLst>
+                                </p:cTn>
+                              </p:par>
+                            </p:childTnLst>
+                          </p:cTn>
+                        </p:par>
+                      </p:childTnLst>
+                    </p:cTn>
+                  </p:par>
+                  <p:par>
+                    <p:cTn id="11" fill="hold">
+                      <p:stCondLst>
+                        <p:cond delay="indefinite"/>
+                      </p:stCondLst>
+                      <p:childTnLst>
+                        <p:par>
+                          <p:cTn id="12" fill="hold">
+                            <p:stCondLst>
+                              <p:cond delay="0"/>
+                            </p:stCondLst>
+                            <p:childTnLst>
+                              <p:par>
+                                <p:cTn id="13" presetID="3" presetClass="entr" presetSubtype="10" fill="hold" nodeType="clickEffect">
+                                  <p:stCondLst>
+                                    <p:cond delay="0"/>
+                                  </p:stCondLst>
+                                  <p:childTnLst>
+                                    <p:set>
+                                      <p:cBhvr>
+                                        <p:cTn id="14" dur="1" fill="hold">
+                                          <p:stCondLst>
+                                            <p:cond delay="0"/>
+                                          </p:stCondLst>
+                                        </p:cTn>
+                                        <p:tgtEl>
+                                          <p:spTgt spid="14339">
+                                            <p:txEl>
+                                              <p:pRg st="3" end="3"/>
+                                            </p:txEl>
+                                          </p:spTgt>
+                                        </p:tgtEl>
+                                        <p:attrNameLst>
+                                          <p:attrName>style.visibility</p:attrName>
+                                        </p:attrNameLst>
+                                      </p:cBhvr>
+                                      <p:to>
+                                        <p:strVal val="visible"/>
+                                      </p:to>
+                                    </p:set>
+                                    <p:animEffect transition="in" filter="blinds(horizontal)">
+                                      <p:cBhvr>
+                                        <p:cTn id="15" dur="500"/>
+                                        <p:tgtEl>
+                                          <p:spTgt spid="14339">
+                                            <p:txEl>
+                                              <p:pRg st="3" end="3"/>
+                                            </p:txEl>
+                                          </p:spTgt>
+                                        </p:tgtEl>
+                                      </p:cBhvr>
+                                    </p:animEffect>
+                                  </p:childTnLst>
+                                </p:cTn>
+                              </p:par>
+                              <p:par>
+                                <p:cTn id="16" presetID="3" presetClass="entr" presetSubtype="10" fill="hold" nodeType="withEffect">
+                                  <p:stCondLst>
+                                    <p:cond delay="0"/>
+                                  </p:stCondLst>
+                                  <p:childTnLst>
+                                    <p:set>
+                                      <p:cBhvr>
+                                        <p:cTn id="17" dur="1" fill="hold">
+                                          <p:stCondLst>
+                                            <p:cond delay="0"/>
+                                          </p:stCondLst>
+                                        </p:cTn>
+                                        <p:tgtEl>
+                                          <p:spTgt spid="14339">
+                                            <p:txEl>
+                                              <p:pRg st="4" end="4"/>
+                                            </p:txEl>
+                                          </p:spTgt>
+                                        </p:tgtEl>
+                                        <p:attrNameLst>
+                                          <p:attrName>style.visibility</p:attrName>
+                                        </p:attrNameLst>
+                                      </p:cBhvr>
+                                      <p:to>
+                                        <p:strVal val="visible"/>
+                                      </p:to>
+                                    </p:set>
+                                    <p:animEffect transition="in" filter="blinds(horizontal)">
+                                      <p:cBhvr>
+                                        <p:cTn id="18" dur="500"/>
+                                        <p:tgtEl>
+                                          <p:spTgt spid="14339">
+                                            <p:txEl>
+                                              <p:pRg st="4" end="4"/>
+                                            </p:txEl>
+                                          </p:spTgt>
+                                        </p:tgtEl>
+                                      </p:cBhvr>
+                                    </p:animEffect>
+                                  </p:childTnLst>
+                                </p:cTn>
+                              </p:par>
+                              <p:par>
+                                <p:cTn id="19" presetID="3" presetClass="entr" presetSubtype="10" fill="hold" nodeType="withEffect">
+                                  <p:stCondLst>
+                                    <p:cond delay="0"/>
+                                  </p:stCondLst>
+                                  <p:childTnLst>
+                                    <p:set>
+                                      <p:cBhvr>
+                                        <p:cTn id="20" dur="1" fill="hold">
+                                          <p:stCondLst>
+                                            <p:cond delay="0"/>
+                                          </p:stCondLst>
+                                        </p:cTn>
+                                        <p:tgtEl>
+                                          <p:spTgt spid="14339">
+                                            <p:txEl>
+                                              <p:pRg st="6" end="6"/>
+                                            </p:txEl>
+                                          </p:spTgt>
+                                        </p:tgtEl>
+                                        <p:attrNameLst>
+                                          <p:attrName>style.visibility</p:attrName>
+                                        </p:attrNameLst>
+                                      </p:cBhvr>
+                                      <p:to>
+                                        <p:strVal val="visible"/>
+                                      </p:to>
+                                    </p:set>
+                                    <p:animEffect transition="in" filter="blinds(horizontal)">
+                                      <p:cBhvr>
+                                        <p:cTn id="21" dur="500"/>
+                                        <p:tgtEl>
+                                          <p:spTgt spid="14339">
+                                            <p:txEl>
+                                              <p:pRg st="6" end="6"/>
+                                            </p:txEl>
+                                          </p:spTgt>
+                                        </p:tgtEl>
+                                      </p:cBhvr>
+                                    </p:animEffect>
+                                  </p:childTnLst>
+                                </p:cTn>
+                              </p:par>
+                              <p:par>
+                                <p:cTn id="22" presetID="3" presetClass="entr" presetSubtype="10" fill="hold" nodeType="withEffect">
+                                  <p:stCondLst>
+                                    <p:cond delay="0"/>
+                                  </p:stCondLst>
+                                  <p:childTnLst>
+                                    <p:set>
+                                      <p:cBhvr>
+                                        <p:cTn id="23" dur="1" fill="hold">
+                                          <p:stCondLst>
+                                            <p:cond delay="0"/>
+                                          </p:stCondLst>
+                                        </p:cTn>
+                                        <p:tgtEl>
+                                          <p:spTgt spid="14339">
+                                            <p:txEl>
+                                              <p:pRg st="7" end="7"/>
+                                            </p:txEl>
+                                          </p:spTgt>
+                                        </p:tgtEl>
+                                        <p:attrNameLst>
+                                          <p:attrName>style.visibility</p:attrName>
+                                        </p:attrNameLst>
+                                      </p:cBhvr>
+                                      <p:to>
+                                        <p:strVal val="visible"/>
+                                      </p:to>
+                                    </p:set>
+                                    <p:animEffect transition="in" filter="blinds(horizontal)">
+                                      <p:cBhvr>
+                                        <p:cTn id="24" dur="500"/>
+                                        <p:tgtEl>
+                                          <p:spTgt spid="14339">
+                                            <p:txEl>
+                                              <p:pRg st="7" end="7"/>
+                                            </p:txEl>
+                                          </p:spTgt>
+                                        </p:tgtEl>
+                                      </p:cBhvr>
+                                    </p:animEffect>
+                                  </p:childTnLst>
+                                </p:cTn>
+                              </p:par>
+                              <p:par>
+                                <p:cTn id="25" presetID="3" presetClass="entr" presetSubtype="10" fill="hold" nodeType="withEffect">
+                                  <p:stCondLst>
+                                    <p:cond delay="0"/>
+                                  </p:stCondLst>
+                                  <p:childTnLst>
+                                    <p:set>
+                                      <p:cBhvr>
+                                        <p:cTn id="26" dur="1" fill="hold">
+                                          <p:stCondLst>
+                                            <p:cond delay="0"/>
+                                          </p:stCondLst>
+                                        </p:cTn>
+                                        <p:tgtEl>
+                                          <p:spTgt spid="14339">
+                                            <p:txEl>
+                                              <p:pRg st="9" end="9"/>
+                                            </p:txEl>
+                                          </p:spTgt>
+                                        </p:tgtEl>
+                                        <p:attrNameLst>
+                                          <p:attrName>style.visibility</p:attrName>
+                                        </p:attrNameLst>
+                                      </p:cBhvr>
+                                      <p:to>
+                                        <p:strVal val="visible"/>
+                                      </p:to>
+                                    </p:set>
+                                    <p:animEffect transition="in" filter="blinds(horizontal)">
+                                      <p:cBhvr>
+                                        <p:cTn id="27" dur="500"/>
+                                        <p:tgtEl>
+                                          <p:spTgt spid="14339">
+                                            <p:txEl>
+                                              <p:pRg st="9" end="9"/>
+                                            </p:txEl>
+                                          </p:spTgt>
+                                        </p:tgtEl>
+                                      </p:cBhvr>
+                                    </p:animEffect>
+                                  </p:childTnLst>
+                                </p:cTn>
+                              </p:par>
+                              <p:par>
+                                <p:cTn id="28" presetID="3" presetClass="entr" presetSubtype="10" fill="hold" nodeType="withEffect">
+                                  <p:stCondLst>
+                                    <p:cond delay="0"/>
+                                  </p:stCondLst>
+                                  <p:childTnLst>
+                                    <p:set>
+                                      <p:cBhvr>
+                                        <p:cTn id="29" dur="1" fill="hold">
+                                          <p:stCondLst>
+                                            <p:cond delay="0"/>
+                                          </p:stCondLst>
+                                        </p:cTn>
+                                        <p:tgtEl>
+                                          <p:spTgt spid="14339">
+                                            <p:txEl>
+                                              <p:pRg st="10" end="10"/>
+                                            </p:txEl>
+                                          </p:spTgt>
+                                        </p:tgtEl>
+                                        <p:attrNameLst>
+                                          <p:attrName>style.visibility</p:attrName>
+                                        </p:attrNameLst>
+                                      </p:cBhvr>
+                                      <p:to>
+                                        <p:strVal val="visible"/>
+                                      </p:to>
+                                    </p:set>
+                                    <p:animEffect transition="in" filter="blinds(horizontal)">
+                                      <p:cBhvr>
+                                        <p:cTn id="30" dur="500"/>
+                                        <p:tgtEl>
+                                          <p:spTgt spid="14339">
+                                            <p:txEl>
+                                              <p:pRg st="10" end="10"/>
+                                            </p:txEl>
+                                          </p:spTgt>
+                                        </p:tgtEl>
+                                      </p:cBhvr>
+                                    </p:animEffect>
+                                  </p:childTnLst>
+                                </p:cTn>
+                              </p:par>
+                            </p:childTnLst>
+                          </p:cTn>
+                        </p:par>
+                      </p:childTnLst>
+                    </p:cTn>
+                  </p:par>
+                </p:childTnLst>
+              </p:cTn>
+              <p:prevCondLst>
+                <p:cond evt="onPrev" delay="0">
+                  <p:tgtEl>
+                    <p:sldTgt/>
+                  </p:tgtEl>
+                </p:cond>
+              </p:prevCondLst>
+              <p:nextCondLst>
+                <p:cond evt="onNext" delay="0">
+                  <p:tgtEl>
+                    <p:sldTgt/>
+                  </p:tgtEl>
+                </p:cond>
+              </p:nextCondLst>
+            </p:seq>
+          </p:childTnLst>
+        </p:cTn>
       </p:par>
     </p:tnLst>
   </p:timing>
@@ -11547,25 +11756,7 @@
                 </a:solidFill>
                 <a:latin typeface="Calibri" pitchFamily="34" charset="0"/>
               </a:rPr>
-              <a:t> “-</a:t>
-            </a:r>
-            <a:r>
-              <a:rPr lang="en-US" sz="1400" dirty="0" err="1" smtClean="0">
-                <a:solidFill>
-                  <a:srgbClr val="FFFF00"/>
-                </a:solidFill>
-                <a:latin typeface="Calibri" pitchFamily="34" charset="0"/>
-              </a:rPr>
-              <a:t>str</a:t>
-            </a:r>
-            <a:r>
-              <a:rPr lang="en-US" sz="1400" dirty="0" smtClean="0">
-                <a:solidFill>
-                  <a:srgbClr val="FFFF00"/>
-                </a:solidFill>
-                <a:latin typeface="Calibri" pitchFamily="34" charset="0"/>
-              </a:rPr>
-              <a:t>”</a:t>
+              <a:t> “-mf”</a:t>
             </a:r>
           </a:p>
           <a:p>
@@ -11598,7 +11789,25 @@
                 </a:solidFill>
                 <a:latin typeface="Calibri" pitchFamily="34" charset="0"/>
               </a:rPr>
-              <a:t> “-string”</a:t>
+              <a:t> “-</a:t>
+            </a:r>
+            <a:r>
+              <a:rPr lang="en-US" sz="1400" dirty="0" err="1" smtClean="0">
+                <a:solidFill>
+                  <a:srgbClr val="FFFF00"/>
+                </a:solidFill>
+                <a:latin typeface="Calibri" pitchFamily="34" charset="0"/>
+              </a:rPr>
+              <a:t>myflag</a:t>
+            </a:r>
+            <a:r>
+              <a:rPr lang="en-US" sz="1400" dirty="0" smtClean="0">
+                <a:solidFill>
+                  <a:srgbClr val="FFFF00"/>
+                </a:solidFill>
+                <a:latin typeface="Calibri" pitchFamily="34" charset="0"/>
+              </a:rPr>
+              <a:t>”</a:t>
             </a:r>
           </a:p>
           <a:p>
@@ -13918,6 +14127,9 @@
                     <p:cTn id="3" fill="hold">
                       <p:stCondLst>
                         <p:cond delay="indefinite"/>
+                        <p:cond evt="onBegin" delay="0">
+                          <p:tn val="2"/>
+                        </p:cond>
                       </p:stCondLst>
                       <p:childTnLst>
                         <p:par>
@@ -13927,7 +14139,7 @@
                             </p:stCondLst>
                             <p:childTnLst>
                               <p:par>
-                                <p:cTn id="5" presetID="3" presetClass="entr" presetSubtype="10" fill="hold" nodeType="clickEffect">
+                                <p:cTn id="5" presetID="3" presetClass="entr" presetSubtype="10" fill="hold" nodeType="withEffect">
                                   <p:stCondLst>
                                     <p:cond delay="0"/>
                                   </p:stCondLst>
@@ -13935,6 +14147,110 @@
                                     <p:set>
                                       <p:cBhvr>
                                         <p:cTn id="6" dur="1" fill="hold">
+                                          <p:stCondLst>
+                                            <p:cond delay="0"/>
+                                          </p:stCondLst>
+                                        </p:cTn>
+                                        <p:tgtEl>
+                                          <p:spTgt spid="4">
+                                            <p:txEl>
+                                              <p:pRg st="4" end="4"/>
+                                            </p:txEl>
+                                          </p:spTgt>
+                                        </p:tgtEl>
+                                        <p:attrNameLst>
+                                          <p:attrName>style.visibility</p:attrName>
+                                        </p:attrNameLst>
+                                      </p:cBhvr>
+                                      <p:to>
+                                        <p:strVal val="visible"/>
+                                      </p:to>
+                                    </p:set>
+                                    <p:animEffect transition="in" filter="blinds(horizontal)">
+                                      <p:cBhvr>
+                                        <p:cTn id="7" dur="500"/>
+                                        <p:tgtEl>
+                                          <p:spTgt spid="4">
+                                            <p:txEl>
+                                              <p:pRg st="4" end="4"/>
+                                            </p:txEl>
+                                          </p:spTgt>
+                                        </p:tgtEl>
+                                      </p:cBhvr>
+                                    </p:animEffect>
+                                  </p:childTnLst>
+                                </p:cTn>
+                              </p:par>
+                            </p:childTnLst>
+                          </p:cTn>
+                        </p:par>
+                      </p:childTnLst>
+                    </p:cTn>
+                  </p:par>
+                  <p:par>
+                    <p:cTn id="8" fill="hold">
+                      <p:stCondLst>
+                        <p:cond delay="indefinite"/>
+                      </p:stCondLst>
+                      <p:childTnLst>
+                        <p:par>
+                          <p:cTn id="9" fill="hold">
+                            <p:stCondLst>
+                              <p:cond delay="0"/>
+                            </p:stCondLst>
+                            <p:childTnLst>
+                              <p:par>
+                                <p:cTn id="10" presetID="3" presetClass="entr" presetSubtype="10" fill="hold" nodeType="clickEffect">
+                                  <p:stCondLst>
+                                    <p:cond delay="0"/>
+                                  </p:stCondLst>
+                                  <p:childTnLst>
+                                    <p:set>
+                                      <p:cBhvr>
+                                        <p:cTn id="11" dur="1" fill="hold">
+                                          <p:stCondLst>
+                                            <p:cond delay="0"/>
+                                          </p:stCondLst>
+                                        </p:cTn>
+                                        <p:tgtEl>
+                                          <p:spTgt spid="3">
+                                            <p:txEl>
+                                              <p:pRg st="2" end="2"/>
+                                            </p:txEl>
+                                          </p:spTgt>
+                                        </p:tgtEl>
+                                        <p:attrNameLst>
+                                          <p:attrName>style.visibility</p:attrName>
+                                        </p:attrNameLst>
+                                      </p:cBhvr>
+                                      <p:to>
+                                        <p:strVal val="visible"/>
+                                      </p:to>
+                                    </p:set>
+                                    <p:animEffect transition="in" filter="blinds(horizontal)">
+                                      <p:cBhvr>
+                                        <p:cTn id="12" dur="500"/>
+                                        <p:tgtEl>
+                                          <p:spTgt spid="3">
+                                            <p:txEl>
+                                              <p:pRg st="2" end="2"/>
+                                            </p:txEl>
+                                          </p:spTgt>
+                                        </p:tgtEl>
+                                      </p:cBhvr>
+                                    </p:animEffect>
+                                  </p:childTnLst>
+                                </p:cTn>
+                              </p:par>
+                              <p:par>
+                                <p:cTn id="13" presetID="3" presetClass="entr" presetSubtype="10" fill="hold" nodeType="withEffect">
+                                  <p:stCondLst>
+                                    <p:cond delay="0"/>
+                                  </p:stCondLst>
+                                  <p:childTnLst>
+                                    <p:set>
+                                      <p:cBhvr>
+                                        <p:cTn id="14" dur="1" fill="hold">
                                           <p:stCondLst>
                                             <p:cond delay="0"/>
                                           </p:stCondLst>
@@ -13956,7 +14272,7 @@
                                     </p:set>
                                     <p:animEffect transition="in" filter="blinds(horizontal)">
                                       <p:cBhvr>
-                                        <p:cTn id="7" dur="500"/>
+                                        <p:cTn id="15" dur="500"/>
                                         <p:tgtEl>
                                           <p:spTgt spid="4">
                                             <p:txEl>
@@ -13970,14 +14286,14 @@
                                 </p:cTn>
                               </p:par>
                               <p:par>
-                                <p:cTn id="8" presetID="3" presetClass="entr" presetSubtype="10" fill="hold" nodeType="withEffect">
+                                <p:cTn id="16" presetID="3" presetClass="entr" presetSubtype="10" fill="hold" nodeType="withEffect">
                                   <p:stCondLst>
                                     <p:cond delay="0"/>
                                   </p:stCondLst>
                                   <p:childTnLst>
                                     <p:set>
                                       <p:cBhvr>
-                                        <p:cTn id="9" dur="1" fill="hold">
+                                        <p:cTn id="17" dur="1" fill="hold">
                                           <p:stCondLst>
                                             <p:cond delay="0"/>
                                           </p:stCondLst>
@@ -13999,113 +14315,9 @@
                                     </p:set>
                                     <p:animEffect transition="in" filter="blinds(horizontal)">
                                       <p:cBhvr>
-                                        <p:cTn id="10" dur="500"/>
+                                        <p:cTn id="18" dur="500"/>
                                         <p:tgtEl>
                                           <p:spTgt spid="4">
-                                            <p:txEl>
-                                              <p:pRg st="2" end="2"/>
-                                            </p:txEl>
-                                          </p:spTgt>
-                                        </p:tgtEl>
-                                      </p:cBhvr>
-                                    </p:animEffect>
-                                  </p:childTnLst>
-                                </p:cTn>
-                              </p:par>
-                              <p:par>
-                                <p:cTn id="11" presetID="3" presetClass="entr" presetSubtype="10" fill="hold" nodeType="withEffect">
-                                  <p:stCondLst>
-                                    <p:cond delay="0"/>
-                                  </p:stCondLst>
-                                  <p:childTnLst>
-                                    <p:set>
-                                      <p:cBhvr>
-                                        <p:cTn id="12" dur="1" fill="hold">
-                                          <p:stCondLst>
-                                            <p:cond delay="0"/>
-                                          </p:stCondLst>
-                                        </p:cTn>
-                                        <p:tgtEl>
-                                          <p:spTgt spid="4">
-                                            <p:txEl>
-                                              <p:pRg st="4" end="4"/>
-                                            </p:txEl>
-                                          </p:spTgt>
-                                        </p:tgtEl>
-                                        <p:attrNameLst>
-                                          <p:attrName>style.visibility</p:attrName>
-                                        </p:attrNameLst>
-                                      </p:cBhvr>
-                                      <p:to>
-                                        <p:strVal val="visible"/>
-                                      </p:to>
-                                    </p:set>
-                                    <p:animEffect transition="in" filter="blinds(horizontal)">
-                                      <p:cBhvr>
-                                        <p:cTn id="13" dur="500"/>
-                                        <p:tgtEl>
-                                          <p:spTgt spid="4">
-                                            <p:txEl>
-                                              <p:pRg st="4" end="4"/>
-                                            </p:txEl>
-                                          </p:spTgt>
-                                        </p:tgtEl>
-                                      </p:cBhvr>
-                                    </p:animEffect>
-                                  </p:childTnLst>
-                                </p:cTn>
-                              </p:par>
-                            </p:childTnLst>
-                          </p:cTn>
-                        </p:par>
-                      </p:childTnLst>
-                    </p:cTn>
-                  </p:par>
-                  <p:par>
-                    <p:cTn id="14" fill="hold">
-                      <p:stCondLst>
-                        <p:cond delay="indefinite"/>
-                      </p:stCondLst>
-                      <p:childTnLst>
-                        <p:par>
-                          <p:cTn id="15" fill="hold">
-                            <p:stCondLst>
-                              <p:cond delay="0"/>
-                            </p:stCondLst>
-                            <p:childTnLst>
-                              <p:par>
-                                <p:cTn id="16" presetID="3" presetClass="entr" presetSubtype="10" fill="hold" nodeType="clickEffect">
-                                  <p:stCondLst>
-                                    <p:cond delay="0"/>
-                                  </p:stCondLst>
-                                  <p:childTnLst>
-                                    <p:set>
-                                      <p:cBhvr>
-                                        <p:cTn id="17" dur="1" fill="hold">
-                                          <p:stCondLst>
-                                            <p:cond delay="0"/>
-                                          </p:stCondLst>
-                                        </p:cTn>
-                                        <p:tgtEl>
-                                          <p:spTgt spid="3">
-                                            <p:txEl>
-                                              <p:pRg st="2" end="2"/>
-                                            </p:txEl>
-                                          </p:spTgt>
-                                        </p:tgtEl>
-                                        <p:attrNameLst>
-                                          <p:attrName>style.visibility</p:attrName>
-                                        </p:attrNameLst>
-                                      </p:cBhvr>
-                                      <p:to>
-                                        <p:strVal val="visible"/>
-                                      </p:to>
-                                    </p:set>
-                                    <p:animEffect transition="in" filter="blinds(horizontal)">
-                                      <p:cBhvr>
-                                        <p:cTn id="18" dur="500"/>
-                                        <p:tgtEl>
-                                          <p:spTgt spid="3">
                                             <p:txEl>
                                               <p:pRg st="2" end="2"/>
                                             </p:txEl>
@@ -14881,7 +15093,7 @@
           <p:nvPr/>
         </p:nvPicPr>
         <p:blipFill>
-          <a:blip r:embed="rId3"/>
+          <a:blip r:embed="rId3" cstate="print"/>
           <a:srcRect/>
           <a:stretch>
             <a:fillRect/>
@@ -14988,11 +15200,7 @@
             </a:r>
             <a:r>
               <a:rPr lang="en-US" dirty="0" smtClean="0"/>
-              <a:t>, with an option to specify a flag “-quiet”. By default, for all the selected nodes in the scene, it will print out all the node types and connected plugs information and also the node which is connecting to this selected node as a source. If “-quiet” is provided by user, the command will only print out the selected node type</a:t>
-            </a:r>
-            <a:r>
-              <a:rPr lang="en-US" dirty="0" smtClean="0"/>
-              <a:t>.</a:t>
+              <a:t>, with an option to specify a flag “-quiet”. By default, for all the selected nodes in the scene, it will print out all the node types and connected plugs information and also the node which is connecting to this selected node as a source. If “-quiet” is provided by user, the command will only print out the selected node type.</a:t>
             </a:r>
           </a:p>
           <a:p>
@@ -15043,7 +15251,6 @@
               <a:rPr lang="en-US" dirty="0" smtClean="0"/>
               <a:t> </a:t>
             </a:r>
-            <a:endParaRPr lang="en-US" dirty="0" smtClean="0"/>
           </a:p>
         </p:txBody>
       </p:sp>
@@ -20898,6 +21105,1303 @@
       </p:grpSpPr>
       <p:sp>
         <p:nvSpPr>
+          <p:cNvPr id="17410" name="Title 1"/>
+          <p:cNvSpPr>
+            <a:spLocks noGrp="1"/>
+          </p:cNvSpPr>
+          <p:nvPr>
+            <p:ph type="title"/>
+          </p:nvPr>
+        </p:nvSpPr>
+        <p:spPr/>
+        <p:txBody>
+          <a:bodyPr/>
+          <a:lstStyle/>
+          <a:p>
+            <a:r>
+              <a:rPr lang="en-US" dirty="0" smtClean="0"/>
+              <a:t>DAG(Directed Acyclic Graph)</a:t>
+            </a:r>
+          </a:p>
+        </p:txBody>
+      </p:sp>
+      <p:sp>
+        <p:nvSpPr>
+          <p:cNvPr id="17411" name="Content Placeholder 2"/>
+          <p:cNvSpPr>
+            <a:spLocks noGrp="1"/>
+          </p:cNvSpPr>
+          <p:nvPr>
+            <p:ph idx="1"/>
+          </p:nvPr>
+        </p:nvSpPr>
+        <p:spPr>
+          <a:xfrm>
+            <a:off x="415910" y="1416050"/>
+            <a:ext cx="8062912" cy="5119688"/>
+          </a:xfrm>
+        </p:spPr>
+        <p:txBody>
+          <a:bodyPr/>
+          <a:lstStyle/>
+          <a:p>
+            <a:pPr>
+              <a:buClr>
+                <a:schemeClr val="bg1"/>
+              </a:buClr>
+              <a:buFontTx/>
+              <a:buChar char="•"/>
+            </a:pPr>
+            <a:r>
+              <a:rPr lang="en-US" dirty="0" smtClean="0"/>
+              <a:t>DAG nodes are special dependency graph nodes that form a scene hierarchy (parenting).</a:t>
+            </a:r>
+          </a:p>
+          <a:p>
+            <a:pPr>
+              <a:buFontTx/>
+              <a:buChar char="•"/>
+            </a:pPr>
+            <a:endParaRPr lang="en-US" dirty="0" smtClean="0"/>
+          </a:p>
+        </p:txBody>
+      </p:sp>
+      <p:sp>
+        <p:nvSpPr>
+          <p:cNvPr id="90114" name="Rectangle 2"/>
+          <p:cNvSpPr>
+            <a:spLocks noChangeArrowheads="1"/>
+          </p:cNvSpPr>
+          <p:nvPr/>
+        </p:nvSpPr>
+        <p:spPr bwMode="auto">
+          <a:xfrm>
+            <a:off x="0" y="0"/>
+            <a:ext cx="9144000" cy="0"/>
+          </a:xfrm>
+          <a:prstGeom prst="rect">
+            <a:avLst/>
+          </a:prstGeom>
+          <a:noFill/>
+          <a:ln w="9525">
+            <a:noFill/>
+            <a:miter lim="800000"/>
+            <a:headEnd/>
+            <a:tailEnd/>
+          </a:ln>
+          <a:effectLst/>
+        </p:spPr>
+        <p:txBody>
+          <a:bodyPr vert="horz" wrap="none" lIns="91440" tIns="45720" rIns="91440" bIns="45720" numCol="1" anchor="ctr" anchorCtr="0" compatLnSpc="1">
+            <a:prstTxWarp prst="textNoShape">
+              <a:avLst/>
+            </a:prstTxWarp>
+            <a:spAutoFit/>
+          </a:bodyPr>
+          <a:lstStyle/>
+          <a:p>
+            <a:endParaRPr lang="en-US"/>
+          </a:p>
+        </p:txBody>
+      </p:sp>
+      <p:sp>
+        <p:nvSpPr>
+          <p:cNvPr id="7" name="Rounded Rectangle 6"/>
+          <p:cNvSpPr/>
+          <p:nvPr/>
+        </p:nvSpPr>
+        <p:spPr bwMode="auto">
+          <a:xfrm>
+            <a:off x="3786951" y="2849567"/>
+            <a:ext cx="1028700" cy="498763"/>
+          </a:xfrm>
+          <a:prstGeom prst="roundRect">
+            <a:avLst/>
+          </a:prstGeom>
+          <a:solidFill>
+            <a:srgbClr val="99CC00"/>
+          </a:solidFill>
+          <a:ln w="9525" cap="flat" cmpd="sng" algn="ctr">
+            <a:solidFill>
+              <a:schemeClr val="bg1"/>
+            </a:solidFill>
+            <a:prstDash val="solid"/>
+            <a:round/>
+            <a:headEnd type="none" w="med" len="med"/>
+            <a:tailEnd type="none" w="med" len="med"/>
+          </a:ln>
+          <a:effectLst/>
+        </p:spPr>
+        <p:txBody>
+          <a:bodyPr vert="horz" wrap="square" lIns="91440" tIns="45720" rIns="91440" bIns="45720" numCol="1" rtlCol="0" anchor="t" anchorCtr="0" compatLnSpc="1">
+            <a:prstTxWarp prst="textNoShape">
+              <a:avLst/>
+            </a:prstTxWarp>
+          </a:bodyPr>
+          <a:lstStyle/>
+          <a:p>
+            <a:pPr marL="0" marR="0" indent="0" algn="l" defTabSz="914400" rtl="0" eaLnBrk="1" fontAlgn="base" latinLnBrk="0" hangingPunct="1">
+              <a:lnSpc>
+                <a:spcPct val="100000"/>
+              </a:lnSpc>
+              <a:spcBef>
+                <a:spcPct val="0"/>
+              </a:spcBef>
+              <a:spcAft>
+                <a:spcPct val="0"/>
+              </a:spcAft>
+              <a:buClrTx/>
+              <a:buSzTx/>
+              <a:buFontTx/>
+              <a:buNone/>
+              <a:tabLst/>
+            </a:pPr>
+            <a:r>
+              <a:rPr kumimoji="0" lang="en-US" sz="1800" b="0" i="0" u="none" strike="noStrike" cap="none" normalizeH="0" baseline="0" dirty="0" smtClean="0">
+                <a:ln>
+                  <a:noFill/>
+                </a:ln>
+                <a:solidFill>
+                  <a:schemeClr val="tx1"/>
+                </a:solidFill>
+                <a:effectLst/>
+                <a:latin typeface="Arial" charset="0"/>
+              </a:rPr>
+              <a:t>   </a:t>
+            </a:r>
+            <a:r>
+              <a:rPr kumimoji="0" lang="en-US" sz="1800" b="0" i="0" u="none" strike="noStrike" cap="none" normalizeH="0" baseline="0" dirty="0" smtClean="0">
+                <a:ln>
+                  <a:noFill/>
+                </a:ln>
+                <a:effectLst/>
+                <a:latin typeface="Arial" charset="0"/>
+              </a:rPr>
+              <a:t>Car</a:t>
+            </a:r>
+          </a:p>
+        </p:txBody>
+      </p:sp>
+      <p:sp>
+        <p:nvSpPr>
+          <p:cNvPr id="8" name="Rounded Rectangle 7"/>
+          <p:cNvSpPr/>
+          <p:nvPr/>
+        </p:nvSpPr>
+        <p:spPr bwMode="auto">
+          <a:xfrm>
+            <a:off x="2138421" y="3812458"/>
+            <a:ext cx="1028700" cy="498763"/>
+          </a:xfrm>
+          <a:prstGeom prst="roundRect">
+            <a:avLst/>
+          </a:prstGeom>
+          <a:solidFill>
+            <a:srgbClr val="99CC00"/>
+          </a:solidFill>
+          <a:ln w="9525" cap="flat" cmpd="sng" algn="ctr">
+            <a:solidFill>
+              <a:schemeClr val="bg1"/>
+            </a:solidFill>
+            <a:prstDash val="solid"/>
+            <a:round/>
+            <a:headEnd type="none" w="med" len="med"/>
+            <a:tailEnd type="none" w="med" len="med"/>
+          </a:ln>
+          <a:effectLst/>
+        </p:spPr>
+        <p:txBody>
+          <a:bodyPr vert="horz" wrap="square" lIns="91440" tIns="45720" rIns="91440" bIns="45720" numCol="1" rtlCol="0" anchor="t" anchorCtr="0" compatLnSpc="1">
+            <a:prstTxWarp prst="textNoShape">
+              <a:avLst/>
+            </a:prstTxWarp>
+          </a:bodyPr>
+          <a:lstStyle/>
+          <a:p>
+            <a:pPr marL="0" marR="0" indent="0" algn="l" defTabSz="914400" rtl="0" eaLnBrk="1" fontAlgn="base" latinLnBrk="0" hangingPunct="1">
+              <a:lnSpc>
+                <a:spcPct val="100000"/>
+              </a:lnSpc>
+              <a:spcBef>
+                <a:spcPct val="0"/>
+              </a:spcBef>
+              <a:spcAft>
+                <a:spcPct val="0"/>
+              </a:spcAft>
+              <a:buClrTx/>
+              <a:buSzTx/>
+              <a:buFontTx/>
+              <a:buNone/>
+              <a:tabLst/>
+            </a:pPr>
+            <a:r>
+              <a:rPr lang="en-US" u="none" dirty="0" smtClean="0"/>
+              <a:t>  seats</a:t>
+            </a:r>
+            <a:endParaRPr kumimoji="0" lang="en-US" sz="1800" b="0" i="0" u="none" strike="noStrike" cap="none" normalizeH="0" baseline="0" dirty="0" smtClean="0">
+              <a:ln>
+                <a:noFill/>
+              </a:ln>
+              <a:effectLst/>
+              <a:latin typeface="Arial" charset="0"/>
+            </a:endParaRPr>
+          </a:p>
+        </p:txBody>
+      </p:sp>
+      <p:sp>
+        <p:nvSpPr>
+          <p:cNvPr id="9" name="Rounded Rectangle 8"/>
+          <p:cNvSpPr/>
+          <p:nvPr/>
+        </p:nvSpPr>
+        <p:spPr bwMode="auto">
+          <a:xfrm>
+            <a:off x="3776764" y="3812459"/>
+            <a:ext cx="1028700" cy="498763"/>
+          </a:xfrm>
+          <a:prstGeom prst="roundRect">
+            <a:avLst/>
+          </a:prstGeom>
+          <a:solidFill>
+            <a:srgbClr val="99CC00"/>
+          </a:solidFill>
+          <a:ln w="9525" cap="flat" cmpd="sng" algn="ctr">
+            <a:solidFill>
+              <a:schemeClr val="bg1"/>
+            </a:solidFill>
+            <a:prstDash val="solid"/>
+            <a:round/>
+            <a:headEnd type="none" w="med" len="med"/>
+            <a:tailEnd type="none" w="med" len="med"/>
+          </a:ln>
+          <a:effectLst/>
+        </p:spPr>
+        <p:txBody>
+          <a:bodyPr vert="horz" wrap="square" lIns="91440" tIns="45720" rIns="91440" bIns="45720" numCol="1" rtlCol="0" anchor="t" anchorCtr="0" compatLnSpc="1">
+            <a:prstTxWarp prst="textNoShape">
+              <a:avLst/>
+            </a:prstTxWarp>
+          </a:bodyPr>
+          <a:lstStyle/>
+          <a:p>
+            <a:pPr marL="0" marR="0" indent="0" algn="l" defTabSz="914400" rtl="0" eaLnBrk="1" fontAlgn="base" latinLnBrk="0" hangingPunct="1">
+              <a:lnSpc>
+                <a:spcPct val="100000"/>
+              </a:lnSpc>
+              <a:spcBef>
+                <a:spcPct val="0"/>
+              </a:spcBef>
+              <a:spcAft>
+                <a:spcPct val="0"/>
+              </a:spcAft>
+              <a:buClrTx/>
+              <a:buSzTx/>
+              <a:buFontTx/>
+              <a:buNone/>
+              <a:tabLst/>
+            </a:pPr>
+            <a:r>
+              <a:rPr lang="en-US" u="none" dirty="0" smtClean="0"/>
+              <a:t>  f</a:t>
+            </a:r>
+            <a:r>
+              <a:rPr kumimoji="0" lang="en-US" sz="1800" b="0" i="0" u="none" strike="noStrike" cap="none" normalizeH="0" baseline="0" dirty="0" smtClean="0">
+                <a:ln>
+                  <a:noFill/>
+                </a:ln>
+                <a:effectLst/>
+                <a:latin typeface="Arial" charset="0"/>
+              </a:rPr>
+              <a:t>rame</a:t>
+            </a:r>
+          </a:p>
+        </p:txBody>
+      </p:sp>
+      <p:sp>
+        <p:nvSpPr>
+          <p:cNvPr id="10" name="Rounded Rectangle 9"/>
+          <p:cNvSpPr/>
+          <p:nvPr/>
+        </p:nvSpPr>
+        <p:spPr bwMode="auto">
+          <a:xfrm>
+            <a:off x="5172566" y="3781285"/>
+            <a:ext cx="1028700" cy="498763"/>
+          </a:xfrm>
+          <a:prstGeom prst="roundRect">
+            <a:avLst/>
+          </a:prstGeom>
+          <a:solidFill>
+            <a:srgbClr val="99CC00"/>
+          </a:solidFill>
+          <a:ln w="9525" cap="flat" cmpd="sng" algn="ctr">
+            <a:solidFill>
+              <a:schemeClr val="bg1"/>
+            </a:solidFill>
+            <a:prstDash val="solid"/>
+            <a:round/>
+            <a:headEnd type="none" w="med" len="med"/>
+            <a:tailEnd type="none" w="med" len="med"/>
+          </a:ln>
+          <a:effectLst/>
+        </p:spPr>
+        <p:txBody>
+          <a:bodyPr vert="horz" wrap="square" lIns="91440" tIns="45720" rIns="91440" bIns="45720" numCol="1" rtlCol="0" anchor="t" anchorCtr="0" compatLnSpc="1">
+            <a:prstTxWarp prst="textNoShape">
+              <a:avLst/>
+            </a:prstTxWarp>
+          </a:bodyPr>
+          <a:lstStyle/>
+          <a:p>
+            <a:pPr marL="0" marR="0" indent="0" algn="l" defTabSz="914400" rtl="0" eaLnBrk="1" fontAlgn="base" latinLnBrk="0" hangingPunct="1">
+              <a:lnSpc>
+                <a:spcPct val="100000"/>
+              </a:lnSpc>
+              <a:spcBef>
+                <a:spcPct val="0"/>
+              </a:spcBef>
+              <a:spcAft>
+                <a:spcPct val="0"/>
+              </a:spcAft>
+              <a:buClrTx/>
+              <a:buSzTx/>
+              <a:buFontTx/>
+              <a:buNone/>
+              <a:tabLst/>
+            </a:pPr>
+            <a:r>
+              <a:rPr kumimoji="0" lang="en-US" sz="1800" b="0" i="0" u="none" strike="noStrike" cap="none" normalizeH="0" baseline="0" dirty="0" smtClean="0">
+                <a:ln>
+                  <a:noFill/>
+                </a:ln>
+                <a:solidFill>
+                  <a:schemeClr val="tx1"/>
+                </a:solidFill>
+                <a:effectLst/>
+                <a:latin typeface="Arial" charset="0"/>
+              </a:rPr>
+              <a:t>   </a:t>
+            </a:r>
+            <a:r>
+              <a:rPr kumimoji="0" lang="en-US" sz="1800" b="0" i="0" u="none" strike="noStrike" cap="none" normalizeH="0" baseline="0" dirty="0" smtClean="0">
+                <a:ln>
+                  <a:noFill/>
+                </a:ln>
+                <a:effectLst/>
+                <a:latin typeface="Arial" charset="0"/>
+              </a:rPr>
+              <a:t>tires</a:t>
+            </a:r>
+          </a:p>
+        </p:txBody>
+      </p:sp>
+      <p:sp>
+        <p:nvSpPr>
+          <p:cNvPr id="11" name="Rounded Rectangle 10"/>
+          <p:cNvSpPr/>
+          <p:nvPr/>
+        </p:nvSpPr>
+        <p:spPr bwMode="auto">
+          <a:xfrm>
+            <a:off x="1386652" y="4855012"/>
+            <a:ext cx="342900" cy="810491"/>
+          </a:xfrm>
+          <a:prstGeom prst="roundRect">
+            <a:avLst/>
+          </a:prstGeom>
+          <a:blipFill>
+            <a:blip r:embed="rId3" cstate="print"/>
+            <a:tile tx="0" ty="0" sx="100000" sy="100000" flip="none" algn="tl"/>
+          </a:blipFill>
+          <a:ln w="9525" cap="flat" cmpd="sng" algn="ctr">
+            <a:solidFill>
+              <a:schemeClr val="bg1"/>
+            </a:solidFill>
+            <a:prstDash val="solid"/>
+            <a:round/>
+            <a:headEnd type="none" w="med" len="med"/>
+            <a:tailEnd type="none" w="med" len="med"/>
+          </a:ln>
+          <a:effectLst/>
+        </p:spPr>
+        <p:txBody>
+          <a:bodyPr vert="horz" wrap="square" lIns="91440" tIns="45720" rIns="91440" bIns="45720" numCol="1" rtlCol="0" anchor="t" anchorCtr="0" compatLnSpc="1">
+            <a:prstTxWarp prst="textNoShape">
+              <a:avLst/>
+            </a:prstTxWarp>
+          </a:bodyPr>
+          <a:lstStyle/>
+          <a:p>
+            <a:pPr marL="0" marR="0" indent="0" algn="l" defTabSz="914400" rtl="0" eaLnBrk="1" fontAlgn="base" latinLnBrk="0" hangingPunct="1">
+              <a:lnSpc>
+                <a:spcPct val="100000"/>
+              </a:lnSpc>
+              <a:spcBef>
+                <a:spcPct val="0"/>
+              </a:spcBef>
+              <a:spcAft>
+                <a:spcPct val="0"/>
+              </a:spcAft>
+              <a:buClrTx/>
+              <a:buSzTx/>
+              <a:buFontTx/>
+              <a:buNone/>
+              <a:tabLst/>
+            </a:pPr>
+            <a:endParaRPr kumimoji="0" lang="en-US" sz="1800" b="0" i="0" u="sng" strike="noStrike" cap="none" normalizeH="0" baseline="0" smtClean="0">
+              <a:ln>
+                <a:noFill/>
+              </a:ln>
+              <a:solidFill>
+                <a:schemeClr val="tx1"/>
+              </a:solidFill>
+              <a:effectLst/>
+              <a:latin typeface="Arial" charset="0"/>
+            </a:endParaRPr>
+          </a:p>
+        </p:txBody>
+      </p:sp>
+      <p:sp>
+        <p:nvSpPr>
+          <p:cNvPr id="12" name="Rounded Rectangle 11"/>
+          <p:cNvSpPr/>
+          <p:nvPr/>
+        </p:nvSpPr>
+        <p:spPr bwMode="auto">
+          <a:xfrm>
+            <a:off x="2120943" y="4841158"/>
+            <a:ext cx="342900" cy="810491"/>
+          </a:xfrm>
+          <a:prstGeom prst="roundRect">
+            <a:avLst/>
+          </a:prstGeom>
+          <a:blipFill>
+            <a:blip r:embed="rId3" cstate="print"/>
+            <a:tile tx="0" ty="0" sx="100000" sy="100000" flip="none" algn="tl"/>
+          </a:blipFill>
+          <a:ln w="9525" cap="flat" cmpd="sng" algn="ctr">
+            <a:solidFill>
+              <a:schemeClr val="bg1"/>
+            </a:solidFill>
+            <a:prstDash val="solid"/>
+            <a:round/>
+            <a:headEnd type="none" w="med" len="med"/>
+            <a:tailEnd type="none" w="med" len="med"/>
+          </a:ln>
+          <a:effectLst/>
+        </p:spPr>
+        <p:txBody>
+          <a:bodyPr vert="horz" wrap="square" lIns="91440" tIns="45720" rIns="91440" bIns="45720" numCol="1" rtlCol="0" anchor="t" anchorCtr="0" compatLnSpc="1">
+            <a:prstTxWarp prst="textNoShape">
+              <a:avLst/>
+            </a:prstTxWarp>
+          </a:bodyPr>
+          <a:lstStyle/>
+          <a:p>
+            <a:pPr marL="0" marR="0" indent="0" algn="l" defTabSz="914400" rtl="0" eaLnBrk="1" fontAlgn="base" latinLnBrk="0" hangingPunct="1">
+              <a:lnSpc>
+                <a:spcPct val="100000"/>
+              </a:lnSpc>
+              <a:spcBef>
+                <a:spcPct val="0"/>
+              </a:spcBef>
+              <a:spcAft>
+                <a:spcPct val="0"/>
+              </a:spcAft>
+              <a:buClrTx/>
+              <a:buSzTx/>
+              <a:buFontTx/>
+              <a:buNone/>
+              <a:tabLst/>
+            </a:pPr>
+            <a:endParaRPr kumimoji="0" lang="en-US" sz="1800" b="0" i="0" u="sng" strike="noStrike" cap="none" normalizeH="0" baseline="0" smtClean="0">
+              <a:ln>
+                <a:noFill/>
+              </a:ln>
+              <a:solidFill>
+                <a:schemeClr val="tx1"/>
+              </a:solidFill>
+              <a:effectLst/>
+              <a:latin typeface="Arial" charset="0"/>
+            </a:endParaRPr>
+          </a:p>
+        </p:txBody>
+      </p:sp>
+      <p:sp>
+        <p:nvSpPr>
+          <p:cNvPr id="13" name="Rounded Rectangle 12"/>
+          <p:cNvSpPr/>
+          <p:nvPr/>
+        </p:nvSpPr>
+        <p:spPr bwMode="auto">
+          <a:xfrm>
+            <a:off x="2792887" y="4837694"/>
+            <a:ext cx="342900" cy="810491"/>
+          </a:xfrm>
+          <a:prstGeom prst="roundRect">
+            <a:avLst/>
+          </a:prstGeom>
+          <a:blipFill>
+            <a:blip r:embed="rId3" cstate="print"/>
+            <a:tile tx="0" ty="0" sx="100000" sy="100000" flip="none" algn="tl"/>
+          </a:blipFill>
+          <a:ln w="9525" cap="flat" cmpd="sng" algn="ctr">
+            <a:solidFill>
+              <a:schemeClr val="bg1"/>
+            </a:solidFill>
+            <a:prstDash val="solid"/>
+            <a:round/>
+            <a:headEnd type="none" w="med" len="med"/>
+            <a:tailEnd type="none" w="med" len="med"/>
+          </a:ln>
+          <a:effectLst/>
+        </p:spPr>
+        <p:txBody>
+          <a:bodyPr vert="horz" wrap="square" lIns="91440" tIns="45720" rIns="91440" bIns="45720" numCol="1" rtlCol="0" anchor="t" anchorCtr="0" compatLnSpc="1">
+            <a:prstTxWarp prst="textNoShape">
+              <a:avLst/>
+            </a:prstTxWarp>
+          </a:bodyPr>
+          <a:lstStyle/>
+          <a:p>
+            <a:pPr marL="0" marR="0" indent="0" algn="l" defTabSz="914400" rtl="0" eaLnBrk="1" fontAlgn="base" latinLnBrk="0" hangingPunct="1">
+              <a:lnSpc>
+                <a:spcPct val="100000"/>
+              </a:lnSpc>
+              <a:spcBef>
+                <a:spcPct val="0"/>
+              </a:spcBef>
+              <a:spcAft>
+                <a:spcPct val="0"/>
+              </a:spcAft>
+              <a:buClrTx/>
+              <a:buSzTx/>
+              <a:buFontTx/>
+              <a:buNone/>
+              <a:tabLst/>
+            </a:pPr>
+            <a:endParaRPr kumimoji="0" lang="en-US" sz="1800" b="0" i="0" u="sng" strike="noStrike" cap="none" normalizeH="0" baseline="0" smtClean="0">
+              <a:ln>
+                <a:noFill/>
+              </a:ln>
+              <a:solidFill>
+                <a:schemeClr val="tx1"/>
+              </a:solidFill>
+              <a:effectLst/>
+              <a:latin typeface="Arial" charset="0"/>
+            </a:endParaRPr>
+          </a:p>
+        </p:txBody>
+      </p:sp>
+      <p:sp>
+        <p:nvSpPr>
+          <p:cNvPr id="14" name="Rounded Rectangle 13"/>
+          <p:cNvSpPr/>
+          <p:nvPr/>
+        </p:nvSpPr>
+        <p:spPr bwMode="auto">
+          <a:xfrm>
+            <a:off x="4045978" y="4876515"/>
+            <a:ext cx="342900" cy="810491"/>
+          </a:xfrm>
+          <a:prstGeom prst="roundRect">
+            <a:avLst/>
+          </a:prstGeom>
+          <a:blipFill>
+            <a:blip r:embed="rId4" cstate="print"/>
+            <a:tile tx="0" ty="0" sx="100000" sy="100000" flip="none" algn="tl"/>
+          </a:blipFill>
+          <a:ln w="9525" cap="flat" cmpd="sng" algn="ctr">
+            <a:solidFill>
+              <a:schemeClr val="bg1"/>
+            </a:solidFill>
+            <a:prstDash val="solid"/>
+            <a:round/>
+            <a:headEnd type="none" w="med" len="med"/>
+            <a:tailEnd type="none" w="med" len="med"/>
+          </a:ln>
+          <a:effectLst/>
+        </p:spPr>
+        <p:txBody>
+          <a:bodyPr vert="horz" wrap="square" lIns="91440" tIns="45720" rIns="91440" bIns="45720" numCol="1" rtlCol="0" anchor="t" anchorCtr="0" compatLnSpc="1">
+            <a:prstTxWarp prst="textNoShape">
+              <a:avLst/>
+            </a:prstTxWarp>
+          </a:bodyPr>
+          <a:lstStyle/>
+          <a:p>
+            <a:pPr marL="0" marR="0" indent="0" algn="l" defTabSz="914400" rtl="0" eaLnBrk="1" fontAlgn="base" latinLnBrk="0" hangingPunct="1">
+              <a:lnSpc>
+                <a:spcPct val="100000"/>
+              </a:lnSpc>
+              <a:spcBef>
+                <a:spcPct val="0"/>
+              </a:spcBef>
+              <a:spcAft>
+                <a:spcPct val="0"/>
+              </a:spcAft>
+              <a:buClrTx/>
+              <a:buSzTx/>
+              <a:buFontTx/>
+              <a:buNone/>
+              <a:tabLst/>
+            </a:pPr>
+            <a:endParaRPr kumimoji="0" lang="en-US" sz="1800" b="0" i="0" u="sng" strike="noStrike" cap="none" normalizeH="0" baseline="0" smtClean="0">
+              <a:ln>
+                <a:noFill/>
+              </a:ln>
+              <a:solidFill>
+                <a:schemeClr val="tx1"/>
+              </a:solidFill>
+              <a:effectLst/>
+              <a:latin typeface="Arial" charset="0"/>
+            </a:endParaRPr>
+          </a:p>
+        </p:txBody>
+      </p:sp>
+      <p:sp>
+        <p:nvSpPr>
+          <p:cNvPr id="15" name="Rounded Rectangle 14"/>
+          <p:cNvSpPr/>
+          <p:nvPr/>
+        </p:nvSpPr>
+        <p:spPr bwMode="auto">
+          <a:xfrm>
+            <a:off x="5085814" y="4823839"/>
+            <a:ext cx="342900" cy="810491"/>
+          </a:xfrm>
+          <a:prstGeom prst="roundRect">
+            <a:avLst/>
+          </a:prstGeom>
+          <a:blipFill>
+            <a:blip r:embed="rId5" cstate="print"/>
+            <a:tile tx="0" ty="0" sx="100000" sy="100000" flip="none" algn="tl"/>
+          </a:blipFill>
+          <a:ln w="9525" cap="flat" cmpd="sng" algn="ctr">
+            <a:solidFill>
+              <a:schemeClr val="bg1"/>
+            </a:solidFill>
+            <a:prstDash val="solid"/>
+            <a:round/>
+            <a:headEnd type="none" w="med" len="med"/>
+            <a:tailEnd type="none" w="med" len="med"/>
+          </a:ln>
+          <a:effectLst/>
+        </p:spPr>
+        <p:txBody>
+          <a:bodyPr vert="horz" wrap="square" lIns="91440" tIns="45720" rIns="91440" bIns="45720" numCol="1" rtlCol="0" anchor="t" anchorCtr="0" compatLnSpc="1">
+            <a:prstTxWarp prst="textNoShape">
+              <a:avLst/>
+            </a:prstTxWarp>
+          </a:bodyPr>
+          <a:lstStyle/>
+          <a:p>
+            <a:pPr marL="0" marR="0" indent="0" algn="l" defTabSz="914400" rtl="0" eaLnBrk="1" fontAlgn="base" latinLnBrk="0" hangingPunct="1">
+              <a:lnSpc>
+                <a:spcPct val="100000"/>
+              </a:lnSpc>
+              <a:spcBef>
+                <a:spcPct val="0"/>
+              </a:spcBef>
+              <a:spcAft>
+                <a:spcPct val="0"/>
+              </a:spcAft>
+              <a:buClrTx/>
+              <a:buSzTx/>
+              <a:buFontTx/>
+              <a:buNone/>
+              <a:tabLst/>
+            </a:pPr>
+            <a:endParaRPr kumimoji="0" lang="en-US" sz="1800" b="0" i="0" u="sng" strike="noStrike" cap="none" normalizeH="0" baseline="0" smtClean="0">
+              <a:ln>
+                <a:noFill/>
+              </a:ln>
+              <a:solidFill>
+                <a:schemeClr val="tx1"/>
+              </a:solidFill>
+              <a:effectLst/>
+              <a:latin typeface="Arial" charset="0"/>
+            </a:endParaRPr>
+          </a:p>
+        </p:txBody>
+      </p:sp>
+      <p:sp>
+        <p:nvSpPr>
+          <p:cNvPr id="16" name="Rounded Rectangle 15"/>
+          <p:cNvSpPr/>
+          <p:nvPr/>
+        </p:nvSpPr>
+        <p:spPr bwMode="auto">
+          <a:xfrm>
+            <a:off x="5740442" y="4813448"/>
+            <a:ext cx="342900" cy="810491"/>
+          </a:xfrm>
+          <a:prstGeom prst="roundRect">
+            <a:avLst/>
+          </a:prstGeom>
+          <a:blipFill>
+            <a:blip r:embed="rId5" cstate="print"/>
+            <a:tile tx="0" ty="0" sx="100000" sy="100000" flip="none" algn="tl"/>
+          </a:blipFill>
+          <a:ln w="9525" cap="flat" cmpd="sng" algn="ctr">
+            <a:solidFill>
+              <a:schemeClr val="bg1"/>
+            </a:solidFill>
+            <a:prstDash val="solid"/>
+            <a:round/>
+            <a:headEnd type="none" w="med" len="med"/>
+            <a:tailEnd type="none" w="med" len="med"/>
+          </a:ln>
+          <a:effectLst/>
+        </p:spPr>
+        <p:txBody>
+          <a:bodyPr vert="horz" wrap="square" lIns="91440" tIns="45720" rIns="91440" bIns="45720" numCol="1" rtlCol="0" anchor="t" anchorCtr="0" compatLnSpc="1">
+            <a:prstTxWarp prst="textNoShape">
+              <a:avLst/>
+            </a:prstTxWarp>
+          </a:bodyPr>
+          <a:lstStyle/>
+          <a:p>
+            <a:pPr marL="0" marR="0" indent="0" algn="l" defTabSz="914400" rtl="0" eaLnBrk="1" fontAlgn="base" latinLnBrk="0" hangingPunct="1">
+              <a:lnSpc>
+                <a:spcPct val="100000"/>
+              </a:lnSpc>
+              <a:spcBef>
+                <a:spcPct val="0"/>
+              </a:spcBef>
+              <a:spcAft>
+                <a:spcPct val="0"/>
+              </a:spcAft>
+              <a:buClrTx/>
+              <a:buSzTx/>
+              <a:buFontTx/>
+              <a:buNone/>
+              <a:tabLst/>
+            </a:pPr>
+            <a:endParaRPr kumimoji="0" lang="en-US" sz="1800" b="0" i="0" u="sng" strike="noStrike" cap="none" normalizeH="0" baseline="0" smtClean="0">
+              <a:ln>
+                <a:noFill/>
+              </a:ln>
+              <a:solidFill>
+                <a:schemeClr val="tx1"/>
+              </a:solidFill>
+              <a:effectLst/>
+              <a:latin typeface="Arial" charset="0"/>
+            </a:endParaRPr>
+          </a:p>
+        </p:txBody>
+      </p:sp>
+      <p:sp>
+        <p:nvSpPr>
+          <p:cNvPr id="17" name="Rounded Rectangle 16"/>
+          <p:cNvSpPr/>
+          <p:nvPr/>
+        </p:nvSpPr>
+        <p:spPr bwMode="auto">
+          <a:xfrm>
+            <a:off x="6301551" y="4792666"/>
+            <a:ext cx="342900" cy="810491"/>
+          </a:xfrm>
+          <a:prstGeom prst="roundRect">
+            <a:avLst/>
+          </a:prstGeom>
+          <a:blipFill>
+            <a:blip r:embed="rId5" cstate="print"/>
+            <a:tile tx="0" ty="0" sx="100000" sy="100000" flip="none" algn="tl"/>
+          </a:blipFill>
+          <a:ln w="9525" cap="flat" cmpd="sng" algn="ctr">
+            <a:solidFill>
+              <a:schemeClr val="bg1"/>
+            </a:solidFill>
+            <a:prstDash val="solid"/>
+            <a:round/>
+            <a:headEnd type="none" w="med" len="med"/>
+            <a:tailEnd type="none" w="med" len="med"/>
+          </a:ln>
+          <a:effectLst/>
+        </p:spPr>
+        <p:txBody>
+          <a:bodyPr vert="horz" wrap="square" lIns="91440" tIns="45720" rIns="91440" bIns="45720" numCol="1" rtlCol="0" anchor="t" anchorCtr="0" compatLnSpc="1">
+            <a:prstTxWarp prst="textNoShape">
+              <a:avLst/>
+            </a:prstTxWarp>
+          </a:bodyPr>
+          <a:lstStyle/>
+          <a:p>
+            <a:pPr marL="0" marR="0" indent="0" algn="l" defTabSz="914400" rtl="0" eaLnBrk="1" fontAlgn="base" latinLnBrk="0" hangingPunct="1">
+              <a:lnSpc>
+                <a:spcPct val="100000"/>
+              </a:lnSpc>
+              <a:spcBef>
+                <a:spcPct val="0"/>
+              </a:spcBef>
+              <a:spcAft>
+                <a:spcPct val="0"/>
+              </a:spcAft>
+              <a:buClrTx/>
+              <a:buSzTx/>
+              <a:buFontTx/>
+              <a:buNone/>
+              <a:tabLst/>
+            </a:pPr>
+            <a:endParaRPr kumimoji="0" lang="en-US" sz="1800" b="0" i="0" u="sng" strike="noStrike" cap="none" normalizeH="0" baseline="0" smtClean="0">
+              <a:ln>
+                <a:noFill/>
+              </a:ln>
+              <a:solidFill>
+                <a:schemeClr val="tx1"/>
+              </a:solidFill>
+              <a:effectLst/>
+              <a:latin typeface="Arial" charset="0"/>
+            </a:endParaRPr>
+          </a:p>
+        </p:txBody>
+      </p:sp>
+      <p:sp>
+        <p:nvSpPr>
+          <p:cNvPr id="18" name="Rounded Rectangle 17"/>
+          <p:cNvSpPr/>
+          <p:nvPr/>
+        </p:nvSpPr>
+        <p:spPr bwMode="auto">
+          <a:xfrm>
+            <a:off x="6862660" y="4792667"/>
+            <a:ext cx="342900" cy="810491"/>
+          </a:xfrm>
+          <a:prstGeom prst="roundRect">
+            <a:avLst/>
+          </a:prstGeom>
+          <a:blipFill>
+            <a:blip r:embed="rId5" cstate="print"/>
+            <a:tile tx="0" ty="0" sx="100000" sy="100000" flip="none" algn="tl"/>
+          </a:blipFill>
+          <a:ln w="9525" cap="flat" cmpd="sng" algn="ctr">
+            <a:solidFill>
+              <a:schemeClr val="bg1"/>
+            </a:solidFill>
+            <a:prstDash val="solid"/>
+            <a:round/>
+            <a:headEnd type="none" w="med" len="med"/>
+            <a:tailEnd type="none" w="med" len="med"/>
+          </a:ln>
+          <a:effectLst/>
+        </p:spPr>
+        <p:txBody>
+          <a:bodyPr vert="horz" wrap="square" lIns="91440" tIns="45720" rIns="91440" bIns="45720" numCol="1" rtlCol="0" anchor="t" anchorCtr="0" compatLnSpc="1">
+            <a:prstTxWarp prst="textNoShape">
+              <a:avLst/>
+            </a:prstTxWarp>
+          </a:bodyPr>
+          <a:lstStyle/>
+          <a:p>
+            <a:pPr marL="0" marR="0" indent="0" algn="l" defTabSz="914400" rtl="0" eaLnBrk="1" fontAlgn="base" latinLnBrk="0" hangingPunct="1">
+              <a:lnSpc>
+                <a:spcPct val="100000"/>
+              </a:lnSpc>
+              <a:spcBef>
+                <a:spcPct val="0"/>
+              </a:spcBef>
+              <a:spcAft>
+                <a:spcPct val="0"/>
+              </a:spcAft>
+              <a:buClrTx/>
+              <a:buSzTx/>
+              <a:buFontTx/>
+              <a:buNone/>
+              <a:tabLst/>
+            </a:pPr>
+            <a:endParaRPr kumimoji="0" lang="en-US" sz="1800" b="0" i="0" u="sng" strike="noStrike" cap="none" normalizeH="0" baseline="0" smtClean="0">
+              <a:ln>
+                <a:noFill/>
+              </a:ln>
+              <a:solidFill>
+                <a:schemeClr val="tx1"/>
+              </a:solidFill>
+              <a:effectLst/>
+              <a:latin typeface="Arial" charset="0"/>
+            </a:endParaRPr>
+          </a:p>
+        </p:txBody>
+      </p:sp>
+      <p:cxnSp>
+        <p:nvCxnSpPr>
+          <p:cNvPr id="24" name="Straight Connector 23"/>
+          <p:cNvCxnSpPr>
+            <a:stCxn id="7" idx="2"/>
+          </p:cNvCxnSpPr>
+          <p:nvPr/>
+        </p:nvCxnSpPr>
+        <p:spPr bwMode="auto">
+          <a:xfrm rot="16200000" flipH="1">
+            <a:off x="4826042" y="2823588"/>
+            <a:ext cx="432955" cy="1482437"/>
+          </a:xfrm>
+          <a:prstGeom prst="line">
+            <a:avLst/>
+          </a:prstGeom>
+          <a:solidFill>
+            <a:schemeClr val="accent1"/>
+          </a:solidFill>
+          <a:ln w="9525" cap="flat" cmpd="sng" algn="ctr">
+            <a:solidFill>
+              <a:schemeClr val="bg1"/>
+            </a:solidFill>
+            <a:prstDash val="solid"/>
+            <a:round/>
+            <a:headEnd type="none" w="med" len="med"/>
+            <a:tailEnd type="none" w="med" len="med"/>
+          </a:ln>
+          <a:effectLst/>
+        </p:spPr>
+      </p:cxnSp>
+      <p:cxnSp>
+        <p:nvCxnSpPr>
+          <p:cNvPr id="27" name="Straight Connector 26"/>
+          <p:cNvCxnSpPr>
+            <a:stCxn id="7" idx="2"/>
+            <a:endCxn id="9" idx="0"/>
+          </p:cNvCxnSpPr>
+          <p:nvPr/>
+        </p:nvCxnSpPr>
+        <p:spPr bwMode="auto">
+          <a:xfrm rot="5400000">
+            <a:off x="4064144" y="3575301"/>
+            <a:ext cx="464129" cy="10187"/>
+          </a:xfrm>
+          <a:prstGeom prst="line">
+            <a:avLst/>
+          </a:prstGeom>
+          <a:solidFill>
+            <a:schemeClr val="accent1"/>
+          </a:solidFill>
+          <a:ln w="9525" cap="flat" cmpd="sng" algn="ctr">
+            <a:solidFill>
+              <a:schemeClr val="bg1"/>
+            </a:solidFill>
+            <a:prstDash val="solid"/>
+            <a:round/>
+            <a:headEnd type="none" w="med" len="med"/>
+            <a:tailEnd type="none" w="med" len="med"/>
+          </a:ln>
+          <a:effectLst/>
+        </p:spPr>
+      </p:cxnSp>
+      <p:cxnSp>
+        <p:nvCxnSpPr>
+          <p:cNvPr id="31" name="Straight Connector 30"/>
+          <p:cNvCxnSpPr>
+            <a:stCxn id="7" idx="2"/>
+          </p:cNvCxnSpPr>
+          <p:nvPr/>
+        </p:nvCxnSpPr>
+        <p:spPr bwMode="auto">
+          <a:xfrm rot="5400000">
+            <a:off x="3293383" y="2804540"/>
+            <a:ext cx="464128" cy="1551708"/>
+          </a:xfrm>
+          <a:prstGeom prst="line">
+            <a:avLst/>
+          </a:prstGeom>
+          <a:solidFill>
+            <a:schemeClr val="accent1"/>
+          </a:solidFill>
+          <a:ln w="9525" cap="flat" cmpd="sng" algn="ctr">
+            <a:solidFill>
+              <a:schemeClr val="bg1"/>
+            </a:solidFill>
+            <a:prstDash val="solid"/>
+            <a:round/>
+            <a:headEnd type="none" w="med" len="med"/>
+            <a:tailEnd type="none" w="med" len="med"/>
+          </a:ln>
+          <a:effectLst/>
+        </p:spPr>
+      </p:cxnSp>
+      <p:cxnSp>
+        <p:nvCxnSpPr>
+          <p:cNvPr id="34" name="Straight Connector 33"/>
+          <p:cNvCxnSpPr>
+            <a:endCxn id="11" idx="0"/>
+          </p:cNvCxnSpPr>
+          <p:nvPr/>
+        </p:nvCxnSpPr>
+        <p:spPr bwMode="auto">
+          <a:xfrm rot="5400000">
+            <a:off x="1881953" y="3987371"/>
+            <a:ext cx="543791" cy="1191491"/>
+          </a:xfrm>
+          <a:prstGeom prst="line">
+            <a:avLst/>
+          </a:prstGeom>
+          <a:solidFill>
+            <a:schemeClr val="accent1"/>
+          </a:solidFill>
+          <a:ln w="9525" cap="flat" cmpd="sng" algn="ctr">
+            <a:solidFill>
+              <a:schemeClr val="bg1"/>
+            </a:solidFill>
+            <a:prstDash val="solid"/>
+            <a:round/>
+            <a:headEnd type="none" w="med" len="med"/>
+            <a:tailEnd type="none" w="med" len="med"/>
+          </a:ln>
+          <a:effectLst/>
+        </p:spPr>
+      </p:cxnSp>
+      <p:cxnSp>
+        <p:nvCxnSpPr>
+          <p:cNvPr id="36" name="Straight Connector 35"/>
+          <p:cNvCxnSpPr>
+            <a:endCxn id="12" idx="0"/>
+          </p:cNvCxnSpPr>
+          <p:nvPr/>
+        </p:nvCxnSpPr>
+        <p:spPr bwMode="auto">
+          <a:xfrm rot="5400000">
+            <a:off x="2256025" y="4347589"/>
+            <a:ext cx="529937" cy="457200"/>
+          </a:xfrm>
+          <a:prstGeom prst="line">
+            <a:avLst/>
+          </a:prstGeom>
+          <a:solidFill>
+            <a:schemeClr val="accent1"/>
+          </a:solidFill>
+          <a:ln w="9525" cap="flat" cmpd="sng" algn="ctr">
+            <a:solidFill>
+              <a:schemeClr val="bg1"/>
+            </a:solidFill>
+            <a:prstDash val="solid"/>
+            <a:round/>
+            <a:headEnd type="none" w="med" len="med"/>
+            <a:tailEnd type="none" w="med" len="med"/>
+          </a:ln>
+          <a:effectLst/>
+        </p:spPr>
+      </p:cxnSp>
+      <p:cxnSp>
+        <p:nvCxnSpPr>
+          <p:cNvPr id="38" name="Straight Connector 37"/>
+          <p:cNvCxnSpPr>
+            <a:endCxn id="13" idx="0"/>
+          </p:cNvCxnSpPr>
+          <p:nvPr/>
+        </p:nvCxnSpPr>
+        <p:spPr bwMode="auto">
+          <a:xfrm rot="16200000" flipH="1">
+            <a:off x="2593729" y="4467085"/>
+            <a:ext cx="526473" cy="214744"/>
+          </a:xfrm>
+          <a:prstGeom prst="line">
+            <a:avLst/>
+          </a:prstGeom>
+          <a:solidFill>
+            <a:schemeClr val="accent1"/>
+          </a:solidFill>
+          <a:ln w="9525" cap="flat" cmpd="sng" algn="ctr">
+            <a:solidFill>
+              <a:schemeClr val="bg1"/>
+            </a:solidFill>
+            <a:prstDash val="solid"/>
+            <a:round/>
+            <a:headEnd type="none" w="med" len="med"/>
+            <a:tailEnd type="none" w="med" len="med"/>
+          </a:ln>
+          <a:effectLst/>
+        </p:spPr>
+      </p:cxnSp>
+      <p:cxnSp>
+        <p:nvCxnSpPr>
+          <p:cNvPr id="40" name="Straight Connector 39"/>
+          <p:cNvCxnSpPr>
+            <a:stCxn id="9" idx="2"/>
+          </p:cNvCxnSpPr>
+          <p:nvPr/>
+        </p:nvCxnSpPr>
+        <p:spPr bwMode="auto">
+          <a:xfrm rot="5400000">
+            <a:off x="3993141" y="4557039"/>
+            <a:ext cx="543790" cy="52157"/>
+          </a:xfrm>
+          <a:prstGeom prst="line">
+            <a:avLst/>
+          </a:prstGeom>
+          <a:solidFill>
+            <a:schemeClr val="accent1"/>
+          </a:solidFill>
+          <a:ln w="9525" cap="flat" cmpd="sng" algn="ctr">
+            <a:solidFill>
+              <a:schemeClr val="bg1"/>
+            </a:solidFill>
+            <a:prstDash val="solid"/>
+            <a:round/>
+            <a:headEnd type="none" w="med" len="med"/>
+            <a:tailEnd type="none" w="med" len="med"/>
+          </a:ln>
+          <a:effectLst/>
+        </p:spPr>
+      </p:cxnSp>
+      <p:cxnSp>
+        <p:nvCxnSpPr>
+          <p:cNvPr id="42" name="Straight Connector 41"/>
+          <p:cNvCxnSpPr>
+            <a:endCxn id="15" idx="0"/>
+          </p:cNvCxnSpPr>
+          <p:nvPr/>
+        </p:nvCxnSpPr>
+        <p:spPr bwMode="auto">
+          <a:xfrm rot="5400000">
+            <a:off x="5248606" y="4288706"/>
+            <a:ext cx="543791" cy="526474"/>
+          </a:xfrm>
+          <a:prstGeom prst="line">
+            <a:avLst/>
+          </a:prstGeom>
+          <a:solidFill>
+            <a:schemeClr val="accent1"/>
+          </a:solidFill>
+          <a:ln w="9525" cap="flat" cmpd="sng" algn="ctr">
+            <a:solidFill>
+              <a:schemeClr val="bg1"/>
+            </a:solidFill>
+            <a:prstDash val="solid"/>
+            <a:round/>
+            <a:headEnd type="none" w="med" len="med"/>
+            <a:tailEnd type="none" w="med" len="med"/>
+          </a:ln>
+          <a:effectLst/>
+        </p:spPr>
+      </p:cxnSp>
+      <p:cxnSp>
+        <p:nvCxnSpPr>
+          <p:cNvPr id="44" name="Straight Connector 43"/>
+          <p:cNvCxnSpPr>
+            <a:endCxn id="16" idx="0"/>
+          </p:cNvCxnSpPr>
+          <p:nvPr/>
+        </p:nvCxnSpPr>
+        <p:spPr bwMode="auto">
+          <a:xfrm rot="16200000" flipH="1">
+            <a:off x="5581115" y="4482671"/>
+            <a:ext cx="533400" cy="128154"/>
+          </a:xfrm>
+          <a:prstGeom prst="line">
+            <a:avLst/>
+          </a:prstGeom>
+          <a:solidFill>
+            <a:schemeClr val="accent1"/>
+          </a:solidFill>
+          <a:ln w="9525" cap="flat" cmpd="sng" algn="ctr">
+            <a:solidFill>
+              <a:schemeClr val="bg1"/>
+            </a:solidFill>
+            <a:prstDash val="solid"/>
+            <a:round/>
+            <a:headEnd type="none" w="med" len="med"/>
+            <a:tailEnd type="none" w="med" len="med"/>
+          </a:ln>
+          <a:effectLst/>
+        </p:spPr>
+      </p:cxnSp>
+      <p:cxnSp>
+        <p:nvCxnSpPr>
+          <p:cNvPr id="46" name="Straight Connector 45"/>
+          <p:cNvCxnSpPr>
+            <a:endCxn id="17" idx="0"/>
+          </p:cNvCxnSpPr>
+          <p:nvPr/>
+        </p:nvCxnSpPr>
+        <p:spPr bwMode="auto">
+          <a:xfrm rot="16200000" flipH="1">
+            <a:off x="5872060" y="4191725"/>
+            <a:ext cx="512618" cy="689263"/>
+          </a:xfrm>
+          <a:prstGeom prst="line">
+            <a:avLst/>
+          </a:prstGeom>
+          <a:solidFill>
+            <a:schemeClr val="accent1"/>
+          </a:solidFill>
+          <a:ln w="9525" cap="flat" cmpd="sng" algn="ctr">
+            <a:solidFill>
+              <a:schemeClr val="bg1"/>
+            </a:solidFill>
+            <a:prstDash val="solid"/>
+            <a:round/>
+            <a:headEnd type="none" w="med" len="med"/>
+            <a:tailEnd type="none" w="med" len="med"/>
+          </a:ln>
+          <a:effectLst/>
+        </p:spPr>
+      </p:cxnSp>
+      <p:cxnSp>
+        <p:nvCxnSpPr>
+          <p:cNvPr id="48" name="Straight Connector 47"/>
+          <p:cNvCxnSpPr>
+            <a:endCxn id="18" idx="0"/>
+          </p:cNvCxnSpPr>
+          <p:nvPr/>
+        </p:nvCxnSpPr>
+        <p:spPr bwMode="auto">
+          <a:xfrm rot="16200000" flipH="1">
+            <a:off x="6152615" y="3911171"/>
+            <a:ext cx="512619" cy="1250372"/>
+          </a:xfrm>
+          <a:prstGeom prst="line">
+            <a:avLst/>
+          </a:prstGeom>
+          <a:solidFill>
+            <a:schemeClr val="accent1"/>
+          </a:solidFill>
+          <a:ln w="9525" cap="flat" cmpd="sng" algn="ctr">
+            <a:solidFill>
+              <a:schemeClr val="bg1"/>
+            </a:solidFill>
+            <a:prstDash val="solid"/>
+            <a:round/>
+            <a:headEnd type="none" w="med" len="med"/>
+            <a:tailEnd type="none" w="med" len="med"/>
+          </a:ln>
+          <a:effectLst/>
+        </p:spPr>
+      </p:cxnSp>
+    </p:spTree>
+  </p:cSld>
+  <p:clrMapOvr>
+    <a:masterClrMapping/>
+  </p:clrMapOvr>
+  <p:transition spd="med">
+    <p:fade/>
+  </p:transition>
+  <p:timing>
+    <p:tnLst>
+      <p:par>
+        <p:cTn id="1" dur="indefinite" restart="never" nodeType="tmRoot"/>
+      </p:par>
+    </p:tnLst>
+  </p:timing>
+</p:sld>
+</file>
+
+<file path=ppt/slides/slide31.xml><?xml version="1.0" encoding="utf-8"?>
+<p:sld xmlns:a="http://schemas.openxmlformats.org/drawingml/2006/main" xmlns:r="http://schemas.openxmlformats.org/officeDocument/2006/relationships" xmlns:p="http://schemas.openxmlformats.org/presentationml/2006/main">
+  <p:cSld>
+    <p:spTree>
+      <p:nvGrpSpPr>
+        <p:cNvPr id="1" name=""/>
+        <p:cNvGrpSpPr/>
+        <p:nvPr/>
+      </p:nvGrpSpPr>
+      <p:grpSpPr>
+        <a:xfrm>
+          <a:off x="0" y="0"/>
+          <a:ext cx="0" cy="0"/>
+          <a:chOff x="0" y="0"/>
+          <a:chExt cx="0" cy="0"/>
+        </a:xfrm>
+      </p:grpSpPr>
+      <p:sp>
+        <p:nvSpPr>
           <p:cNvPr id="3" name="Content Placeholder 2"/>
           <p:cNvSpPr>
             <a:spLocks noGrp="1"/>
@@ -20919,7 +22423,7 @@
           <a:p>
             <a:r>
               <a:rPr lang="en-US" dirty="0" smtClean="0"/>
-              <a:t>Parenting are not dependency graph connections</a:t>
+              <a:t>Parenting is not dependency graph connection</a:t>
             </a:r>
           </a:p>
           <a:p>
@@ -21713,7 +23217,7 @@
 </p:sld>
 </file>
 
-<file path=ppt/slides/slide31.xml><?xml version="1.0" encoding="utf-8"?>
+<file path=ppt/slides/slide32.xml><?xml version="1.0" encoding="utf-8"?>
 <p:sld xmlns:a="http://schemas.openxmlformats.org/drawingml/2006/main" xmlns:r="http://schemas.openxmlformats.org/officeDocument/2006/relationships" xmlns:p="http://schemas.openxmlformats.org/presentationml/2006/main">
   <p:cSld>
     <p:spTree>
@@ -21787,7 +23291,7 @@
           <p:nvPr/>
         </p:nvPicPr>
         <p:blipFill>
-          <a:blip r:embed="rId3"/>
+          <a:blip r:embed="rId3" cstate="print"/>
           <a:stretch>
             <a:fillRect/>
           </a:stretch>
@@ -21820,7 +23324,7 @@
 </p:sld>
 </file>
 
-<file path=ppt/slides/slide32.xml><?xml version="1.0" encoding="utf-8"?>
+<file path=ppt/slides/slide33.xml><?xml version="1.0" encoding="utf-8"?>
 <p:sld xmlns:a="http://schemas.openxmlformats.org/drawingml/2006/main" xmlns:r="http://schemas.openxmlformats.org/officeDocument/2006/relationships" xmlns:p="http://schemas.openxmlformats.org/presentationml/2006/main">
   <p:cSld>
     <p:spTree>
@@ -21897,7 +23401,7 @@
           <p:nvPr/>
         </p:nvPicPr>
         <p:blipFill>
-          <a:blip r:embed="rId3"/>
+          <a:blip r:embed="rId3" cstate="print"/>
           <a:stretch>
             <a:fillRect/>
           </a:stretch>
@@ -21921,7 +23425,7 @@
           <p:nvPr/>
         </p:nvPicPr>
         <p:blipFill>
-          <a:blip r:embed="rId4"/>
+          <a:blip r:embed="rId4" cstate="print"/>
           <a:stretch>
             <a:fillRect/>
           </a:stretch>
@@ -22030,7 +23534,7 @@
 </p:sld>
 </file>
 
-<file path=ppt/slides/slide33.xml><?xml version="1.0" encoding="utf-8"?>
+<file path=ppt/slides/slide34.xml><?xml version="1.0" encoding="utf-8"?>
 <p:sld xmlns:a="http://schemas.openxmlformats.org/drawingml/2006/main" xmlns:r="http://schemas.openxmlformats.org/officeDocument/2006/relationships" xmlns:p="http://schemas.openxmlformats.org/presentationml/2006/main">
   <p:cSld>
     <p:spTree>
@@ -22104,7 +23608,7 @@
           <p:nvPr/>
         </p:nvPicPr>
         <p:blipFill>
-          <a:blip r:embed="rId3"/>
+          <a:blip r:embed="rId3" cstate="print"/>
           <a:stretch>
             <a:fillRect/>
           </a:stretch>
@@ -22652,7 +24156,7 @@
 </p:sld>
 </file>
 
-<file path=ppt/slides/slide34.xml><?xml version="1.0" encoding="utf-8"?>
+<file path=ppt/slides/slide35.xml><?xml version="1.0" encoding="utf-8"?>
 <p:sld xmlns:a="http://schemas.openxmlformats.org/drawingml/2006/main" xmlns:r="http://schemas.openxmlformats.org/officeDocument/2006/relationships" xmlns:p="http://schemas.openxmlformats.org/presentationml/2006/main">
   <p:cSld>
     <p:spTree>
@@ -22756,7 +24260,7 @@
           <p:nvPr/>
         </p:nvPicPr>
         <p:blipFill>
-          <a:blip r:embed="rId3"/>
+          <a:blip r:embed="rId3" cstate="print"/>
           <a:srcRect/>
           <a:stretch>
             <a:fillRect/>
@@ -22795,7 +24299,7 @@
           <p:nvPr/>
         </p:nvPicPr>
         <p:blipFill>
-          <a:blip r:embed="rId4"/>
+          <a:blip r:embed="rId4" cstate="print"/>
           <a:srcRect/>
           <a:stretch>
             <a:fillRect/>
@@ -22805,177 +24309,6 @@
           <a:xfrm>
             <a:off x="5334000" y="3886200"/>
             <a:ext cx="2286000" cy="2124075"/>
-          </a:xfrm>
-          <a:prstGeom prst="rect">
-            <a:avLst/>
-          </a:prstGeom>
-          <a:noFill/>
-          <a:ln w="12700">
-            <a:solidFill>
-              <a:schemeClr val="tx2"/>
-            </a:solidFill>
-            <a:miter lim="800000"/>
-            <a:headEnd/>
-            <a:tailEnd/>
-          </a:ln>
-          <a:effectLst>
-            <a:outerShdw dist="28398" dir="3806097" algn="ctr" rotWithShape="0">
-              <a:srgbClr val="5F5F5F"/>
-            </a:outerShdw>
-          </a:effectLst>
-        </p:spPr>
-      </p:pic>
-    </p:spTree>
-  </p:cSld>
-  <p:clrMapOvr>
-    <a:masterClrMapping/>
-  </p:clrMapOvr>
-  <p:transition spd="med">
-    <p:fade/>
-  </p:transition>
-  <p:timing>
-    <p:tnLst>
-      <p:par>
-        <p:cTn id="1" dur="indefinite" restart="never" nodeType="tmRoot"/>
-      </p:par>
-    </p:tnLst>
-  </p:timing>
-</p:sld>
-</file>
-
-<file path=ppt/slides/slide35.xml><?xml version="1.0" encoding="utf-8"?>
-<p:sld xmlns:a="http://schemas.openxmlformats.org/drawingml/2006/main" xmlns:r="http://schemas.openxmlformats.org/officeDocument/2006/relationships" xmlns:p="http://schemas.openxmlformats.org/presentationml/2006/main">
-  <p:cSld>
-    <p:spTree>
-      <p:nvGrpSpPr>
-        <p:cNvPr id="1" name=""/>
-        <p:cNvGrpSpPr/>
-        <p:nvPr/>
-      </p:nvGrpSpPr>
-      <p:grpSpPr>
-        <a:xfrm>
-          <a:off x="0" y="0"/>
-          <a:ext cx="0" cy="0"/>
-          <a:chOff x="0" y="0"/>
-          <a:chExt cx="0" cy="0"/>
-        </a:xfrm>
-      </p:grpSpPr>
-      <p:sp>
-        <p:nvSpPr>
-          <p:cNvPr id="2" name="Title 1"/>
-          <p:cNvSpPr>
-            <a:spLocks noGrp="1"/>
-          </p:cNvSpPr>
-          <p:nvPr>
-            <p:ph type="title"/>
-          </p:nvPr>
-        </p:nvSpPr>
-        <p:spPr/>
-        <p:txBody>
-          <a:bodyPr/>
-          <a:lstStyle/>
-          <a:p>
-            <a:r>
-              <a:rPr lang="en-US" dirty="0" smtClean="0"/>
-              <a:t>Dag Paths</a:t>
-            </a:r>
-            <a:endParaRPr lang="en-US" dirty="0"/>
-          </a:p>
-        </p:txBody>
-      </p:sp>
-      <p:sp>
-        <p:nvSpPr>
-          <p:cNvPr id="3" name="Content Placeholder 2"/>
-          <p:cNvSpPr>
-            <a:spLocks noGrp="1"/>
-          </p:cNvSpPr>
-          <p:nvPr>
-            <p:ph idx="1"/>
-          </p:nvPr>
-        </p:nvSpPr>
-        <p:spPr/>
-        <p:txBody>
-          <a:bodyPr/>
-          <a:lstStyle/>
-          <a:p>
-            <a:r>
-              <a:rPr lang="en-US" dirty="0" smtClean="0"/>
-              <a:t>used to find world space transformations</a:t>
-            </a:r>
-          </a:p>
-          <a:p>
-            <a:r>
-              <a:rPr lang="en-US" dirty="0" smtClean="0"/>
-              <a:t>used to traverse up and down hierarchy</a:t>
-            </a:r>
-          </a:p>
-          <a:p>
-            <a:r>
-              <a:rPr lang="en-US" dirty="0" smtClean="0"/>
-              <a:t>node names need not be unique if </a:t>
-            </a:r>
-            <a:r>
-              <a:rPr lang="en-US" dirty="0" err="1" smtClean="0"/>
-              <a:t>dagPaths</a:t>
-            </a:r>
-            <a:r>
-              <a:rPr lang="en-US" dirty="0" smtClean="0"/>
-              <a:t> are different </a:t>
-            </a:r>
-            <a:r>
-              <a:rPr lang="en-US" sz="2000" dirty="0" smtClean="0"/>
-              <a:t>(</a:t>
-            </a:r>
-            <a:r>
-              <a:rPr lang="en-US" sz="2000" dirty="0" err="1" smtClean="0"/>
-              <a:t>MDagPath</a:t>
-            </a:r>
-            <a:r>
-              <a:rPr lang="en-US" sz="2000" dirty="0" smtClean="0"/>
-              <a:t> </a:t>
-            </a:r>
-            <a:r>
-              <a:rPr lang="en-US" sz="2000" dirty="0" err="1" smtClean="0"/>
-              <a:t>fullPathName</a:t>
-            </a:r>
-            <a:r>
-              <a:rPr lang="en-US" sz="2000" dirty="0" smtClean="0"/>
-              <a:t>, </a:t>
-            </a:r>
-            <a:r>
-              <a:rPr lang="en-US" sz="2000" dirty="0" err="1" smtClean="0"/>
-              <a:t>partialPathName</a:t>
-            </a:r>
-            <a:r>
-              <a:rPr lang="en-US" sz="2000" dirty="0" smtClean="0"/>
-              <a:t>)</a:t>
-            </a:r>
-            <a:endParaRPr lang="en-US" dirty="0" smtClean="0"/>
-          </a:p>
-          <a:p>
-            <a:endParaRPr lang="en-US" dirty="0"/>
-          </a:p>
-        </p:txBody>
-      </p:sp>
-      <p:pic>
-        <p:nvPicPr>
-          <p:cNvPr id="4" name="Picture 5" descr="F:\barb\dagPathPic.bmp"/>
-          <p:cNvPicPr>
-            <a:picLocks noChangeAspect="1" noChangeArrowheads="1"/>
-          </p:cNvPicPr>
-          <p:nvPr/>
-        </p:nvPicPr>
-        <p:blipFill>
-          <a:blip r:embed="rId3"/>
-          <a:srcRect/>
-          <a:stretch>
-            <a:fillRect/>
-          </a:stretch>
-        </p:blipFill>
-        <p:spPr bwMode="auto">
-          <a:xfrm>
-            <a:off x="274638" y="3559175"/>
-            <a:ext cx="7626350" cy="2522538"/>
           </a:xfrm>
           <a:prstGeom prst="rect">
             <a:avLst/>
@@ -23047,16 +24380,8 @@
           <a:lstStyle/>
           <a:p>
             <a:r>
-              <a:rPr lang="en-US" dirty="0" err="1" smtClean="0"/>
-              <a:t>MObject</a:t>
-            </a:r>
-            <a:r>
               <a:rPr lang="en-US" dirty="0" smtClean="0"/>
-              <a:t> VS. </a:t>
-            </a:r>
-            <a:r>
-              <a:rPr lang="en-US" dirty="0" err="1" smtClean="0"/>
-              <a:t>MDagPath</a:t>
+              <a:t>Dag Paths</a:t>
             </a:r>
             <a:endParaRPr lang="en-US" dirty="0"/>
           </a:p>
@@ -23077,164 +24402,104 @@
           <a:bodyPr/>
           <a:lstStyle/>
           <a:p>
-            <a:pPr marL="0" indent="0" eaLnBrk="1" hangingPunct="1">
-              <a:buFontTx/>
-              <a:buNone/>
-            </a:pPr>
             <a:r>
               <a:rPr lang="en-US" dirty="0" smtClean="0"/>
-              <a:t>Many of the Maya API accept/return a </a:t>
+              <a:t>used to find world space transformations</a:t>
+            </a:r>
+          </a:p>
+          <a:p>
+            <a:r>
+              <a:rPr lang="en-US" dirty="0" smtClean="0"/>
+              <a:t>used to traverse up and down hierarchy</a:t>
+            </a:r>
+          </a:p>
+          <a:p>
+            <a:r>
+              <a:rPr lang="en-US" dirty="0" smtClean="0"/>
+              <a:t>node names need not be unique if </a:t>
             </a:r>
             <a:r>
               <a:rPr lang="en-US" dirty="0" err="1" smtClean="0"/>
-              <a:t>MObject</a:t>
+              <a:t>dagPaths</a:t>
             </a:r>
             <a:r>
               <a:rPr lang="en-US" dirty="0" smtClean="0"/>
-              <a:t> or a </a:t>
-            </a:r>
-            <a:r>
-              <a:rPr lang="en-US" dirty="0" err="1" smtClean="0"/>
+              <a:t> are different </a:t>
+            </a:r>
+            <a:r>
+              <a:rPr lang="en-US" sz="2000" dirty="0" smtClean="0"/>
+              <a:t>(</a:t>
+            </a:r>
+            <a:r>
+              <a:rPr lang="en-US" sz="2000" dirty="0" err="1" smtClean="0"/>
               <a:t>MDagPath</a:t>
             </a:r>
+            <a:r>
+              <a:rPr lang="en-US" sz="2000" dirty="0" smtClean="0"/>
+              <a:t> </a:t>
+            </a:r>
+            <a:r>
+              <a:rPr lang="en-US" sz="2000" dirty="0" err="1" smtClean="0"/>
+              <a:t>fullPathName</a:t>
+            </a:r>
+            <a:r>
+              <a:rPr lang="en-US" sz="2000" dirty="0" smtClean="0"/>
+              <a:t>, </a:t>
+            </a:r>
+            <a:r>
+              <a:rPr lang="en-US" sz="2000" dirty="0" err="1" smtClean="0"/>
+              <a:t>partialPathName</a:t>
+            </a:r>
+            <a:r>
+              <a:rPr lang="en-US" sz="2000" dirty="0" smtClean="0"/>
+              <a:t>)</a:t>
+            </a:r>
             <a:endParaRPr lang="en-US" dirty="0" smtClean="0"/>
-          </a:p>
-          <a:p>
-            <a:pPr lvl="1" eaLnBrk="1" hangingPunct="1"/>
-            <a:endParaRPr lang="en-US" dirty="0" smtClean="0"/>
-          </a:p>
-          <a:p>
-            <a:pPr lvl="1" eaLnBrk="1" hangingPunct="1">
-              <a:buSzPct val="100000"/>
-              <a:buFont typeface="Arial" pitchFamily="34" charset="0"/>
-              <a:buChar char="•"/>
-            </a:pPr>
-            <a:r>
-              <a:rPr lang="en-US" dirty="0" smtClean="0"/>
-              <a:t>A </a:t>
-            </a:r>
-            <a:r>
-              <a:rPr lang="en-US" dirty="0" err="1" smtClean="0"/>
-              <a:t>MDagPath</a:t>
-            </a:r>
-            <a:r>
-              <a:rPr lang="en-US" dirty="0" smtClean="0"/>
-              <a:t> is a handle describing a path to a node</a:t>
-            </a:r>
-          </a:p>
-          <a:p>
-            <a:pPr lvl="1" eaLnBrk="1" hangingPunct="1">
-              <a:buSzPct val="100000"/>
-              <a:buFont typeface="Arial" pitchFamily="34" charset="0"/>
-              <a:buChar char="•"/>
-            </a:pPr>
-            <a:endParaRPr lang="en-US" dirty="0" smtClean="0"/>
-          </a:p>
-          <a:p>
-            <a:pPr lvl="1" eaLnBrk="1" hangingPunct="1">
-              <a:buSzPct val="100000"/>
-              <a:buFont typeface="Arial" pitchFamily="34" charset="0"/>
-              <a:buChar char="•"/>
-            </a:pPr>
-            <a:r>
-              <a:rPr lang="en-US" dirty="0" smtClean="0"/>
-              <a:t>A </a:t>
-            </a:r>
-            <a:r>
-              <a:rPr lang="en-US" dirty="0" err="1" smtClean="0"/>
-              <a:t>MObject</a:t>
-            </a:r>
-            <a:r>
-              <a:rPr lang="en-US" dirty="0" smtClean="0"/>
-              <a:t>  is a wrapper around a pointer to the internal Maya object</a:t>
-            </a:r>
-          </a:p>
-          <a:p>
-            <a:pPr lvl="2" eaLnBrk="1" hangingPunct="1">
-              <a:buSzPct val="100000"/>
-              <a:buFont typeface="Arial" pitchFamily="34" charset="0"/>
-              <a:buChar char="•"/>
-            </a:pPr>
-            <a:r>
-              <a:rPr lang="en-US" dirty="0" smtClean="0"/>
-              <a:t>Generic class (represents all node / attribute)</a:t>
-            </a:r>
-          </a:p>
-          <a:p>
-            <a:pPr lvl="2" eaLnBrk="1" hangingPunct="1">
-              <a:buSzPct val="100000"/>
-              <a:buFont typeface="Arial" pitchFamily="34" charset="0"/>
-              <a:buChar char="•"/>
-            </a:pPr>
-            <a:r>
-              <a:rPr lang="en-US" dirty="0" smtClean="0"/>
-              <a:t>Use </a:t>
-            </a:r>
-            <a:r>
-              <a:rPr lang="en-US" dirty="0" err="1" smtClean="0"/>
-              <a:t>apiType</a:t>
-            </a:r>
-            <a:r>
-              <a:rPr lang="en-US" dirty="0" smtClean="0"/>
-              <a:t>() / </a:t>
-            </a:r>
-            <a:r>
-              <a:rPr lang="en-US" dirty="0" err="1" smtClean="0"/>
-              <a:t>hasFn</a:t>
-            </a:r>
-            <a:r>
-              <a:rPr lang="en-US" dirty="0" smtClean="0"/>
-              <a:t>()  to determine what it is or what you can do with it</a:t>
-            </a:r>
-          </a:p>
-          <a:p>
-            <a:pPr lvl="2" eaLnBrk="1" hangingPunct="1">
-              <a:buSzPct val="100000"/>
-              <a:buFont typeface="Arial" pitchFamily="34" charset="0"/>
-              <a:buChar char="•"/>
-            </a:pPr>
-            <a:r>
-              <a:rPr lang="en-US" dirty="0" smtClean="0"/>
-              <a:t>Use </a:t>
-            </a:r>
-            <a:r>
-              <a:rPr lang="en-US" dirty="0" err="1" smtClean="0"/>
-              <a:t>isNull</a:t>
-            </a:r>
-            <a:r>
-              <a:rPr lang="en-US" dirty="0" smtClean="0"/>
-              <a:t>() to determine if it is a valid </a:t>
-            </a:r>
-            <a:r>
-              <a:rPr lang="en-US" dirty="0" err="1" smtClean="0"/>
-              <a:t>MObject</a:t>
-            </a:r>
-            <a:endParaRPr lang="en-US" dirty="0" smtClean="0"/>
-          </a:p>
-          <a:p>
-            <a:pPr lvl="2" eaLnBrk="1" hangingPunct="1">
-              <a:buSzPct val="100000"/>
-              <a:buFont typeface="Arial" pitchFamily="34" charset="0"/>
-              <a:buChar char="•"/>
-            </a:pPr>
-            <a:r>
-              <a:rPr lang="en-US" dirty="0" smtClean="0"/>
-              <a:t>Do not store </a:t>
-            </a:r>
-            <a:r>
-              <a:rPr lang="en-US" dirty="0" err="1" smtClean="0"/>
-              <a:t>MObject</a:t>
-            </a:r>
-            <a:r>
-              <a:rPr lang="en-US" dirty="0" smtClean="0"/>
-              <a:t> </a:t>
-            </a:r>
           </a:p>
           <a:p>
             <a:endParaRPr lang="en-US" dirty="0"/>
           </a:p>
         </p:txBody>
       </p:sp>
+      <p:pic>
+        <p:nvPicPr>
+          <p:cNvPr id="4" name="Picture 5" descr="F:\barb\dagPathPic.bmp"/>
+          <p:cNvPicPr>
+            <a:picLocks noChangeAspect="1" noChangeArrowheads="1"/>
+          </p:cNvPicPr>
+          <p:nvPr/>
+        </p:nvPicPr>
+        <p:blipFill>
+          <a:blip r:embed="rId3" cstate="print"/>
+          <a:srcRect/>
+          <a:stretch>
+            <a:fillRect/>
+          </a:stretch>
+        </p:blipFill>
+        <p:spPr bwMode="auto">
+          <a:xfrm>
+            <a:off x="274638" y="3559175"/>
+            <a:ext cx="7626350" cy="2522538"/>
+          </a:xfrm>
+          <a:prstGeom prst="rect">
+            <a:avLst/>
+          </a:prstGeom>
+          <a:noFill/>
+          <a:ln w="12700">
+            <a:solidFill>
+              <a:schemeClr val="tx2"/>
+            </a:solidFill>
+            <a:miter lim="800000"/>
+            <a:headEnd/>
+            <a:tailEnd/>
+          </a:ln>
+          <a:effectLst>
+            <a:outerShdw dist="28398" dir="3806097" algn="ctr" rotWithShape="0">
+              <a:srgbClr val="5F5F5F"/>
+            </a:outerShdw>
+          </a:effectLst>
+        </p:spPr>
+      </p:pic>
     </p:spTree>
   </p:cSld>
   <p:clrMapOvr>
@@ -23286,8 +24551,16 @@
           <a:lstStyle/>
           <a:p>
             <a:r>
+              <a:rPr lang="en-US" dirty="0" err="1" smtClean="0"/>
+              <a:t>MObject</a:t>
+            </a:r>
+            <a:r>
               <a:rPr lang="en-US" dirty="0" smtClean="0"/>
-              <a:t>Important API methods</a:t>
+              <a:t> VS. </a:t>
+            </a:r>
+            <a:r>
+              <a:rPr lang="en-US" dirty="0" err="1" smtClean="0"/>
+              <a:t>MDagPath</a:t>
             </a:r>
             <a:endParaRPr lang="en-US" dirty="0"/>
           </a:p>
@@ -23308,159 +24581,164 @@
           <a:bodyPr/>
           <a:lstStyle/>
           <a:p>
+            <a:pPr marL="0" indent="0" eaLnBrk="1" hangingPunct="1">
+              <a:buFontTx/>
+              <a:buNone/>
+            </a:pPr>
             <a:r>
               <a:rPr lang="en-US" dirty="0" smtClean="0"/>
-              <a:t>Traversal : </a:t>
+              <a:t>Many of the Maya API accept/return a </a:t>
             </a:r>
             <a:r>
               <a:rPr lang="en-US" dirty="0" err="1" smtClean="0"/>
-              <a:t>MItDag</a:t>
+              <a:t>MObject</a:t>
+            </a:r>
+            <a:r>
+              <a:rPr lang="en-US" dirty="0" smtClean="0"/>
+              <a:t> or a </a:t>
+            </a:r>
+            <a:r>
+              <a:rPr lang="en-US" dirty="0" err="1" smtClean="0"/>
+              <a:t>MDagPath</a:t>
+            </a:r>
+            <a:endParaRPr lang="en-US" dirty="0" smtClean="0"/>
+          </a:p>
+          <a:p>
+            <a:pPr lvl="1" eaLnBrk="1" hangingPunct="1"/>
+            <a:endParaRPr lang="en-US" dirty="0" smtClean="0"/>
+          </a:p>
+          <a:p>
+            <a:pPr lvl="1" eaLnBrk="1" hangingPunct="1">
+              <a:buSzPct val="100000"/>
+              <a:buFont typeface="Arial" pitchFamily="34" charset="0"/>
+              <a:buChar char="•"/>
+            </a:pPr>
+            <a:r>
+              <a:rPr lang="en-US" dirty="0" smtClean="0"/>
+              <a:t>A </a:t>
+            </a:r>
+            <a:r>
+              <a:rPr lang="en-US" dirty="0" err="1" smtClean="0"/>
+              <a:t>MDagPath</a:t>
+            </a:r>
+            <a:r>
+              <a:rPr lang="en-US" dirty="0" smtClean="0"/>
+              <a:t> is a handle describing a path to a node</a:t>
+            </a:r>
+          </a:p>
+          <a:p>
+            <a:pPr lvl="1" eaLnBrk="1" hangingPunct="1">
+              <a:buSzPct val="100000"/>
+              <a:buFont typeface="Arial" pitchFamily="34" charset="0"/>
+              <a:buChar char="•"/>
+            </a:pPr>
+            <a:endParaRPr lang="en-US" dirty="0" smtClean="0"/>
+          </a:p>
+          <a:p>
+            <a:pPr lvl="1" eaLnBrk="1" hangingPunct="1">
+              <a:buSzPct val="100000"/>
+              <a:buFont typeface="Arial" pitchFamily="34" charset="0"/>
+              <a:buChar char="•"/>
+            </a:pPr>
+            <a:r>
+              <a:rPr lang="en-US" dirty="0" smtClean="0"/>
+              <a:t>A </a:t>
+            </a:r>
+            <a:r>
+              <a:rPr lang="en-US" dirty="0" err="1" smtClean="0"/>
+              <a:t>MObject</a:t>
+            </a:r>
+            <a:r>
+              <a:rPr lang="en-US" dirty="0" smtClean="0"/>
+              <a:t>  is a wrapper around a pointer to the internal Maya object</a:t>
+            </a:r>
+          </a:p>
+          <a:p>
+            <a:pPr lvl="2" eaLnBrk="1" hangingPunct="1">
+              <a:buSzPct val="100000"/>
+              <a:buFont typeface="Arial" pitchFamily="34" charset="0"/>
+              <a:buChar char="•"/>
+            </a:pPr>
+            <a:r>
+              <a:rPr lang="en-US" dirty="0" smtClean="0"/>
+              <a:t>Generic class (represents all node / attribute)</a:t>
+            </a:r>
+          </a:p>
+          <a:p>
+            <a:pPr lvl="2" eaLnBrk="1" hangingPunct="1">
+              <a:buSzPct val="100000"/>
+              <a:buFont typeface="Arial" pitchFamily="34" charset="0"/>
+              <a:buChar char="•"/>
+            </a:pPr>
+            <a:r>
+              <a:rPr lang="en-US" dirty="0" smtClean="0"/>
+              <a:t>Use </a:t>
+            </a:r>
+            <a:r>
+              <a:rPr lang="en-US" dirty="0" err="1" smtClean="0"/>
+              <a:t>apiType</a:t>
+            </a:r>
+            <a:r>
+              <a:rPr lang="en-US" dirty="0" smtClean="0"/>
+              <a:t>() / </a:t>
+            </a:r>
+            <a:r>
+              <a:rPr lang="en-US" dirty="0" err="1" smtClean="0"/>
+              <a:t>hasFn</a:t>
+            </a:r>
+            <a:r>
+              <a:rPr lang="en-US" dirty="0" smtClean="0"/>
+              <a:t>()  to determine what it is or what you can do with it</a:t>
+            </a:r>
+          </a:p>
+          <a:p>
+            <a:pPr lvl="2" eaLnBrk="1" hangingPunct="1">
+              <a:buSzPct val="100000"/>
+              <a:buFont typeface="Arial" pitchFamily="34" charset="0"/>
+              <a:buChar char="•"/>
+            </a:pPr>
+            <a:r>
+              <a:rPr lang="en-US" dirty="0" smtClean="0"/>
+              <a:t>Use </a:t>
+            </a:r>
+            <a:r>
+              <a:rPr lang="en-US" dirty="0" err="1" smtClean="0"/>
+              <a:t>isNull</a:t>
+            </a:r>
+            <a:r>
+              <a:rPr lang="en-US" dirty="0" smtClean="0"/>
+              <a:t>() to determine if it is a valid </a:t>
+            </a:r>
+            <a:r>
+              <a:rPr lang="en-US" dirty="0" err="1" smtClean="0"/>
+              <a:t>MObject</a:t>
+            </a:r>
+            <a:endParaRPr lang="en-US" dirty="0" smtClean="0"/>
+          </a:p>
+          <a:p>
+            <a:pPr lvl="2" eaLnBrk="1" hangingPunct="1">
+              <a:buSzPct val="100000"/>
+              <a:buFont typeface="Arial" pitchFamily="34" charset="0"/>
+              <a:buChar char="•"/>
+            </a:pPr>
+            <a:r>
+              <a:rPr lang="en-US" dirty="0" smtClean="0"/>
+              <a:t>Do not store </a:t>
+            </a:r>
+            <a:r>
+              <a:rPr lang="en-US" dirty="0" err="1" smtClean="0"/>
+              <a:t>MObject</a:t>
             </a:r>
             <a:r>
               <a:rPr lang="en-US" dirty="0" smtClean="0"/>
               <a:t> </a:t>
             </a:r>
-            <a:r>
-              <a:rPr lang="en-US" dirty="0" err="1" smtClean="0"/>
-              <a:t>iterator</a:t>
-            </a:r>
-            <a:r>
-              <a:rPr lang="en-US" dirty="0" smtClean="0"/>
-              <a:t> class</a:t>
-            </a:r>
-          </a:p>
-          <a:p>
-            <a:r>
-              <a:rPr lang="en-US" dirty="0" smtClean="0"/>
-              <a:t>Depth in hierarchy: </a:t>
-            </a:r>
-            <a:r>
-              <a:rPr lang="en-US" dirty="0" err="1" smtClean="0"/>
-              <a:t>MDagPath</a:t>
-            </a:r>
-            <a:r>
-              <a:rPr lang="en-US" dirty="0" smtClean="0"/>
-              <a:t>::length, </a:t>
-            </a:r>
-            <a:r>
-              <a:rPr lang="en-US" dirty="0" err="1" smtClean="0"/>
-              <a:t>MItDag</a:t>
-            </a:r>
-            <a:r>
-              <a:rPr lang="en-US" dirty="0" smtClean="0"/>
-              <a:t>::depth</a:t>
-            </a:r>
-          </a:p>
-          <a:p>
-            <a:r>
-              <a:rPr lang="en-US" dirty="0" smtClean="0"/>
-              <a:t>Getting the parent: </a:t>
-            </a:r>
-            <a:r>
-              <a:rPr lang="en-US" dirty="0" err="1" smtClean="0"/>
-              <a:t>MDagPath</a:t>
-            </a:r>
-            <a:r>
-              <a:rPr lang="en-US" dirty="0" smtClean="0"/>
-              <a:t>::pop</a:t>
-            </a:r>
-          </a:p>
-          <a:p>
-            <a:r>
-              <a:rPr lang="en-US" dirty="0" smtClean="0"/>
-              <a:t>Local matrix: </a:t>
-            </a:r>
-            <a:r>
-              <a:rPr lang="en-US" dirty="0" err="1" smtClean="0"/>
-              <a:t>MFnTransform</a:t>
-            </a:r>
-            <a:r>
-              <a:rPr lang="en-US" dirty="0" smtClean="0"/>
-              <a:t>::transformation</a:t>
-            </a:r>
-          </a:p>
-          <a:p>
-            <a:r>
-              <a:rPr lang="en-US" dirty="0" smtClean="0"/>
-              <a:t>World matrix: </a:t>
-            </a:r>
-            <a:r>
-              <a:rPr lang="en-US" dirty="0" err="1" smtClean="0"/>
-              <a:t>MDagPath</a:t>
-            </a:r>
-            <a:r>
-              <a:rPr lang="en-US" dirty="0" smtClean="0"/>
-              <a:t>::</a:t>
-            </a:r>
-            <a:r>
-              <a:rPr lang="en-US" dirty="0" err="1" smtClean="0"/>
-              <a:t>inclusiveMatrix</a:t>
-            </a:r>
-            <a:r>
-              <a:rPr lang="en-US" dirty="0" smtClean="0"/>
-              <a:t>, </a:t>
-            </a:r>
-            <a:r>
-              <a:rPr lang="en-US" dirty="0" err="1" smtClean="0"/>
-              <a:t>MDagPath</a:t>
-            </a:r>
-            <a:r>
-              <a:rPr lang="en-US" dirty="0" smtClean="0"/>
-              <a:t>::</a:t>
-            </a:r>
-            <a:r>
-              <a:rPr lang="en-US" dirty="0" err="1" smtClean="0"/>
-              <a:t>exclusiveMatrix</a:t>
-            </a:r>
-            <a:r>
-              <a:rPr lang="en-US" dirty="0" smtClean="0"/>
-              <a:t> …</a:t>
-            </a:r>
           </a:p>
           <a:p>
             <a:endParaRPr lang="en-US" dirty="0"/>
           </a:p>
         </p:txBody>
       </p:sp>
-      <p:pic>
-        <p:nvPicPr>
-          <p:cNvPr id="4" name="Picture 7" descr="F:\barb\dag.bmp"/>
-          <p:cNvPicPr>
-            <a:picLocks noChangeAspect="1" noChangeArrowheads="1"/>
-          </p:cNvPicPr>
-          <p:nvPr/>
-        </p:nvPicPr>
-        <p:blipFill>
-          <a:blip r:embed="rId3"/>
-          <a:srcRect/>
-          <a:stretch>
-            <a:fillRect/>
-          </a:stretch>
-        </p:blipFill>
-        <p:spPr bwMode="auto">
-          <a:xfrm>
-            <a:off x="4492625" y="4624388"/>
-            <a:ext cx="2571750" cy="1800225"/>
-          </a:xfrm>
-          <a:prstGeom prst="rect">
-            <a:avLst/>
-          </a:prstGeom>
-          <a:noFill/>
-          <a:ln w="12700">
-            <a:solidFill>
-              <a:schemeClr val="tx2"/>
-            </a:solidFill>
-            <a:miter lim="800000"/>
-            <a:headEnd/>
-            <a:tailEnd/>
-          </a:ln>
-          <a:effectLst>
-            <a:outerShdw dist="28398" dir="3806097" algn="ctr" rotWithShape="0">
-              <a:srgbClr val="5F5F5F"/>
-            </a:outerShdw>
-          </a:effectLst>
-        </p:spPr>
-      </p:pic>
     </p:spTree>
   </p:cSld>
   <p:clrMapOvr>
@@ -23513,11 +24791,7 @@
           <a:p>
             <a:r>
               <a:rPr lang="en-US" dirty="0" smtClean="0"/>
-              <a:t>Example: </a:t>
-            </a:r>
-            <a:r>
-              <a:rPr lang="en-US" dirty="0" err="1" smtClean="0"/>
-              <a:t>dagInfo</a:t>
+              <a:t>Important API methods</a:t>
             </a:r>
             <a:endParaRPr lang="en-US" dirty="0"/>
           </a:p>
@@ -23540,19 +24814,245 @@
           <a:p>
             <a:r>
               <a:rPr lang="en-US" dirty="0" smtClean="0"/>
-              <a:t>In this exercise, we will implement a custom command </a:t>
+              <a:t>Traversal : </a:t>
+            </a:r>
+            <a:r>
+              <a:rPr lang="en-US" dirty="0" err="1" smtClean="0"/>
+              <a:t>MItDag</a:t>
+            </a:r>
+            <a:r>
+              <a:rPr lang="en-US" dirty="0" smtClean="0"/>
+              <a:t> </a:t>
+            </a:r>
+            <a:r>
+              <a:rPr lang="en-US" dirty="0" err="1" smtClean="0"/>
+              <a:t>iterator</a:t>
+            </a:r>
+            <a:r>
+              <a:rPr lang="en-US" dirty="0" smtClean="0"/>
+              <a:t> class</a:t>
+            </a:r>
+          </a:p>
+          <a:p>
+            <a:r>
+              <a:rPr lang="en-US" dirty="0" smtClean="0"/>
+              <a:t>Depth in hierarchy: </a:t>
+            </a:r>
+            <a:r>
+              <a:rPr lang="en-US" dirty="0" err="1" smtClean="0"/>
+              <a:t>MDagPath</a:t>
+            </a:r>
+            <a:r>
+              <a:rPr lang="en-US" dirty="0" smtClean="0"/>
+              <a:t>::length, </a:t>
+            </a:r>
+            <a:r>
+              <a:rPr lang="en-US" dirty="0" err="1" smtClean="0"/>
+              <a:t>MItDag</a:t>
+            </a:r>
+            <a:r>
+              <a:rPr lang="en-US" dirty="0" smtClean="0"/>
+              <a:t>::depth</a:t>
+            </a:r>
+          </a:p>
+          <a:p>
+            <a:r>
+              <a:rPr lang="en-US" dirty="0" smtClean="0"/>
+              <a:t>Getting the parent: </a:t>
+            </a:r>
+            <a:r>
+              <a:rPr lang="en-US" dirty="0" err="1" smtClean="0"/>
+              <a:t>MDagPath</a:t>
+            </a:r>
+            <a:r>
+              <a:rPr lang="en-US" dirty="0" smtClean="0"/>
+              <a:t>::pop</a:t>
+            </a:r>
+          </a:p>
+          <a:p>
+            <a:r>
+              <a:rPr lang="en-US" dirty="0" smtClean="0"/>
+              <a:t>Local matrix: </a:t>
+            </a:r>
+            <a:r>
+              <a:rPr lang="en-US" dirty="0" err="1" smtClean="0"/>
+              <a:t>MFnTransform</a:t>
+            </a:r>
+            <a:r>
+              <a:rPr lang="en-US" dirty="0" smtClean="0"/>
+              <a:t>::transformation</a:t>
+            </a:r>
+          </a:p>
+          <a:p>
+            <a:r>
+              <a:rPr lang="en-US" dirty="0" smtClean="0"/>
+              <a:t>World matrix: </a:t>
+            </a:r>
+            <a:r>
+              <a:rPr lang="en-US" dirty="0" err="1" smtClean="0"/>
+              <a:t>MDagPath</a:t>
+            </a:r>
+            <a:r>
+              <a:rPr lang="en-US" dirty="0" smtClean="0"/>
+              <a:t>::</a:t>
+            </a:r>
+            <a:r>
+              <a:rPr lang="en-US" dirty="0" err="1" smtClean="0"/>
+              <a:t>inclusiveMatrix</a:t>
+            </a:r>
+            <a:r>
+              <a:rPr lang="en-US" dirty="0" smtClean="0"/>
+              <a:t>, </a:t>
+            </a:r>
+            <a:r>
+              <a:rPr lang="en-US" dirty="0" err="1" smtClean="0"/>
+              <a:t>MDagPath</a:t>
+            </a:r>
+            <a:r>
+              <a:rPr lang="en-US" dirty="0" smtClean="0"/>
+              <a:t>::</a:t>
+            </a:r>
+            <a:r>
+              <a:rPr lang="en-US" dirty="0" err="1" smtClean="0"/>
+              <a:t>exclusiveMatrix</a:t>
+            </a:r>
+            <a:r>
+              <a:rPr lang="en-US" dirty="0" smtClean="0"/>
+              <a:t> …</a:t>
+            </a:r>
+          </a:p>
+          <a:p>
+            <a:endParaRPr lang="en-US" dirty="0"/>
+          </a:p>
+        </p:txBody>
+      </p:sp>
+      <p:pic>
+        <p:nvPicPr>
+          <p:cNvPr id="4" name="Picture 7" descr="F:\barb\dag.bmp"/>
+          <p:cNvPicPr>
+            <a:picLocks noChangeAspect="1" noChangeArrowheads="1"/>
+          </p:cNvPicPr>
+          <p:nvPr/>
+        </p:nvPicPr>
+        <p:blipFill>
+          <a:blip r:embed="rId3" cstate="print"/>
+          <a:srcRect/>
+          <a:stretch>
+            <a:fillRect/>
+          </a:stretch>
+        </p:blipFill>
+        <p:spPr bwMode="auto">
+          <a:xfrm>
+            <a:off x="4492625" y="4624388"/>
+            <a:ext cx="2571750" cy="1800225"/>
+          </a:xfrm>
+          <a:prstGeom prst="rect">
+            <a:avLst/>
+          </a:prstGeom>
+          <a:noFill/>
+          <a:ln w="12700">
+            <a:solidFill>
+              <a:schemeClr val="tx2"/>
+            </a:solidFill>
+            <a:miter lim="800000"/>
+            <a:headEnd/>
+            <a:tailEnd/>
+          </a:ln>
+          <a:effectLst>
+            <a:outerShdw dist="28398" dir="3806097" algn="ctr" rotWithShape="0">
+              <a:srgbClr val="5F5F5F"/>
+            </a:outerShdw>
+          </a:effectLst>
+        </p:spPr>
+      </p:pic>
+    </p:spTree>
+  </p:cSld>
+  <p:clrMapOvr>
+    <a:masterClrMapping/>
+  </p:clrMapOvr>
+  <p:transition spd="med">
+    <p:fade/>
+  </p:transition>
+  <p:timing>
+    <p:tnLst>
+      <p:par>
+        <p:cTn id="1" dur="indefinite" restart="never" nodeType="tmRoot"/>
+      </p:par>
+    </p:tnLst>
+  </p:timing>
+</p:sld>
+</file>
+
+<file path=ppt/slides/slide39.xml><?xml version="1.0" encoding="utf-8"?>
+<p:sld xmlns:a="http://schemas.openxmlformats.org/drawingml/2006/main" xmlns:r="http://schemas.openxmlformats.org/officeDocument/2006/relationships" xmlns:p="http://schemas.openxmlformats.org/presentationml/2006/main">
+  <p:cSld>
+    <p:spTree>
+      <p:nvGrpSpPr>
+        <p:cNvPr id="1" name=""/>
+        <p:cNvGrpSpPr/>
+        <p:nvPr/>
+      </p:nvGrpSpPr>
+      <p:grpSpPr>
+        <a:xfrm>
+          <a:off x="0" y="0"/>
+          <a:ext cx="0" cy="0"/>
+          <a:chOff x="0" y="0"/>
+          <a:chExt cx="0" cy="0"/>
+        </a:xfrm>
+      </p:grpSpPr>
+      <p:sp>
+        <p:nvSpPr>
+          <p:cNvPr id="2" name="Title 1"/>
+          <p:cNvSpPr>
+            <a:spLocks noGrp="1"/>
+          </p:cNvSpPr>
+          <p:nvPr>
+            <p:ph type="title"/>
+          </p:nvPr>
+        </p:nvSpPr>
+        <p:spPr/>
+        <p:txBody>
+          <a:bodyPr/>
+          <a:lstStyle/>
+          <a:p>
+            <a:r>
+              <a:rPr lang="en-US" dirty="0" smtClean="0"/>
+              <a:t>Example: </a:t>
             </a:r>
             <a:r>
               <a:rPr lang="en-US" dirty="0" err="1" smtClean="0"/>
               <a:t>dagInfo</a:t>
             </a:r>
+            <a:endParaRPr lang="en-US" dirty="0"/>
+          </a:p>
+        </p:txBody>
+      </p:sp>
+      <p:sp>
+        <p:nvSpPr>
+          <p:cNvPr id="3" name="Content Placeholder 2"/>
+          <p:cNvSpPr>
+            <a:spLocks noGrp="1"/>
+          </p:cNvSpPr>
+          <p:nvPr>
+            <p:ph idx="1"/>
+          </p:nvPr>
+        </p:nvSpPr>
+        <p:spPr/>
+        <p:txBody>
+          <a:bodyPr/>
+          <a:lstStyle/>
+          <a:p>
             <a:r>
               <a:rPr lang="en-US" dirty="0" smtClean="0"/>
-              <a:t>. For all the selected DAG nodes in the scene, it will print out the instance information, dag path and also inclusive and exclusive matrix</a:t>
+              <a:t>In this exercise, we will implement a custom command </a:t>
+            </a:r>
+            <a:r>
+              <a:rPr lang="en-US" dirty="0" err="1" smtClean="0"/>
+              <a:t>dagInfo</a:t>
             </a:r>
             <a:r>
               <a:rPr lang="en-US" dirty="0" smtClean="0"/>
-              <a:t>.</a:t>
+              <a:t>. For all the selected DAG nodes in the scene, it will print out the instance information, dag path and also inclusive and exclusive matrix.</a:t>
             </a:r>
           </a:p>
           <a:p>
@@ -23577,7 +25077,7 @@
               <a:t> </a:t>
             </a:r>
             <a:r>
-              <a:rPr lang="en-US" dirty="0" err="1" smtClean="0"/>
+              <a:rPr lang="en-US" smtClean="0"/>
               <a:t>MMatrix</a:t>
             </a:r>
             <a:r>
@@ -29120,7 +30620,7 @@
           <p:nvPr/>
         </p:nvPicPr>
         <p:blipFill>
-          <a:blip r:embed="rId3"/>
+          <a:blip r:embed="rId3" cstate="print"/>
           <a:srcRect/>
           <a:stretch>
             <a:fillRect/>
